--- a/rust-memory-container-cs.pptx
+++ b/rust-memory-container-cs.pptx
@@ -107,14 +107,6 @@
 </p:presentation>
 </file>
 
-<file path=ppt/revisionInfo.xml><?xml version="1.0" encoding="utf-8"?>
-<p1510:revInfo xmlns:a="http://schemas.openxmlformats.org/drawingml/2006/main" xmlns:r="http://schemas.openxmlformats.org/officeDocument/2006/relationships" xmlns:p1510="http://schemas.microsoft.com/office/powerpoint/2015/10/main">
-  <p1510:revLst>
-    <p1510:client id="{E97EC804-D244-4336-B6F8-868EF38DE9EE}" v="40" dt="2020-08-21T12:36:46.180"/>
-  </p1510:revLst>
-</p1510:revInfo>
-</file>
-
 <file path=ppt/slideLayouts/slideLayout1.xml><?xml version="1.0" encoding="utf-8"?>
 <p:sldLayout xmlns:a="http://schemas.openxmlformats.org/drawingml/2006/main" xmlns:r="http://schemas.openxmlformats.org/officeDocument/2006/relationships" xmlns:p="http://schemas.openxmlformats.org/presentationml/2006/main" type="title" preserve="1">
   <p:cSld name="タイトル スライド">
@@ -2528,7 +2520,7 @@
               <a:rPr lang="ja-JP" altLang="en-US"/>
               <a:t>アイコンをクリックして図を追加</a:t>
             </a:r>
-            <a:endParaRPr lang="en-US" dirty="0"/>
+            <a:endParaRPr lang="en-US"/>
           </a:p>
         </p:txBody>
       </p:sp>
@@ -3277,10 +3269,10 @@
       </p:grpSpPr>
       <p:sp>
         <p:nvSpPr>
-          <p:cNvPr id="4" name="テキスト ボックス 3">
-            <a:extLst>
-              <a:ext uri="{FF2B5EF4-FFF2-40B4-BE49-F238E27FC236}">
-                <a16:creationId xmlns:a16="http://schemas.microsoft.com/office/drawing/2014/main" id="{864CC6FD-7D78-41B2-B6C9-ACF654D2EAF5}"/>
+          <p:cNvPr id="745" name="テキスト ボックス 744">
+            <a:extLst>
+              <a:ext uri="{FF2B5EF4-FFF2-40B4-BE49-F238E27FC236}">
+                <a16:creationId xmlns:a16="http://schemas.microsoft.com/office/drawing/2014/main" id="{0DBD188F-12D9-49FE-A55D-987605208C8A}"/>
               </a:ext>
             </a:extLst>
           </p:cNvPr>
@@ -3289,8 +3281,8 @@
         </p:nvSpPr>
         <p:spPr>
           <a:xfrm>
-            <a:off x="5939404" y="5876958"/>
-            <a:ext cx="1693990" cy="369332"/>
+            <a:off x="156696" y="6237550"/>
+            <a:ext cx="2909771" cy="400110"/>
           </a:xfrm>
           <a:prstGeom prst="rect">
             <a:avLst/>
@@ -3304,31 +3296,36 @@
           <a:lstStyle/>
           <a:p>
             <a:r>
-              <a:rPr kumimoji="1" lang="en-US" altLang="ja-JP" dirty="0">
+              <a:rPr kumimoji="1" lang="en-US" altLang="ja-JP" sz="1000">
                 <a:solidFill>
                   <a:schemeClr val="bg2">
                     <a:lumMod val="50000"/>
                   </a:schemeClr>
                 </a:solidFill>
               </a:rPr>
-              <a:t>&lt;reader/writer&gt;</a:t>
-            </a:r>
-            <a:endParaRPr kumimoji="1" lang="ja-JP" altLang="en-US" dirty="0">
-              <a:solidFill>
-                <a:schemeClr val="bg2">
-                  <a:lumMod val="50000"/>
-                </a:schemeClr>
-              </a:solidFill>
-            </a:endParaRPr>
-          </a:p>
-        </p:txBody>
-      </p:sp>
-      <p:sp>
-        <p:nvSpPr>
-          <p:cNvPr id="5" name="テキスト ボックス 4">
-            <a:extLst>
-              <a:ext uri="{FF2B5EF4-FFF2-40B4-BE49-F238E27FC236}">
-                <a16:creationId xmlns:a16="http://schemas.microsoft.com/office/drawing/2014/main" id="{2384541E-C56E-454F-914F-1928DA8B5596}"/>
+              <a:t>rev.1; 2020-08-22</a:t>
+            </a:r>
+          </a:p>
+          <a:p>
+            <a:r>
+              <a:rPr kumimoji="1" lang="en-US" altLang="ja-JP" sz="1000">
+                <a:solidFill>
+                  <a:schemeClr val="bg2">
+                    <a:lumMod val="50000"/>
+                  </a:schemeClr>
+                </a:solidFill>
+              </a:rPr>
+              <a:t>https://github.com/usagi/rust-memory-container-cs</a:t>
+            </a:r>
+          </a:p>
+        </p:txBody>
+      </p:sp>
+      <p:sp>
+        <p:nvSpPr>
+          <p:cNvPr id="4" name="テキスト ボックス 3">
+            <a:extLst>
+              <a:ext uri="{FF2B5EF4-FFF2-40B4-BE49-F238E27FC236}">
+                <a16:creationId xmlns:a16="http://schemas.microsoft.com/office/drawing/2014/main" id="{864CC6FD-7D78-41B2-B6C9-ACF654D2EAF5}"/>
               </a:ext>
             </a:extLst>
           </p:cNvPr>
@@ -3337,8 +3334,8 @@
         </p:nvSpPr>
         <p:spPr>
           <a:xfrm>
-            <a:off x="10215349" y="146920"/>
-            <a:ext cx="1847636" cy="369332"/>
+            <a:off x="6123650" y="5876958"/>
+            <a:ext cx="1693990" cy="369332"/>
           </a:xfrm>
           <a:prstGeom prst="rect">
             <a:avLst/>
@@ -3346,22 +3343,22 @@
           <a:noFill/>
         </p:spPr>
         <p:txBody>
-          <a:bodyPr wrap="square" rtlCol="0">
+          <a:bodyPr wrap="none" rtlCol="0">
             <a:spAutoFit/>
           </a:bodyPr>
           <a:lstStyle/>
           <a:p>
             <a:r>
-              <a:rPr kumimoji="1" lang="en-US" altLang="ja-JP" dirty="0">
+              <a:rPr kumimoji="1" lang="en-US" altLang="ja-JP">
                 <a:solidFill>
                   <a:schemeClr val="bg1">
                     <a:lumMod val="75000"/>
                   </a:schemeClr>
                 </a:solidFill>
               </a:rPr>
-              <a:t>T</a:t>
-            </a:r>
-            <a:endParaRPr kumimoji="1" lang="ja-JP" altLang="en-US" dirty="0">
+              <a:t>&lt;reader/writer&gt;</a:t>
+            </a:r>
+            <a:endParaRPr kumimoji="1" lang="ja-JP" altLang="en-US">
               <a:solidFill>
                 <a:schemeClr val="bg1">
                   <a:lumMod val="75000"/>
@@ -3373,10 +3370,10 @@
       </p:sp>
       <p:sp>
         <p:nvSpPr>
-          <p:cNvPr id="7" name="テキスト ボックス 6">
-            <a:extLst>
-              <a:ext uri="{FF2B5EF4-FFF2-40B4-BE49-F238E27FC236}">
-                <a16:creationId xmlns:a16="http://schemas.microsoft.com/office/drawing/2014/main" id="{1B7E1512-4088-4835-9D73-465EEA1B994A}"/>
+          <p:cNvPr id="5" name="テキスト ボックス 4">
+            <a:extLst>
+              <a:ext uri="{FF2B5EF4-FFF2-40B4-BE49-F238E27FC236}">
+                <a16:creationId xmlns:a16="http://schemas.microsoft.com/office/drawing/2014/main" id="{2384541E-C56E-454F-914F-1928DA8B5596}"/>
               </a:ext>
             </a:extLst>
           </p:cNvPr>
@@ -3385,8 +3382,8 @@
         </p:nvSpPr>
         <p:spPr>
           <a:xfrm>
-            <a:off x="10215349" y="2100820"/>
-            <a:ext cx="1847636" cy="369332"/>
+            <a:off x="10251332" y="1360700"/>
+            <a:ext cx="2070573" cy="369332"/>
           </a:xfrm>
           <a:prstGeom prst="rect">
             <a:avLst/>
@@ -3400,14 +3397,114 @@
           <a:lstStyle/>
           <a:p>
             <a:r>
-              <a:rPr kumimoji="1" lang="en-US" altLang="ja-JP" dirty="0">
+              <a:rPr kumimoji="1" lang="en-US" altLang="ja-JP">
+                <a:solidFill>
+                  <a:schemeClr val="bg1">
+                    <a:lumMod val="75000"/>
+                  </a:schemeClr>
+                </a:solidFill>
+              </a:rPr>
+              <a:t>T </a:t>
+            </a:r>
+            <a:r>
+              <a:rPr kumimoji="1" lang="en-US" altLang="ja-JP">
+                <a:solidFill>
+                  <a:schemeClr val="bg2">
+                    <a:lumMod val="50000"/>
+                  </a:schemeClr>
+                </a:solidFill>
+              </a:rPr>
+              <a:t>or</a:t>
+            </a:r>
+            <a:r>
+              <a:rPr kumimoji="1" lang="en-US" altLang="ja-JP">
+                <a:solidFill>
+                  <a:schemeClr val="bg1">
+                    <a:lumMod val="75000"/>
+                  </a:schemeClr>
+                </a:solidFill>
+              </a:rPr>
+              <a:t> </a:t>
+            </a:r>
+            <a:r>
+              <a:rPr kumimoji="1" lang="en-US" altLang="ja-JP">
+                <a:solidFill>
+                  <a:schemeClr val="accent4"/>
+                </a:solidFill>
+              </a:rPr>
+              <a:t>mut</a:t>
+            </a:r>
+            <a:r>
+              <a:rPr kumimoji="1" lang="en-US" altLang="ja-JP" baseline="30000">
+                <a:solidFill>
+                  <a:schemeClr val="bg2">
+                    <a:lumMod val="50000"/>
+                  </a:schemeClr>
+                </a:solidFill>
+              </a:rPr>
+              <a:t>(†1)</a:t>
+            </a:r>
+            <a:endParaRPr kumimoji="1" lang="ja-JP" altLang="en-US">
+              <a:solidFill>
+                <a:schemeClr val="accent6"/>
+              </a:solidFill>
+            </a:endParaRPr>
+          </a:p>
+        </p:txBody>
+      </p:sp>
+      <p:sp>
+        <p:nvSpPr>
+          <p:cNvPr id="7" name="テキスト ボックス 6">
+            <a:extLst>
+              <a:ext uri="{FF2B5EF4-FFF2-40B4-BE49-F238E27FC236}">
+                <a16:creationId xmlns:a16="http://schemas.microsoft.com/office/drawing/2014/main" id="{1B7E1512-4088-4835-9D73-465EEA1B994A}"/>
+              </a:ext>
+            </a:extLst>
+          </p:cNvPr>
+          <p:cNvSpPr txBox="1"/>
+          <p:nvPr/>
+        </p:nvSpPr>
+        <p:spPr>
+          <a:xfrm>
+            <a:off x="10251332" y="2100820"/>
+            <a:ext cx="2070573" cy="369332"/>
+          </a:xfrm>
+          <a:prstGeom prst="rect">
+            <a:avLst/>
+          </a:prstGeom>
+          <a:noFill/>
+        </p:spPr>
+        <p:txBody>
+          <a:bodyPr wrap="square" rtlCol="0">
+            <a:spAutoFit/>
+          </a:bodyPr>
+          <a:lstStyle/>
+          <a:p>
+            <a:r>
+              <a:rPr kumimoji="1" lang="en-US" altLang="ja-JP">
                 <a:solidFill>
                   <a:srgbClr val="00B0F0"/>
                 </a:solidFill>
               </a:rPr>
-              <a:t>Cell&lt;T&gt;</a:t>
-            </a:r>
-            <a:endParaRPr kumimoji="1" lang="ja-JP" altLang="en-US" dirty="0">
+              <a:t>Cell&lt;</a:t>
+            </a:r>
+            <a:r>
+              <a:rPr kumimoji="1" lang="en-US" altLang="ja-JP">
+                <a:solidFill>
+                  <a:schemeClr val="accent4"/>
+                </a:solidFill>
+              </a:rPr>
+              <a:t>T</a:t>
+            </a:r>
+            <a:r>
+              <a:rPr kumimoji="1" lang="en-US" altLang="ja-JP">
+                <a:solidFill>
+                  <a:srgbClr val="00B0F0"/>
+                </a:solidFill>
+              </a:rPr>
+              <a:t>&gt;</a:t>
+            </a:r>
+            <a:endParaRPr kumimoji="1" lang="ja-JP" altLang="en-US">
               <a:solidFill>
                 <a:srgbClr val="00B0F0"/>
               </a:solidFill>
@@ -3429,8 +3526,8 @@
         </p:nvSpPr>
         <p:spPr>
           <a:xfrm>
-            <a:off x="10215349" y="2491600"/>
-            <a:ext cx="1847636" cy="369332"/>
+            <a:off x="10251332" y="2491600"/>
+            <a:ext cx="2070573" cy="369332"/>
           </a:xfrm>
           <a:prstGeom prst="rect">
             <a:avLst/>
@@ -3444,7 +3541,7 @@
           <a:lstStyle/>
           <a:p>
             <a:r>
-              <a:rPr kumimoji="1" lang="en-US" altLang="ja-JP" dirty="0" err="1">
+              <a:rPr kumimoji="1" lang="en-US" altLang="ja-JP" err="1">
                 <a:solidFill>
                   <a:srgbClr val="00B0F0"/>
                 </a:solidFill>
@@ -3452,14 +3549,30 @@
               <a:t>RefCell</a:t>
             </a:r>
             <a:r>
-              <a:rPr kumimoji="1" lang="en-US" altLang="ja-JP" dirty="0">
+              <a:rPr kumimoji="1" lang="en-US" altLang="ja-JP">
                 <a:solidFill>
                   <a:srgbClr val="00B0F0"/>
                 </a:solidFill>
               </a:rPr>
-              <a:t>&lt;T&gt;</a:t>
-            </a:r>
-            <a:endParaRPr kumimoji="1" lang="ja-JP" altLang="en-US" dirty="0">
+              <a:t>&lt;</a:t>
+            </a:r>
+            <a:r>
+              <a:rPr kumimoji="1" lang="en-US" altLang="ja-JP">
+                <a:solidFill>
+                  <a:schemeClr val="accent4"/>
+                </a:solidFill>
+              </a:rPr>
+              <a:t>T</a:t>
+            </a:r>
+            <a:r>
+              <a:rPr kumimoji="1" lang="en-US" altLang="ja-JP">
+                <a:solidFill>
+                  <a:srgbClr val="00B0F0"/>
+                </a:solidFill>
+              </a:rPr>
+              <a:t>&gt;</a:t>
+            </a:r>
+            <a:endParaRPr kumimoji="1" lang="ja-JP" altLang="en-US">
               <a:solidFill>
                 <a:srgbClr val="00B0F0"/>
               </a:solidFill>
@@ -3481,8 +3594,8 @@
         </p:nvSpPr>
         <p:spPr>
           <a:xfrm>
-            <a:off x="10215349" y="2882380"/>
-            <a:ext cx="1847636" cy="369332"/>
+            <a:off x="10251332" y="4054720"/>
+            <a:ext cx="2070573" cy="369332"/>
           </a:xfrm>
           <a:prstGeom prst="rect">
             <a:avLst/>
@@ -3496,14 +3609,34 @@
           <a:lstStyle/>
           <a:p>
             <a:r>
-              <a:rPr kumimoji="1" lang="en-US" altLang="ja-JP" dirty="0" err="1">
-                <a:solidFill>
-                  <a:schemeClr val="accent6"/>
+              <a:rPr kumimoji="1" lang="en-US" altLang="ja-JP" err="1">
+                <a:solidFill>
+                  <a:schemeClr val="accent4"/>
                 </a:solidFill>
               </a:rPr>
               <a:t>AtomicT</a:t>
             </a:r>
-            <a:endParaRPr kumimoji="1" lang="ja-JP" altLang="en-US" dirty="0">
+            <a:r>
+              <a:rPr kumimoji="1" lang="en-US" altLang="ja-JP">
+                <a:solidFill>
+                  <a:schemeClr val="bg1">
+                    <a:lumMod val="75000"/>
+                  </a:schemeClr>
+                </a:solidFill>
+              </a:rPr>
+              <a:t> </a:t>
+            </a:r>
+            <a:r>
+              <a:rPr kumimoji="1" lang="en-US" altLang="ja-JP" baseline="30000">
+                <a:solidFill>
+                  <a:schemeClr val="bg2">
+                    <a:lumMod val="50000"/>
+                  </a:schemeClr>
+                </a:solidFill>
+              </a:rPr>
+              <a:t>(†2)</a:t>
+            </a:r>
+            <a:endParaRPr kumimoji="1" lang="ja-JP" altLang="en-US">
               <a:solidFill>
                 <a:schemeClr val="accent6"/>
               </a:solidFill>
@@ -3525,8 +3658,8 @@
         </p:nvSpPr>
         <p:spPr>
           <a:xfrm>
-            <a:off x="10215349" y="3273160"/>
-            <a:ext cx="1847636" cy="369332"/>
+            <a:off x="10251332" y="4445500"/>
+            <a:ext cx="2070573" cy="369332"/>
           </a:xfrm>
           <a:prstGeom prst="rect">
             <a:avLst/>
@@ -3540,14 +3673,30 @@
           <a:lstStyle/>
           <a:p>
             <a:r>
-              <a:rPr kumimoji="1" lang="en-US" altLang="ja-JP" dirty="0">
+              <a:rPr kumimoji="1" lang="en-US" altLang="ja-JP">
                 <a:solidFill>
                   <a:schemeClr val="accent6"/>
                 </a:solidFill>
               </a:rPr>
-              <a:t>Mutex&lt;T&gt;</a:t>
-            </a:r>
-            <a:endParaRPr kumimoji="1" lang="ja-JP" altLang="en-US" dirty="0">
+              <a:t>Mutex&lt;</a:t>
+            </a:r>
+            <a:r>
+              <a:rPr kumimoji="1" lang="en-US" altLang="ja-JP">
+                <a:solidFill>
+                  <a:schemeClr val="accent4"/>
+                </a:solidFill>
+              </a:rPr>
+              <a:t>T</a:t>
+            </a:r>
+            <a:r>
+              <a:rPr kumimoji="1" lang="en-US" altLang="ja-JP">
+                <a:solidFill>
+                  <a:schemeClr val="accent6"/>
+                </a:solidFill>
+              </a:rPr>
+              <a:t>&gt;</a:t>
+            </a:r>
+            <a:endParaRPr kumimoji="1" lang="ja-JP" altLang="en-US">
               <a:solidFill>
                 <a:schemeClr val="accent6"/>
               </a:solidFill>
@@ -3569,8 +3718,8 @@
         </p:nvSpPr>
         <p:spPr>
           <a:xfrm>
-            <a:off x="10215349" y="3663940"/>
-            <a:ext cx="1847636" cy="369332"/>
+            <a:off x="10251332" y="4836280"/>
+            <a:ext cx="2070573" cy="369332"/>
           </a:xfrm>
           <a:prstGeom prst="rect">
             <a:avLst/>
@@ -3584,7 +3733,7 @@
           <a:lstStyle/>
           <a:p>
             <a:r>
-              <a:rPr kumimoji="1" lang="en-US" altLang="ja-JP" dirty="0" err="1">
+              <a:rPr kumimoji="1" lang="en-US" altLang="ja-JP" err="1">
                 <a:solidFill>
                   <a:schemeClr val="accent6"/>
                 </a:solidFill>
@@ -3592,14 +3741,30 @@
               <a:t>RwLock</a:t>
             </a:r>
             <a:r>
-              <a:rPr kumimoji="1" lang="en-US" altLang="ja-JP" dirty="0">
+              <a:rPr kumimoji="1" lang="en-US" altLang="ja-JP">
                 <a:solidFill>
                   <a:schemeClr val="accent6"/>
                 </a:solidFill>
               </a:rPr>
-              <a:t>&lt;T&gt;</a:t>
-            </a:r>
-            <a:endParaRPr kumimoji="1" lang="ja-JP" altLang="en-US" dirty="0">
+              <a:t>&lt;</a:t>
+            </a:r>
+            <a:r>
+              <a:rPr kumimoji="1" lang="en-US" altLang="ja-JP">
+                <a:solidFill>
+                  <a:schemeClr val="accent4"/>
+                </a:solidFill>
+              </a:rPr>
+              <a:t>T</a:t>
+            </a:r>
+            <a:r>
+              <a:rPr kumimoji="1" lang="en-US" altLang="ja-JP">
+                <a:solidFill>
+                  <a:schemeClr val="accent6"/>
+                </a:solidFill>
+              </a:rPr>
+              <a:t>&gt;</a:t>
+            </a:r>
+            <a:endParaRPr kumimoji="1" lang="ja-JP" altLang="en-US">
               <a:solidFill>
                 <a:schemeClr val="accent6"/>
               </a:solidFill>
@@ -3621,8 +3786,8 @@
         </p:nvSpPr>
         <p:spPr>
           <a:xfrm>
-            <a:off x="10215349" y="4054720"/>
-            <a:ext cx="1847636" cy="369332"/>
+            <a:off x="10251332" y="2882380"/>
+            <a:ext cx="2070573" cy="369332"/>
           </a:xfrm>
           <a:prstGeom prst="rect">
             <a:avLst/>
@@ -3636,7 +3801,7 @@
           <a:lstStyle/>
           <a:p>
             <a:r>
-              <a:rPr kumimoji="1" lang="en-US" altLang="ja-JP" dirty="0" err="1">
+              <a:rPr kumimoji="1" lang="en-US" altLang="ja-JP" err="1">
                 <a:solidFill>
                   <a:srgbClr val="00B0F0"/>
                 </a:solidFill>
@@ -3644,14 +3809,32 @@
               <a:t>Rc</a:t>
             </a:r>
             <a:r>
-              <a:rPr kumimoji="1" lang="en-US" altLang="ja-JP" dirty="0">
+              <a:rPr kumimoji="1" lang="en-US" altLang="ja-JP">
                 <a:solidFill>
                   <a:srgbClr val="00B0F0"/>
                 </a:solidFill>
               </a:rPr>
-              <a:t>&lt;T&gt;</a:t>
-            </a:r>
-            <a:endParaRPr kumimoji="1" lang="ja-JP" altLang="en-US" dirty="0">
+              <a:t>&lt;</a:t>
+            </a:r>
+            <a:r>
+              <a:rPr kumimoji="1" lang="en-US" altLang="ja-JP">
+                <a:solidFill>
+                  <a:schemeClr val="bg1">
+                    <a:lumMod val="75000"/>
+                  </a:schemeClr>
+                </a:solidFill>
+              </a:rPr>
+              <a:t>T</a:t>
+            </a:r>
+            <a:r>
+              <a:rPr kumimoji="1" lang="en-US" altLang="ja-JP">
+                <a:solidFill>
+                  <a:srgbClr val="00B0F0"/>
+                </a:solidFill>
+              </a:rPr>
+              <a:t>&gt;</a:t>
+            </a:r>
+            <a:endParaRPr kumimoji="1" lang="ja-JP" altLang="en-US">
               <a:solidFill>
                 <a:srgbClr val="00B0F0"/>
               </a:solidFill>
@@ -3673,8 +3856,8 @@
         </p:nvSpPr>
         <p:spPr>
           <a:xfrm>
-            <a:off x="10215349" y="4445500"/>
-            <a:ext cx="1847636" cy="369332"/>
+            <a:off x="10251332" y="3273160"/>
+            <a:ext cx="2070573" cy="369332"/>
           </a:xfrm>
           <a:prstGeom prst="rect">
             <a:avLst/>
@@ -3688,7 +3871,7 @@
           <a:lstStyle/>
           <a:p>
             <a:r>
-              <a:rPr kumimoji="1" lang="en-US" altLang="ja-JP" dirty="0" err="1">
+              <a:rPr kumimoji="1" lang="en-US" altLang="ja-JP" err="1">
                 <a:solidFill>
                   <a:srgbClr val="00B0F0"/>
                 </a:solidFill>
@@ -3696,14 +3879,30 @@
               <a:t>Rc</a:t>
             </a:r>
             <a:r>
-              <a:rPr kumimoji="1" lang="en-US" altLang="ja-JP" dirty="0">
+              <a:rPr kumimoji="1" lang="en-US" altLang="ja-JP">
                 <a:solidFill>
                   <a:srgbClr val="00B0F0"/>
                 </a:solidFill>
               </a:rPr>
-              <a:t>&lt;Cell&lt;T&gt;&gt;</a:t>
-            </a:r>
-            <a:endParaRPr kumimoji="1" lang="ja-JP" altLang="en-US" dirty="0">
+              <a:t>&lt;Cell&lt;</a:t>
+            </a:r>
+            <a:r>
+              <a:rPr kumimoji="1" lang="en-US" altLang="ja-JP">
+                <a:solidFill>
+                  <a:schemeClr val="accent4"/>
+                </a:solidFill>
+              </a:rPr>
+              <a:t>T</a:t>
+            </a:r>
+            <a:r>
+              <a:rPr kumimoji="1" lang="en-US" altLang="ja-JP">
+                <a:solidFill>
+                  <a:srgbClr val="00B0F0"/>
+                </a:solidFill>
+              </a:rPr>
+              <a:t>&gt;&gt;</a:t>
+            </a:r>
+            <a:endParaRPr kumimoji="1" lang="ja-JP" altLang="en-US">
               <a:solidFill>
                 <a:srgbClr val="00B0F0"/>
               </a:solidFill>
@@ -3725,8 +3924,8 @@
         </p:nvSpPr>
         <p:spPr>
           <a:xfrm>
-            <a:off x="10215349" y="4836280"/>
-            <a:ext cx="1847636" cy="369332"/>
+            <a:off x="10251332" y="3663940"/>
+            <a:ext cx="2070573" cy="369332"/>
           </a:xfrm>
           <a:prstGeom prst="rect">
             <a:avLst/>
@@ -3740,7 +3939,7 @@
           <a:lstStyle/>
           <a:p>
             <a:r>
-              <a:rPr kumimoji="1" lang="en-US" altLang="ja-JP" dirty="0" err="1">
+              <a:rPr kumimoji="1" lang="en-US" altLang="ja-JP" err="1">
                 <a:solidFill>
                   <a:srgbClr val="00B0F0"/>
                 </a:solidFill>
@@ -3748,7 +3947,7 @@
               <a:t>Rc</a:t>
             </a:r>
             <a:r>
-              <a:rPr kumimoji="1" lang="en-US" altLang="ja-JP" dirty="0">
+              <a:rPr kumimoji="1" lang="en-US" altLang="ja-JP">
                 <a:solidFill>
                   <a:srgbClr val="00B0F0"/>
                 </a:solidFill>
@@ -3756,7 +3955,7 @@
               <a:t>&lt;</a:t>
             </a:r>
             <a:r>
-              <a:rPr kumimoji="1" lang="en-US" altLang="ja-JP" dirty="0" err="1">
+              <a:rPr kumimoji="1" lang="en-US" altLang="ja-JP" err="1">
                 <a:solidFill>
                   <a:srgbClr val="00B0F0"/>
                 </a:solidFill>
@@ -3764,14 +3963,30 @@
               <a:t>RefCell</a:t>
             </a:r>
             <a:r>
-              <a:rPr kumimoji="1" lang="en-US" altLang="ja-JP" dirty="0">
+              <a:rPr kumimoji="1" lang="en-US" altLang="ja-JP">
                 <a:solidFill>
                   <a:srgbClr val="00B0F0"/>
                 </a:solidFill>
               </a:rPr>
-              <a:t>&lt;T&gt;&gt;</a:t>
-            </a:r>
-            <a:endParaRPr kumimoji="1" lang="ja-JP" altLang="en-US" dirty="0">
+              <a:t>&lt;</a:t>
+            </a:r>
+            <a:r>
+              <a:rPr kumimoji="1" lang="en-US" altLang="ja-JP">
+                <a:solidFill>
+                  <a:schemeClr val="accent4"/>
+                </a:solidFill>
+              </a:rPr>
+              <a:t>T</a:t>
+            </a:r>
+            <a:r>
+              <a:rPr kumimoji="1" lang="en-US" altLang="ja-JP">
+                <a:solidFill>
+                  <a:srgbClr val="00B0F0"/>
+                </a:solidFill>
+              </a:rPr>
+              <a:t>&gt;&gt;</a:t>
+            </a:r>
+            <a:endParaRPr kumimoji="1" lang="ja-JP" altLang="en-US">
               <a:solidFill>
                 <a:srgbClr val="00B0F0"/>
               </a:solidFill>
@@ -3793,8 +4008,8 @@
         </p:nvSpPr>
         <p:spPr>
           <a:xfrm>
-            <a:off x="10215349" y="5227060"/>
-            <a:ext cx="1847636" cy="369332"/>
+            <a:off x="10251332" y="5227060"/>
+            <a:ext cx="2070573" cy="369332"/>
           </a:xfrm>
           <a:prstGeom prst="rect">
             <a:avLst/>
@@ -3808,14 +4023,32 @@
           <a:lstStyle/>
           <a:p>
             <a:r>
-              <a:rPr kumimoji="1" lang="en-US" altLang="ja-JP" dirty="0">
+              <a:rPr kumimoji="1" lang="en-US" altLang="ja-JP">
                 <a:solidFill>
                   <a:schemeClr val="accent6"/>
                 </a:solidFill>
               </a:rPr>
-              <a:t>Arc&lt;T&gt;</a:t>
-            </a:r>
-            <a:endParaRPr kumimoji="1" lang="ja-JP" altLang="en-US" dirty="0">
+              <a:t>Arc&lt;</a:t>
+            </a:r>
+            <a:r>
+              <a:rPr kumimoji="1" lang="en-US" altLang="ja-JP">
+                <a:solidFill>
+                  <a:schemeClr val="bg1">
+                    <a:lumMod val="75000"/>
+                  </a:schemeClr>
+                </a:solidFill>
+              </a:rPr>
+              <a:t>T</a:t>
+            </a:r>
+            <a:r>
+              <a:rPr kumimoji="1" lang="en-US" altLang="ja-JP">
+                <a:solidFill>
+                  <a:schemeClr val="accent6"/>
+                </a:solidFill>
+              </a:rPr>
+              <a:t>&gt;</a:t>
+            </a:r>
+            <a:endParaRPr kumimoji="1" lang="ja-JP" altLang="en-US">
               <a:solidFill>
                 <a:schemeClr val="accent6"/>
               </a:solidFill>
@@ -3837,8 +4070,8 @@
         </p:nvSpPr>
         <p:spPr>
           <a:xfrm>
-            <a:off x="10215349" y="6008620"/>
-            <a:ext cx="1847636" cy="369332"/>
+            <a:off x="10251332" y="6008620"/>
+            <a:ext cx="2070573" cy="369332"/>
           </a:xfrm>
           <a:prstGeom prst="rect">
             <a:avLst/>
@@ -3852,14 +4085,30 @@
           <a:lstStyle/>
           <a:p>
             <a:r>
-              <a:rPr kumimoji="1" lang="en-US" altLang="ja-JP" dirty="0">
+              <a:rPr kumimoji="1" lang="en-US" altLang="ja-JP">
                 <a:solidFill>
                   <a:schemeClr val="accent6"/>
                 </a:solidFill>
               </a:rPr>
-              <a:t>Arc&lt;Mutex&lt;T&gt;&gt;</a:t>
-            </a:r>
-            <a:endParaRPr kumimoji="1" lang="ja-JP" altLang="en-US" dirty="0">
+              <a:t>Arc&lt;Mutex&lt;</a:t>
+            </a:r>
+            <a:r>
+              <a:rPr kumimoji="1" lang="en-US" altLang="ja-JP">
+                <a:solidFill>
+                  <a:schemeClr val="accent4"/>
+                </a:solidFill>
+              </a:rPr>
+              <a:t>T</a:t>
+            </a:r>
+            <a:r>
+              <a:rPr kumimoji="1" lang="en-US" altLang="ja-JP">
+                <a:solidFill>
+                  <a:schemeClr val="accent6"/>
+                </a:solidFill>
+              </a:rPr>
+              <a:t>&gt;&gt;</a:t>
+            </a:r>
+            <a:endParaRPr kumimoji="1" lang="ja-JP" altLang="en-US">
               <a:solidFill>
                 <a:schemeClr val="accent6"/>
               </a:solidFill>
@@ -3881,8 +4130,8 @@
         </p:nvSpPr>
         <p:spPr>
           <a:xfrm>
-            <a:off x="10215349" y="6399400"/>
-            <a:ext cx="1847636" cy="369332"/>
+            <a:off x="10251332" y="6399400"/>
+            <a:ext cx="2070573" cy="369332"/>
           </a:xfrm>
           <a:prstGeom prst="rect">
             <a:avLst/>
@@ -3896,7 +4145,7 @@
           <a:lstStyle/>
           <a:p>
             <a:r>
-              <a:rPr kumimoji="1" lang="en-US" altLang="ja-JP" dirty="0">
+              <a:rPr kumimoji="1" lang="en-US" altLang="ja-JP">
                 <a:solidFill>
                   <a:schemeClr val="accent6"/>
                 </a:solidFill>
@@ -3904,7 +4153,7 @@
               <a:t>Arc&lt;</a:t>
             </a:r>
             <a:r>
-              <a:rPr kumimoji="1" lang="en-US" altLang="ja-JP" dirty="0" err="1">
+              <a:rPr kumimoji="1" lang="en-US" altLang="ja-JP" err="1">
                 <a:solidFill>
                   <a:schemeClr val="accent6"/>
                 </a:solidFill>
@@ -3912,14 +4161,30 @@
               <a:t>RwLock</a:t>
             </a:r>
             <a:r>
-              <a:rPr kumimoji="1" lang="en-US" altLang="ja-JP" dirty="0">
+              <a:rPr kumimoji="1" lang="en-US" altLang="ja-JP">
                 <a:solidFill>
                   <a:schemeClr val="accent6"/>
                 </a:solidFill>
               </a:rPr>
-              <a:t>&lt;T&gt;&gt;</a:t>
-            </a:r>
-            <a:endParaRPr kumimoji="1" lang="ja-JP" altLang="en-US" dirty="0">
+              <a:t>&lt;</a:t>
+            </a:r>
+            <a:r>
+              <a:rPr kumimoji="1" lang="en-US" altLang="ja-JP">
+                <a:solidFill>
+                  <a:schemeClr val="accent4"/>
+                </a:solidFill>
+              </a:rPr>
+              <a:t>T</a:t>
+            </a:r>
+            <a:r>
+              <a:rPr kumimoji="1" lang="en-US" altLang="ja-JP">
+                <a:solidFill>
+                  <a:schemeClr val="accent6"/>
+                </a:solidFill>
+              </a:rPr>
+              <a:t>&gt;&gt;</a:t>
+            </a:r>
+            <a:endParaRPr kumimoji="1" lang="ja-JP" altLang="en-US">
               <a:solidFill>
                 <a:schemeClr val="accent6"/>
               </a:solidFill>
@@ -3941,7 +4206,7 @@
         </p:nvSpPr>
         <p:spPr>
           <a:xfrm>
-            <a:off x="8088517" y="6010724"/>
+            <a:off x="8054323" y="6010724"/>
             <a:ext cx="640080" cy="369332"/>
           </a:xfrm>
           <a:prstGeom prst="rect">
@@ -3950,7 +4215,7 @@
           <a:noFill/>
           <a:ln w="9525" cap="flat" cmpd="sng" algn="ctr">
             <a:solidFill>
-              <a:schemeClr val="tx2"/>
+              <a:schemeClr val="accent1"/>
             </a:solidFill>
             <a:prstDash val="solid"/>
             <a:round/>
@@ -3979,19 +4244,19 @@
           <a:lstStyle/>
           <a:p>
             <a:r>
-              <a:rPr lang="en-US" altLang="ja-JP" dirty="0">
-                <a:solidFill>
-                  <a:schemeClr val="bg2">
-                    <a:lumMod val="50000"/>
+              <a:rPr lang="en-US" altLang="ja-JP">
+                <a:solidFill>
+                  <a:schemeClr val="bg1">
+                    <a:lumMod val="75000"/>
                   </a:schemeClr>
                 </a:solidFill>
               </a:rPr>
               <a:t>Type</a:t>
             </a:r>
-            <a:endParaRPr kumimoji="1" lang="ja-JP" altLang="en-US" dirty="0">
+            <a:endParaRPr kumimoji="1" lang="ja-JP" altLang="en-US">
               <a:solidFill>
-                <a:schemeClr val="bg2">
-                  <a:lumMod val="50000"/>
+                <a:schemeClr val="bg1">
+                  <a:lumMod val="75000"/>
                 </a:schemeClr>
               </a:solidFill>
             </a:endParaRPr>
@@ -4012,7 +4277,7 @@
         </p:nvSpPr>
         <p:spPr>
           <a:xfrm>
-            <a:off x="3031712" y="5224516"/>
+            <a:off x="4021720" y="5224516"/>
             <a:ext cx="978538" cy="369332"/>
           </a:xfrm>
           <a:prstGeom prst="rect">
@@ -4021,7 +4286,7 @@
           <a:noFill/>
           <a:ln>
             <a:solidFill>
-              <a:srgbClr val="996633"/>
+              <a:schemeClr val="accent4"/>
             </a:solidFill>
           </a:ln>
         </p:spPr>
@@ -4032,19 +4297,19 @@
           <a:lstStyle/>
           <a:p>
             <a:r>
-              <a:rPr kumimoji="1" lang="en-US" altLang="ja-JP" dirty="0">
-                <a:solidFill>
-                  <a:schemeClr val="bg2">
-                    <a:lumMod val="50000"/>
+              <a:rPr kumimoji="1" lang="en-US" altLang="ja-JP">
+                <a:solidFill>
+                  <a:schemeClr val="bg1">
+                    <a:lumMod val="75000"/>
                   </a:schemeClr>
                 </a:solidFill>
               </a:rPr>
               <a:t>Mutable</a:t>
             </a:r>
-            <a:endParaRPr kumimoji="1" lang="ja-JP" altLang="en-US" dirty="0">
+            <a:endParaRPr kumimoji="1" lang="ja-JP" altLang="en-US">
               <a:solidFill>
-                <a:schemeClr val="bg2">
-                  <a:lumMod val="50000"/>
+                <a:schemeClr val="bg1">
+                  <a:lumMod val="75000"/>
                 </a:schemeClr>
               </a:solidFill>
             </a:endParaRPr>
@@ -4065,7 +4330,7 @@
         </p:nvSpPr>
         <p:spPr>
           <a:xfrm>
-            <a:off x="2176187" y="3200274"/>
+            <a:off x="180598" y="2881248"/>
             <a:ext cx="933461" cy="369332"/>
           </a:xfrm>
           <a:prstGeom prst="rect">
@@ -4103,19 +4368,19 @@
           <a:lstStyle/>
           <a:p>
             <a:r>
-              <a:rPr kumimoji="1" lang="en-US" altLang="ja-JP" dirty="0">
-                <a:solidFill>
-                  <a:schemeClr val="bg2">
-                    <a:lumMod val="50000"/>
+              <a:rPr kumimoji="1" lang="en-US" altLang="ja-JP">
+                <a:solidFill>
+                  <a:schemeClr val="bg1">
+                    <a:lumMod val="75000"/>
                   </a:schemeClr>
                 </a:solidFill>
               </a:rPr>
               <a:t>Threads</a:t>
             </a:r>
-            <a:endParaRPr kumimoji="1" lang="ja-JP" altLang="en-US" dirty="0">
+            <a:endParaRPr kumimoji="1" lang="ja-JP" altLang="en-US">
               <a:solidFill>
-                <a:schemeClr val="bg2">
-                  <a:lumMod val="50000"/>
+                <a:schemeClr val="bg1">
+                  <a:lumMod val="75000"/>
                 </a:schemeClr>
               </a:solidFill>
             </a:endParaRPr>
@@ -4136,7 +4401,7 @@
         </p:nvSpPr>
         <p:spPr>
           <a:xfrm>
-            <a:off x="195170" y="1709194"/>
+            <a:off x="1815719" y="4437119"/>
             <a:ext cx="1201804" cy="369332"/>
           </a:xfrm>
           <a:prstGeom prst="rect">
@@ -4145,9 +4410,7 @@
           <a:noFill/>
           <a:ln w="9525" cap="flat" cmpd="sng" algn="ctr">
             <a:solidFill>
-              <a:schemeClr val="accent2">
-                <a:lumMod val="50000"/>
-              </a:schemeClr>
+              <a:srgbClr val="996633"/>
             </a:solidFill>
             <a:prstDash val="solid"/>
             <a:round/>
@@ -4176,19 +4439,19 @@
           <a:lstStyle/>
           <a:p>
             <a:r>
-              <a:rPr kumimoji="1" lang="en-US" altLang="ja-JP" dirty="0">
-                <a:solidFill>
-                  <a:schemeClr val="bg2">
-                    <a:lumMod val="50000"/>
+              <a:rPr kumimoji="1" lang="en-US" altLang="ja-JP">
+                <a:solidFill>
+                  <a:schemeClr val="bg1">
+                    <a:lumMod val="75000"/>
                   </a:schemeClr>
                 </a:solidFill>
               </a:rPr>
               <a:t>Ownership</a:t>
             </a:r>
-            <a:endParaRPr kumimoji="1" lang="ja-JP" altLang="en-US" dirty="0">
+            <a:endParaRPr kumimoji="1" lang="ja-JP" altLang="en-US">
               <a:solidFill>
-                <a:schemeClr val="bg2">
-                  <a:lumMod val="50000"/>
+                <a:schemeClr val="bg1">
+                  <a:lumMod val="75000"/>
                 </a:schemeClr>
               </a:solidFill>
             </a:endParaRPr>
@@ -4206,22 +4469,26 @@
           </p:cNvPr>
           <p:cNvCxnSpPr>
             <a:cxnSpLocks/>
-            <a:stCxn id="37" idx="0"/>
-            <a:endCxn id="119" idx="1"/>
+            <a:stCxn id="37" idx="3"/>
+            <a:endCxn id="481" idx="1"/>
           </p:cNvCxnSpPr>
           <p:nvPr/>
         </p:nvCxnSpPr>
         <p:spPr>
-          <a:xfrm rot="5400000" flipH="1" flipV="1">
-            <a:off x="796574" y="336186"/>
-            <a:ext cx="1372507" cy="1373511"/>
-          </a:xfrm>
-          <a:prstGeom prst="bentConnector2">
-            <a:avLst/>
-          </a:prstGeom>
-          <a:ln>
+          <a:xfrm>
+            <a:off x="3017523" y="4621785"/>
+            <a:ext cx="2471609" cy="2872"/>
+          </a:xfrm>
+          <a:prstGeom prst="bentConnector3">
+            <a:avLst>
+              <a:gd name="adj1" fmla="val 50000"/>
+            </a:avLst>
+          </a:prstGeom>
+          <a:ln w="9525">
             <a:solidFill>
-              <a:srgbClr val="7030A0"/>
+              <a:schemeClr val="bg1">
+                <a:lumMod val="75000"/>
+              </a:schemeClr>
             </a:solidFill>
             <a:tailEnd type="triangle"/>
           </a:ln>
@@ -4253,23 +4520,21 @@
           <p:cNvCxnSpPr>
             <a:cxnSpLocks/>
             <a:stCxn id="37" idx="2"/>
-            <a:endCxn id="35" idx="1"/>
+            <a:endCxn id="33" idx="1"/>
           </p:cNvCxnSpPr>
           <p:nvPr/>
         </p:nvCxnSpPr>
         <p:spPr>
           <a:xfrm rot="16200000" flipH="1">
-            <a:off x="832922" y="2041675"/>
-            <a:ext cx="1306414" cy="1380115"/>
+            <a:off x="2917805" y="4305266"/>
+            <a:ext cx="602731" cy="1605099"/>
           </a:xfrm>
           <a:prstGeom prst="bentConnector2">
             <a:avLst/>
           </a:prstGeom>
-          <a:ln>
+          <a:ln w="9525">
             <a:solidFill>
-              <a:schemeClr val="accent2">
-                <a:lumMod val="50000"/>
-              </a:schemeClr>
+              <a:srgbClr val="996633"/>
             </a:solidFill>
             <a:tailEnd type="triangle"/>
           </a:ln>
@@ -4300,20 +4565,25 @@
           </p:cNvPr>
           <p:cNvCxnSpPr>
             <a:cxnSpLocks/>
-            <a:stCxn id="35" idx="3"/>
-            <a:endCxn id="291" idx="0"/>
+            <a:stCxn id="35" idx="0"/>
+            <a:endCxn id="837" idx="1"/>
           </p:cNvCxnSpPr>
           <p:nvPr/>
         </p:nvCxnSpPr>
         <p:spPr>
-          <a:xfrm>
-            <a:off x="3109648" y="3384940"/>
-            <a:ext cx="1611652" cy="665955"/>
+          <a:xfrm rot="5400000" flipH="1" flipV="1">
+            <a:off x="745317" y="1810846"/>
+            <a:ext cx="972415" cy="1168390"/>
           </a:xfrm>
           <a:prstGeom prst="bentConnector2">
             <a:avLst/>
           </a:prstGeom>
-          <a:ln>
+          <a:ln w="9525">
+            <a:solidFill>
+              <a:schemeClr val="bg1">
+                <a:lumMod val="75000"/>
+              </a:schemeClr>
+            </a:solidFill>
             <a:tailEnd type="triangle"/>
           </a:ln>
         </p:spPr>
@@ -4346,7 +4616,7 @@
         </p:nvSpPr>
         <p:spPr>
           <a:xfrm>
-            <a:off x="3499417" y="5665688"/>
+            <a:off x="4419169" y="6112418"/>
             <a:ext cx="798617" cy="369332"/>
           </a:xfrm>
           <a:prstGeom prst="rect">
@@ -4361,14 +4631,126 @@
           <a:lstStyle/>
           <a:p>
             <a:r>
-              <a:rPr lang="en-US" altLang="ja-JP" dirty="0">
+              <a:rPr lang="en-US" altLang="ja-JP">
+                <a:solidFill>
+                  <a:schemeClr val="accent4"/>
+                </a:solidFill>
+              </a:rPr>
+              <a:t>&lt;mut&gt;</a:t>
+            </a:r>
+            <a:endParaRPr kumimoji="1" lang="ja-JP" altLang="en-US">
+              <a:solidFill>
+                <a:schemeClr val="accent4"/>
+              </a:solidFill>
+            </a:endParaRPr>
+          </a:p>
+        </p:txBody>
+      </p:sp>
+      <p:sp>
+        <p:nvSpPr>
+          <p:cNvPr id="52" name="テキスト ボックス 51">
+            <a:extLst>
+              <a:ext uri="{FF2B5EF4-FFF2-40B4-BE49-F238E27FC236}">
+                <a16:creationId xmlns:a16="http://schemas.microsoft.com/office/drawing/2014/main" id="{9C38CE50-1381-407D-8ED7-BF8A1117E8C1}"/>
+              </a:ext>
+            </a:extLst>
+          </p:cNvPr>
+          <p:cNvSpPr txBox="1"/>
+          <p:nvPr/>
+        </p:nvSpPr>
+        <p:spPr>
+          <a:xfrm>
+            <a:off x="3005852" y="4300512"/>
+            <a:ext cx="1071127" cy="369332"/>
+          </a:xfrm>
+          <a:prstGeom prst="rect">
+            <a:avLst/>
+          </a:prstGeom>
+          <a:noFill/>
+        </p:spPr>
+        <p:txBody>
+          <a:bodyPr wrap="none" rtlCol="0">
+            <a:spAutoFit/>
+          </a:bodyPr>
+          <a:lstStyle/>
+          <a:p>
+            <a:r>
+              <a:rPr kumimoji="1" lang="en-US" altLang="ja-JP">
+                <a:solidFill>
+                  <a:schemeClr val="bg1">
+                    <a:lumMod val="75000"/>
+                  </a:schemeClr>
+                </a:solidFill>
+              </a:rPr>
+              <a:t>&lt;</a:t>
+            </a:r>
+            <a:r>
+              <a:rPr lang="en-US" altLang="ja-JP">
+                <a:solidFill>
+                  <a:schemeClr val="bg1">
+                    <a:lumMod val="75000"/>
+                  </a:schemeClr>
+                </a:solidFill>
+              </a:rPr>
+              <a:t>un</a:t>
+            </a:r>
+            <a:r>
+              <a:rPr kumimoji="1" lang="en-US" altLang="ja-JP">
+                <a:solidFill>
+                  <a:schemeClr val="bg1">
+                    <a:lumMod val="75000"/>
+                  </a:schemeClr>
+                </a:solidFill>
+              </a:rPr>
+              <a:t>ique&gt;</a:t>
+            </a:r>
+            <a:endParaRPr kumimoji="1" lang="ja-JP" altLang="en-US">
+              <a:solidFill>
+                <a:schemeClr val="bg1">
+                  <a:lumMod val="75000"/>
+                </a:schemeClr>
+              </a:solidFill>
+            </a:endParaRPr>
+          </a:p>
+        </p:txBody>
+      </p:sp>
+      <p:sp>
+        <p:nvSpPr>
+          <p:cNvPr id="54" name="テキスト ボックス 53">
+            <a:extLst>
+              <a:ext uri="{FF2B5EF4-FFF2-40B4-BE49-F238E27FC236}">
+                <a16:creationId xmlns:a16="http://schemas.microsoft.com/office/drawing/2014/main" id="{ED26B7B2-666A-4835-A5B7-05B8C28732A7}"/>
+              </a:ext>
+            </a:extLst>
+          </p:cNvPr>
+          <p:cNvSpPr txBox="1"/>
+          <p:nvPr/>
+        </p:nvSpPr>
+        <p:spPr>
+          <a:xfrm>
+            <a:off x="2312619" y="5386092"/>
+            <a:ext cx="1052083" cy="369332"/>
+          </a:xfrm>
+          <a:prstGeom prst="rect">
+            <a:avLst/>
+          </a:prstGeom>
+          <a:noFill/>
+        </p:spPr>
+        <p:txBody>
+          <a:bodyPr wrap="none" rtlCol="0">
+            <a:spAutoFit/>
+          </a:bodyPr>
+          <a:lstStyle/>
+          <a:p>
+            <a:r>
+              <a:rPr kumimoji="1" lang="en-US" altLang="ja-JP">
                 <a:solidFill>
                   <a:srgbClr val="996633"/>
                 </a:solidFill>
               </a:rPr>
-              <a:t>&lt;mut&gt;</a:t>
-            </a:r>
-            <a:endParaRPr kumimoji="1" lang="ja-JP" altLang="en-US" dirty="0">
+              <a:t>&lt;shared&gt;</a:t>
+            </a:r>
+            <a:endParaRPr kumimoji="1" lang="ja-JP" altLang="en-US">
               <a:solidFill>
                 <a:srgbClr val="996633"/>
               </a:solidFill>
@@ -4376,114 +4758,6 @@
           </a:p>
         </p:txBody>
       </p:sp>
-      <p:sp>
-        <p:nvSpPr>
-          <p:cNvPr id="52" name="テキスト ボックス 51">
-            <a:extLst>
-              <a:ext uri="{FF2B5EF4-FFF2-40B4-BE49-F238E27FC236}">
-                <a16:creationId xmlns:a16="http://schemas.microsoft.com/office/drawing/2014/main" id="{9C38CE50-1381-407D-8ED7-BF8A1117E8C1}"/>
-              </a:ext>
-            </a:extLst>
-          </p:cNvPr>
-          <p:cNvSpPr txBox="1"/>
-          <p:nvPr/>
-        </p:nvSpPr>
-        <p:spPr>
-          <a:xfrm>
-            <a:off x="763527" y="846109"/>
-            <a:ext cx="1071127" cy="369332"/>
-          </a:xfrm>
-          <a:prstGeom prst="rect">
-            <a:avLst/>
-          </a:prstGeom>
-          <a:noFill/>
-        </p:spPr>
-        <p:txBody>
-          <a:bodyPr wrap="none" rtlCol="0">
-            <a:spAutoFit/>
-          </a:bodyPr>
-          <a:lstStyle/>
-          <a:p>
-            <a:r>
-              <a:rPr kumimoji="1" lang="en-US" altLang="ja-JP" dirty="0">
-                <a:solidFill>
-                  <a:srgbClr val="7030A0"/>
-                </a:solidFill>
-              </a:rPr>
-              <a:t>&lt;</a:t>
-            </a:r>
-            <a:r>
-              <a:rPr lang="en-US" altLang="ja-JP" dirty="0">
-                <a:solidFill>
-                  <a:srgbClr val="7030A0"/>
-                </a:solidFill>
-              </a:rPr>
-              <a:t>un</a:t>
-            </a:r>
-            <a:r>
-              <a:rPr kumimoji="1" lang="en-US" altLang="ja-JP" dirty="0">
-                <a:solidFill>
-                  <a:srgbClr val="7030A0"/>
-                </a:solidFill>
-              </a:rPr>
-              <a:t>ique&gt;</a:t>
-            </a:r>
-            <a:endParaRPr kumimoji="1" lang="ja-JP" altLang="en-US" dirty="0">
-              <a:solidFill>
-                <a:srgbClr val="7030A0"/>
-              </a:solidFill>
-            </a:endParaRPr>
-          </a:p>
-        </p:txBody>
-      </p:sp>
-      <p:sp>
-        <p:nvSpPr>
-          <p:cNvPr id="54" name="テキスト ボックス 53">
-            <a:extLst>
-              <a:ext uri="{FF2B5EF4-FFF2-40B4-BE49-F238E27FC236}">
-                <a16:creationId xmlns:a16="http://schemas.microsoft.com/office/drawing/2014/main" id="{ED26B7B2-666A-4835-A5B7-05B8C28732A7}"/>
-              </a:ext>
-            </a:extLst>
-          </p:cNvPr>
-          <p:cNvSpPr txBox="1"/>
-          <p:nvPr/>
-        </p:nvSpPr>
-        <p:spPr>
-          <a:xfrm>
-            <a:off x="763527" y="2392140"/>
-            <a:ext cx="1052083" cy="369332"/>
-          </a:xfrm>
-          <a:prstGeom prst="rect">
-            <a:avLst/>
-          </a:prstGeom>
-          <a:noFill/>
-        </p:spPr>
-        <p:txBody>
-          <a:bodyPr wrap="none" rtlCol="0">
-            <a:spAutoFit/>
-          </a:bodyPr>
-          <a:lstStyle/>
-          <a:p>
-            <a:r>
-              <a:rPr kumimoji="1" lang="en-US" altLang="ja-JP" dirty="0">
-                <a:solidFill>
-                  <a:schemeClr val="accent2">
-                    <a:lumMod val="50000"/>
-                  </a:schemeClr>
-                </a:solidFill>
-              </a:rPr>
-              <a:t>&lt;shared&gt;</a:t>
-            </a:r>
-            <a:endParaRPr kumimoji="1" lang="ja-JP" altLang="en-US" dirty="0">
-              <a:solidFill>
-                <a:schemeClr val="accent2">
-                  <a:lumMod val="50000"/>
-                </a:schemeClr>
-              </a:solidFill>
-            </a:endParaRPr>
-          </a:p>
-        </p:txBody>
-      </p:sp>
       <p:cxnSp>
         <p:nvCxnSpPr>
           <p:cNvPr id="59" name="コネクタ: カギ線 58">
@@ -4496,19 +4770,22 @@
           <p:cNvCxnSpPr>
             <a:cxnSpLocks/>
             <a:stCxn id="35" idx="2"/>
-            <a:endCxn id="33" idx="1"/>
+            <a:endCxn id="37" idx="1"/>
           </p:cNvCxnSpPr>
           <p:nvPr/>
         </p:nvCxnSpPr>
         <p:spPr>
           <a:xfrm rot="16200000" flipH="1">
-            <a:off x="1917527" y="4294997"/>
-            <a:ext cx="1839576" cy="388794"/>
+            <a:off x="545922" y="3351987"/>
+            <a:ext cx="1371205" cy="1168390"/>
           </a:xfrm>
           <a:prstGeom prst="bentConnector2">
             <a:avLst/>
           </a:prstGeom>
-          <a:ln>
+          <a:ln w="9525">
+            <a:solidFill>
+              <a:schemeClr val="accent6"/>
+            </a:solidFill>
             <a:tailEnd type="triangle"/>
           </a:ln>
         </p:spPr>
@@ -4529,83 +4806,38 @@
       </p:cxnSp>
       <p:cxnSp>
         <p:nvCxnSpPr>
-          <p:cNvPr id="64" name="コネクタ: カギ線 63">
-            <a:extLst>
-              <a:ext uri="{FF2B5EF4-FFF2-40B4-BE49-F238E27FC236}">
-                <a16:creationId xmlns:a16="http://schemas.microsoft.com/office/drawing/2014/main" id="{5A8AFA5C-A6CC-4D39-9C59-1D9BD096B86A}"/>
+          <p:cNvPr id="67" name="コネクタ: カギ線 66">
+            <a:extLst>
+              <a:ext uri="{FF2B5EF4-FFF2-40B4-BE49-F238E27FC236}">
+                <a16:creationId xmlns:a16="http://schemas.microsoft.com/office/drawing/2014/main" id="{61F1768A-F3D5-4FEE-8EDF-FD03934B7A31}"/>
               </a:ext>
             </a:extLst>
           </p:cNvPr>
           <p:cNvCxnSpPr>
             <a:cxnSpLocks/>
-            <a:stCxn id="238" idx="2"/>
-            <a:endCxn id="161" idx="1"/>
+            <a:stCxn id="1017" idx="0"/>
+            <a:endCxn id="181" idx="1"/>
           </p:cNvCxnSpPr>
           <p:nvPr/>
         </p:nvCxnSpPr>
         <p:spPr>
-          <a:xfrm rot="16200000" flipH="1">
-            <a:off x="8865439" y="-627544"/>
-            <a:ext cx="205044" cy="2494776"/>
-          </a:xfrm>
-          <a:prstGeom prst="bentConnector2">
-            <a:avLst/>
-          </a:prstGeom>
-          <a:ln>
+          <a:xfrm rot="16200000" flipV="1">
+            <a:off x="10345322" y="561996"/>
+            <a:ext cx="732987" cy="920965"/>
+          </a:xfrm>
+          <a:prstGeom prst="bentConnector4">
+            <a:avLst>
+              <a:gd name="adj1" fmla="val 37403"/>
+              <a:gd name="adj2" fmla="val 250310"/>
+            </a:avLst>
+          </a:prstGeom>
+          <a:ln w="9525">
             <a:solidFill>
               <a:srgbClr val="6600CC"/>
             </a:solidFill>
-            <a:tailEnd type="triangle"/>
-          </a:ln>
-        </p:spPr>
-        <p:style>
-          <a:lnRef idx="1">
-            <a:schemeClr val="accent1"/>
-          </a:lnRef>
-          <a:fillRef idx="0">
-            <a:schemeClr val="accent1"/>
-          </a:fillRef>
-          <a:effectRef idx="0">
-            <a:schemeClr val="accent1"/>
-          </a:effectRef>
-          <a:fontRef idx="minor">
-            <a:schemeClr val="tx1"/>
-          </a:fontRef>
-        </p:style>
-      </p:cxnSp>
-      <p:cxnSp>
-        <p:nvCxnSpPr>
-          <p:cNvPr id="67" name="コネクタ: カギ線 66">
-            <a:extLst>
-              <a:ext uri="{FF2B5EF4-FFF2-40B4-BE49-F238E27FC236}">
-                <a16:creationId xmlns:a16="http://schemas.microsoft.com/office/drawing/2014/main" id="{61F1768A-F3D5-4FEE-8EDF-FD03934B7A31}"/>
-              </a:ext>
-            </a:extLst>
-          </p:cNvPr>
-          <p:cNvCxnSpPr>
-            <a:cxnSpLocks/>
-            <a:stCxn id="238" idx="3"/>
-            <a:endCxn id="5" idx="1"/>
-          </p:cNvCxnSpPr>
-          <p:nvPr/>
-        </p:nvCxnSpPr>
-        <p:spPr>
-          <a:xfrm flipV="1">
-            <a:off x="8283964" y="331586"/>
-            <a:ext cx="1931385" cy="1070"/>
-          </a:xfrm>
-          <a:prstGeom prst="bentConnector3">
-            <a:avLst>
-              <a:gd name="adj1" fmla="val 50000"/>
-            </a:avLst>
-          </a:prstGeom>
-          <a:ln>
-            <a:solidFill>
-              <a:schemeClr val="bg2">
-                <a:lumMod val="50000"/>
-              </a:schemeClr>
-            </a:solidFill>
-            <a:tailEnd type="triangle"/>
+            <a:prstDash val="lgDash"/>
+            <a:headEnd type="triangle" w="med" len="med"/>
+            <a:tailEnd type="triangle" w="med" len="med"/>
           </a:ln>
         </p:spPr>
         <p:style>
@@ -4641,15 +4873,15 @@
         </p:nvCxnSpPr>
         <p:spPr>
           <a:xfrm rot="16200000" flipH="1">
-            <a:off x="3996295" y="5118533"/>
-            <a:ext cx="600923" cy="1551551"/>
+            <a:off x="4699599" y="5405237"/>
+            <a:ext cx="600923" cy="978143"/>
           </a:xfrm>
           <a:prstGeom prst="bentConnector2">
             <a:avLst/>
           </a:prstGeom>
-          <a:ln>
+          <a:ln w="9525">
             <a:solidFill>
-              <a:srgbClr val="996633"/>
+              <a:schemeClr val="accent4"/>
             </a:solidFill>
             <a:tailEnd type="triangle"/>
           </a:ln>
@@ -4687,16 +4919,16 @@
         </p:nvCxnSpPr>
         <p:spPr>
           <a:xfrm>
-            <a:off x="4010250" y="5409182"/>
-            <a:ext cx="6205099" cy="2544"/>
+            <a:off x="5000258" y="5409182"/>
+            <a:ext cx="5251074" cy="2544"/>
           </a:xfrm>
           <a:prstGeom prst="bentConnector3">
             <a:avLst/>
           </a:prstGeom>
-          <a:ln>
+          <a:ln w="9525">
             <a:solidFill>
-              <a:schemeClr val="bg2">
-                <a:lumMod val="50000"/>
+              <a:schemeClr val="bg1">
+                <a:lumMod val="75000"/>
               </a:schemeClr>
             </a:solidFill>
             <a:tailEnd type="triangle"/>
@@ -4731,8 +4963,8 @@
         </p:nvSpPr>
         <p:spPr>
           <a:xfrm>
-            <a:off x="7157181" y="4443248"/>
-            <a:ext cx="1126783" cy="369332"/>
+            <a:off x="8032216" y="3661128"/>
+            <a:ext cx="627864" cy="369332"/>
           </a:xfrm>
           <a:prstGeom prst="rect">
             <a:avLst/>
@@ -4740,7 +4972,7 @@
           <a:noFill/>
           <a:ln>
             <a:solidFill>
-              <a:srgbClr val="6600CC"/>
+              <a:schemeClr val="accent1"/>
             </a:solidFill>
           </a:ln>
         </p:spPr>
@@ -4751,19 +4983,19 @@
           <a:lstStyle/>
           <a:p>
             <a:r>
-              <a:rPr kumimoji="1" lang="en-US" altLang="ja-JP" dirty="0">
-                <a:solidFill>
-                  <a:schemeClr val="bg2">
-                    <a:lumMod val="50000"/>
+              <a:rPr kumimoji="1" lang="en-US" altLang="ja-JP">
+                <a:solidFill>
+                  <a:schemeClr val="bg1">
+                    <a:lumMod val="75000"/>
                   </a:schemeClr>
                 </a:solidFill>
               </a:rPr>
-              <a:t>Reference</a:t>
-            </a:r>
-            <a:endParaRPr kumimoji="1" lang="ja-JP" altLang="en-US" dirty="0">
+              <a:t>Type</a:t>
+            </a:r>
+            <a:endParaRPr kumimoji="1" lang="ja-JP" altLang="en-US">
               <a:solidFill>
-                <a:schemeClr val="bg2">
-                  <a:lumMod val="50000"/>
+                <a:schemeClr val="bg1">
+                  <a:lumMod val="75000"/>
                 </a:schemeClr>
               </a:solidFill>
             </a:endParaRPr>
@@ -4781,24 +5013,22 @@
           </p:cNvPr>
           <p:cNvCxnSpPr>
             <a:cxnSpLocks/>
-            <a:stCxn id="435" idx="3"/>
+            <a:stCxn id="435" idx="0"/>
             <a:endCxn id="7" idx="1"/>
           </p:cNvCxnSpPr>
           <p:nvPr/>
         </p:nvCxnSpPr>
         <p:spPr>
-          <a:xfrm flipV="1">
-            <a:off x="8283964" y="2285486"/>
-            <a:ext cx="1931385" cy="1333"/>
-          </a:xfrm>
-          <a:prstGeom prst="bentConnector3">
+          <a:xfrm rot="5400000" flipH="1" flipV="1">
+            <a:off x="9194827" y="1436808"/>
+            <a:ext cx="207827" cy="1905184"/>
+          </a:xfrm>
+          <a:prstGeom prst="bentConnector2">
             <a:avLst/>
           </a:prstGeom>
-          <a:ln>
+          <a:ln w="9525">
             <a:solidFill>
-              <a:schemeClr val="bg2">
-                <a:lumMod val="50000"/>
-              </a:schemeClr>
+              <a:schemeClr val="accent1"/>
             </a:solidFill>
             <a:tailEnd type="triangle"/>
           </a:ln>
@@ -4836,18 +5066,18 @@
         </p:nvCxnSpPr>
         <p:spPr>
           <a:xfrm>
-            <a:off x="5224220" y="4235561"/>
-            <a:ext cx="4991129" cy="3825"/>
+            <a:off x="5027560" y="3065915"/>
+            <a:ext cx="5223772" cy="1131"/>
           </a:xfrm>
           <a:prstGeom prst="bentConnector3">
             <a:avLst>
               <a:gd name="adj1" fmla="val 50000"/>
             </a:avLst>
           </a:prstGeom>
-          <a:ln>
+          <a:ln w="9525">
             <a:solidFill>
-              <a:schemeClr val="bg2">
-                <a:lumMod val="50000"/>
+              <a:schemeClr val="bg1">
+                <a:lumMod val="75000"/>
               </a:schemeClr>
             </a:solidFill>
             <a:tailEnd type="triangle"/>
@@ -4882,8 +5112,8 @@
         </p:nvSpPr>
         <p:spPr>
           <a:xfrm>
-            <a:off x="3972551" y="5096144"/>
-            <a:ext cx="919162" cy="369332"/>
+            <a:off x="4987988" y="5096144"/>
+            <a:ext cx="1433790" cy="369332"/>
           </a:xfrm>
           <a:prstGeom prst="rect">
             <a:avLst/>
@@ -4897,19 +5127,19 @@
           <a:lstStyle/>
           <a:p>
             <a:r>
-              <a:rPr kumimoji="1" lang="en-US" altLang="ja-JP" dirty="0">
-                <a:solidFill>
-                  <a:schemeClr val="bg2">
-                    <a:lumMod val="50000"/>
+              <a:rPr kumimoji="1" lang="en-US" altLang="ja-JP">
+                <a:solidFill>
+                  <a:schemeClr val="bg1">
+                    <a:lumMod val="75000"/>
                   </a:schemeClr>
                 </a:solidFill>
               </a:rPr>
-              <a:t>&lt;const&gt;</a:t>
-            </a:r>
-            <a:endParaRPr kumimoji="1" lang="ja-JP" altLang="en-US" dirty="0">
+              <a:t>&lt;immutable&gt;</a:t>
+            </a:r>
+            <a:endParaRPr kumimoji="1" lang="ja-JP" altLang="en-US">
               <a:solidFill>
-                <a:schemeClr val="bg2">
-                  <a:lumMod val="50000"/>
+                <a:schemeClr val="bg1">
+                  <a:lumMod val="75000"/>
                 </a:schemeClr>
               </a:solidFill>
             </a:endParaRPr>
@@ -4930,7 +5160,7 @@
         </p:nvSpPr>
         <p:spPr>
           <a:xfrm>
-            <a:off x="5072532" y="6010105"/>
+            <a:off x="5489132" y="6010105"/>
             <a:ext cx="604653" cy="369332"/>
           </a:xfrm>
           <a:prstGeom prst="rect">
@@ -4939,7 +5169,7 @@
           <a:noFill/>
           <a:ln>
             <a:solidFill>
-              <a:srgbClr val="800000"/>
+              <a:srgbClr val="C00000"/>
             </a:solidFill>
           </a:ln>
         </p:spPr>
@@ -4950,19 +5180,19 @@
           <a:lstStyle/>
           <a:p>
             <a:r>
-              <a:rPr kumimoji="1" lang="en-US" altLang="ja-JP" dirty="0">
-                <a:solidFill>
-                  <a:schemeClr val="bg2">
-                    <a:lumMod val="50000"/>
+              <a:rPr kumimoji="1" lang="en-US" altLang="ja-JP">
+                <a:solidFill>
+                  <a:schemeClr val="bg1">
+                    <a:lumMod val="75000"/>
                   </a:schemeClr>
                 </a:solidFill>
               </a:rPr>
               <a:t>R/W</a:t>
             </a:r>
-            <a:endParaRPr kumimoji="1" lang="ja-JP" altLang="en-US" dirty="0">
+            <a:endParaRPr kumimoji="1" lang="ja-JP" altLang="en-US">
               <a:solidFill>
-                <a:schemeClr val="bg2">
-                  <a:lumMod val="50000"/>
+                <a:schemeClr val="bg1">
+                  <a:lumMod val="75000"/>
                 </a:schemeClr>
               </a:solidFill>
             </a:endParaRPr>
@@ -4983,7 +5213,7 @@
         </p:nvSpPr>
         <p:spPr>
           <a:xfrm>
-            <a:off x="2169583" y="152021"/>
+            <a:off x="4019085" y="1358830"/>
             <a:ext cx="939553" cy="369332"/>
           </a:xfrm>
           <a:prstGeom prst="rect">
@@ -4992,9 +5222,7 @@
           <a:noFill/>
           <a:ln w="9525" cap="flat" cmpd="sng" algn="ctr">
             <a:solidFill>
-              <a:schemeClr val="accent4">
-                <a:lumMod val="75000"/>
-              </a:schemeClr>
+              <a:schemeClr val="accent2"/>
             </a:solidFill>
             <a:prstDash val="solid"/>
             <a:round/>
@@ -5017,70 +5245,88 @@
           </a:fontRef>
         </p:style>
         <p:txBody>
+          <a:bodyPr wrap="square" rtlCol="0">
+            <a:spAutoFit/>
+          </a:bodyPr>
+          <a:lstStyle/>
+          <a:p>
+            <a:r>
+              <a:rPr lang="en-US" altLang="ja-JP">
+                <a:solidFill>
+                  <a:schemeClr val="bg1">
+                    <a:lumMod val="75000"/>
+                  </a:schemeClr>
+                </a:solidFill>
+              </a:rPr>
+              <a:t>Allocate</a:t>
+            </a:r>
+            <a:endParaRPr kumimoji="1" lang="ja-JP" altLang="en-US">
+              <a:solidFill>
+                <a:schemeClr val="bg1">
+                  <a:lumMod val="75000"/>
+                </a:schemeClr>
+              </a:solidFill>
+            </a:endParaRPr>
+          </a:p>
+        </p:txBody>
+      </p:sp>
+      <p:sp>
+        <p:nvSpPr>
+          <p:cNvPr id="124" name="テキスト ボックス 123">
+            <a:extLst>
+              <a:ext uri="{FF2B5EF4-FFF2-40B4-BE49-F238E27FC236}">
+                <a16:creationId xmlns:a16="http://schemas.microsoft.com/office/drawing/2014/main" id="{7A7364CD-556F-45FB-BB0D-461A7A3C8975}"/>
+              </a:ext>
+            </a:extLst>
+          </p:cNvPr>
+          <p:cNvSpPr txBox="1"/>
+          <p:nvPr/>
+        </p:nvSpPr>
+        <p:spPr>
+          <a:xfrm>
+            <a:off x="554571" y="4610577"/>
+            <a:ext cx="1194558" cy="369332"/>
+          </a:xfrm>
+          <a:prstGeom prst="rect">
+            <a:avLst/>
+          </a:prstGeom>
+          <a:noFill/>
+        </p:spPr>
+        <p:txBody>
           <a:bodyPr wrap="none" rtlCol="0">
             <a:spAutoFit/>
           </a:bodyPr>
           <a:lstStyle/>
           <a:p>
             <a:r>
-              <a:rPr lang="en-US" altLang="ja-JP" dirty="0">
-                <a:solidFill>
-                  <a:schemeClr val="bg2">
-                    <a:lumMod val="50000"/>
-                  </a:schemeClr>
-                </a:solidFill>
-              </a:rPr>
-              <a:t>Allocate</a:t>
-            </a:r>
-            <a:endParaRPr kumimoji="1" lang="ja-JP" altLang="en-US" dirty="0">
-              <a:solidFill>
-                <a:schemeClr val="bg2">
-                  <a:lumMod val="50000"/>
-                </a:schemeClr>
-              </a:solidFill>
-            </a:endParaRPr>
-          </a:p>
-        </p:txBody>
-      </p:sp>
-      <p:sp>
-        <p:nvSpPr>
-          <p:cNvPr id="124" name="テキスト ボックス 123">
-            <a:extLst>
-              <a:ext uri="{FF2B5EF4-FFF2-40B4-BE49-F238E27FC236}">
-                <a16:creationId xmlns:a16="http://schemas.microsoft.com/office/drawing/2014/main" id="{7A7364CD-556F-45FB-BB0D-461A7A3C8975}"/>
-              </a:ext>
-            </a:extLst>
-          </p:cNvPr>
-          <p:cNvSpPr txBox="1"/>
-          <p:nvPr/>
-        </p:nvSpPr>
-        <p:spPr>
-          <a:xfrm>
-            <a:off x="2639360" y="4300183"/>
-            <a:ext cx="1194558" cy="369332"/>
-          </a:xfrm>
-          <a:prstGeom prst="rect">
-            <a:avLst/>
-          </a:prstGeom>
-          <a:noFill/>
-        </p:spPr>
-        <p:txBody>
-          <a:bodyPr wrap="none" rtlCol="0">
-            <a:spAutoFit/>
-          </a:bodyPr>
-          <a:lstStyle/>
-          <a:p>
-            <a:r>
-              <a:rPr lang="en-US" altLang="ja-JP" dirty="0">
+              <a:rPr lang="en-US" altLang="ja-JP">
                 <a:solidFill>
                   <a:schemeClr val="accent6">
                     <a:lumMod val="75000"/>
                   </a:schemeClr>
                 </a:solidFill>
               </a:rPr>
-              <a:t>&lt;multiple&gt;</a:t>
-            </a:r>
-            <a:endParaRPr kumimoji="1" lang="ja-JP" altLang="en-US" dirty="0">
+              <a:t>&lt;</a:t>
+            </a:r>
+            <a:r>
+              <a:rPr lang="en-US" altLang="ja-JP">
+                <a:solidFill>
+                  <a:schemeClr val="accent6"/>
+                </a:solidFill>
+              </a:rPr>
+              <a:t>multiple</a:t>
+            </a:r>
+            <a:r>
+              <a:rPr lang="en-US" altLang="ja-JP">
+                <a:solidFill>
+                  <a:schemeClr val="accent6">
+                    <a:lumMod val="75000"/>
+                  </a:schemeClr>
+                </a:solidFill>
+              </a:rPr>
+              <a:t>&gt;</a:t>
+            </a:r>
+            <a:endParaRPr kumimoji="1" lang="ja-JP" altLang="en-US">
               <a:solidFill>
                 <a:schemeClr val="accent6">
                   <a:lumMod val="75000"/>
@@ -5102,24 +5348,24 @@
           <p:cNvCxnSpPr>
             <a:cxnSpLocks/>
             <a:stCxn id="119" idx="3"/>
-            <a:endCxn id="253" idx="1"/>
+            <a:endCxn id="5" idx="1"/>
           </p:cNvCxnSpPr>
           <p:nvPr/>
         </p:nvCxnSpPr>
         <p:spPr>
           <a:xfrm>
-            <a:off x="3109136" y="336687"/>
-            <a:ext cx="1425148" cy="617"/>
+            <a:off x="4958638" y="1543496"/>
+            <a:ext cx="5292694" cy="1870"/>
           </a:xfrm>
           <a:prstGeom prst="bentConnector3">
             <a:avLst>
               <a:gd name="adj1" fmla="val 50000"/>
             </a:avLst>
           </a:prstGeom>
-          <a:ln>
+          <a:ln w="9525">
             <a:solidFill>
-              <a:schemeClr val="bg2">
-                <a:lumMod val="50000"/>
+              <a:schemeClr val="bg1">
+                <a:lumMod val="75000"/>
               </a:schemeClr>
             </a:solidFill>
             <a:tailEnd type="triangle"/>
@@ -5154,8 +5400,8 @@
         </p:nvSpPr>
         <p:spPr>
           <a:xfrm>
-            <a:off x="10215349" y="537700"/>
-            <a:ext cx="1847636" cy="369332"/>
+            <a:off x="10251332" y="107497"/>
+            <a:ext cx="1716196" cy="369332"/>
           </a:xfrm>
           <a:prstGeom prst="rect">
             <a:avLst/>
@@ -5169,7 +5415,7 @@
           <a:lstStyle/>
           <a:p>
             <a:r>
-              <a:rPr kumimoji="1" lang="en-US" altLang="ja-JP" dirty="0">
+              <a:rPr kumimoji="1" lang="en-US" altLang="ja-JP">
                 <a:solidFill>
                   <a:schemeClr val="bg1">
                     <a:lumMod val="75000"/>
@@ -5179,26 +5425,223 @@
               <a:t>&amp;T </a:t>
             </a:r>
             <a:r>
-              <a:rPr kumimoji="1" lang="ja-JP" altLang="en-US" dirty="0">
+              <a:rPr kumimoji="1" lang="ja-JP" altLang="en-US">
+                <a:solidFill>
+                  <a:schemeClr val="bg2">
+                    <a:lumMod val="50000"/>
+                  </a:schemeClr>
+                </a:solidFill>
+              </a:rPr>
+              <a:t>≈ </a:t>
+            </a:r>
+            <a:r>
+              <a:rPr kumimoji="1" lang="en-US" altLang="ja-JP">
+                <a:solidFill>
+                  <a:schemeClr val="bg2">
+                    <a:lumMod val="50000"/>
+                  </a:schemeClr>
+                </a:solidFill>
+              </a:rPr>
+              <a:t>*const T</a:t>
+            </a:r>
+          </a:p>
+        </p:txBody>
+      </p:sp>
+      <p:sp>
+        <p:nvSpPr>
+          <p:cNvPr id="169" name="テキスト ボックス 168">
+            <a:extLst>
+              <a:ext uri="{FF2B5EF4-FFF2-40B4-BE49-F238E27FC236}">
+                <a16:creationId xmlns:a16="http://schemas.microsoft.com/office/drawing/2014/main" id="{5708A2F5-938A-43D7-BA16-96C1B47AFAD8}"/>
+              </a:ext>
+            </a:extLst>
+          </p:cNvPr>
+          <p:cNvSpPr txBox="1"/>
+          <p:nvPr/>
+        </p:nvSpPr>
+        <p:spPr>
+          <a:xfrm>
+            <a:off x="10251332" y="1710040"/>
+            <a:ext cx="2570588" cy="369332"/>
+          </a:xfrm>
+          <a:prstGeom prst="rect">
+            <a:avLst/>
+          </a:prstGeom>
+          <a:noFill/>
+        </p:spPr>
+        <p:txBody>
+          <a:bodyPr wrap="square" rtlCol="0">
+            <a:spAutoFit/>
+          </a:bodyPr>
+          <a:lstStyle/>
+          <a:p>
+            <a:r>
+              <a:rPr kumimoji="1" lang="en-US" altLang="ja-JP">
+                <a:solidFill>
+                  <a:srgbClr val="00B0F0"/>
+                </a:solidFill>
+              </a:rPr>
+              <a:t>Box&lt;</a:t>
+            </a:r>
+            <a:r>
+              <a:rPr kumimoji="1" lang="en-US" altLang="ja-JP">
                 <a:solidFill>
                   <a:schemeClr val="bg1">
                     <a:lumMod val="75000"/>
                   </a:schemeClr>
                 </a:solidFill>
               </a:rPr>
-              <a:t>≈ </a:t>
-            </a:r>
-            <a:r>
-              <a:rPr kumimoji="1" lang="en-US" altLang="ja-JP" dirty="0">
+              <a:t>T</a:t>
+            </a:r>
+            <a:r>
+              <a:rPr kumimoji="1" lang="en-US" altLang="ja-JP">
+                <a:solidFill>
+                  <a:srgbClr val="00B0F0"/>
+                </a:solidFill>
+              </a:rPr>
+              <a:t>&gt; </a:t>
+            </a:r>
+            <a:r>
+              <a:rPr kumimoji="1" lang="en-US" altLang="ja-JP">
+                <a:solidFill>
+                  <a:schemeClr val="bg2">
+                    <a:lumMod val="50000"/>
+                  </a:schemeClr>
+                </a:solidFill>
+              </a:rPr>
+              <a:t>or</a:t>
+            </a:r>
+            <a:r>
+              <a:rPr kumimoji="1" lang="en-US" altLang="ja-JP">
+                <a:solidFill>
+                  <a:srgbClr val="00B0F0"/>
+                </a:solidFill>
+              </a:rPr>
+              <a:t> </a:t>
+            </a:r>
+            <a:r>
+              <a:rPr kumimoji="1" lang="en-US" altLang="ja-JP">
+                <a:solidFill>
+                  <a:schemeClr val="accent4"/>
+                </a:solidFill>
+              </a:rPr>
+              <a:t>mut</a:t>
+            </a:r>
+            <a:r>
+              <a:rPr kumimoji="1" lang="en-US" altLang="ja-JP" baseline="30000">
+                <a:solidFill>
+                  <a:schemeClr val="bg2">
+                    <a:lumMod val="50000"/>
+                  </a:schemeClr>
+                </a:solidFill>
+              </a:rPr>
+              <a:t>(†1)</a:t>
+            </a:r>
+            <a:endParaRPr kumimoji="1" lang="ja-JP" altLang="en-US">
+              <a:solidFill>
+                <a:schemeClr val="accent4"/>
+              </a:solidFill>
+            </a:endParaRPr>
+          </a:p>
+        </p:txBody>
+      </p:sp>
+      <p:sp>
+        <p:nvSpPr>
+          <p:cNvPr id="181" name="テキスト ボックス 180">
+            <a:extLst>
+              <a:ext uri="{FF2B5EF4-FFF2-40B4-BE49-F238E27FC236}">
+                <a16:creationId xmlns:a16="http://schemas.microsoft.com/office/drawing/2014/main" id="{A123369A-1817-491D-89F3-44C96E8C9E71}"/>
+              </a:ext>
+            </a:extLst>
+          </p:cNvPr>
+          <p:cNvSpPr txBox="1"/>
+          <p:nvPr/>
+        </p:nvSpPr>
+        <p:spPr>
+          <a:xfrm>
+            <a:off x="10251332" y="471319"/>
+            <a:ext cx="2070573" cy="369332"/>
+          </a:xfrm>
+          <a:prstGeom prst="rect">
+            <a:avLst/>
+          </a:prstGeom>
+          <a:noFill/>
+        </p:spPr>
+        <p:txBody>
+          <a:bodyPr wrap="square" rtlCol="0">
+            <a:spAutoFit/>
+          </a:bodyPr>
+          <a:lstStyle/>
+          <a:p>
+            <a:r>
+              <a:rPr kumimoji="1" lang="en-US" altLang="ja-JP">
                 <a:solidFill>
                   <a:schemeClr val="bg1">
                     <a:lumMod val="75000"/>
                   </a:schemeClr>
                 </a:solidFill>
               </a:rPr>
-              <a:t>*const T</a:t>
-            </a:r>
-            <a:endParaRPr kumimoji="1" lang="ja-JP" altLang="en-US" dirty="0">
+              <a:t>&amp;</a:t>
+            </a:r>
+            <a:r>
+              <a:rPr kumimoji="1" lang="en-US" altLang="ja-JP">
+                <a:solidFill>
+                  <a:schemeClr val="accent4"/>
+                </a:solidFill>
+              </a:rPr>
+              <a:t>mut T</a:t>
+            </a:r>
+            <a:r>
+              <a:rPr kumimoji="1" lang="en-US" altLang="ja-JP">
+                <a:solidFill>
+                  <a:schemeClr val="bg2">
+                    <a:lumMod val="50000"/>
+                  </a:schemeClr>
+                </a:solidFill>
+              </a:rPr>
+              <a:t> </a:t>
+            </a:r>
+            <a:r>
+              <a:rPr kumimoji="1" lang="ja-JP" altLang="en-US">
+                <a:solidFill>
+                  <a:schemeClr val="bg2">
+                    <a:lumMod val="50000"/>
+                  </a:schemeClr>
+                </a:solidFill>
+              </a:rPr>
+              <a:t>≈ </a:t>
+            </a:r>
+            <a:r>
+              <a:rPr kumimoji="1" lang="en-US" altLang="ja-JP">
+                <a:solidFill>
+                  <a:schemeClr val="bg2">
+                    <a:lumMod val="50000"/>
+                  </a:schemeClr>
+                </a:solidFill>
+              </a:rPr>
+              <a:t>*mut T</a:t>
+            </a:r>
+            <a:r>
+              <a:rPr kumimoji="1" lang="en-US" altLang="ja-JP">
+                <a:solidFill>
+                  <a:schemeClr val="bg1">
+                    <a:lumMod val="75000"/>
+                  </a:schemeClr>
+                </a:solidFill>
+              </a:rPr>
+              <a:t> </a:t>
+            </a:r>
+            <a:r>
+              <a:rPr kumimoji="1" lang="en-US" altLang="ja-JP" baseline="30000">
+                <a:solidFill>
+                  <a:schemeClr val="bg2">
+                    <a:lumMod val="50000"/>
+                  </a:schemeClr>
+                </a:solidFill>
+              </a:rPr>
+              <a:t>(†1)</a:t>
+            </a:r>
+            <a:endParaRPr kumimoji="1" lang="ja-JP" altLang="en-US">
               <a:solidFill>
                 <a:schemeClr val="bg1">
                   <a:lumMod val="75000"/>
@@ -5210,10 +5653,10 @@
       </p:sp>
       <p:sp>
         <p:nvSpPr>
-          <p:cNvPr id="169" name="テキスト ボックス 168">
-            <a:extLst>
-              <a:ext uri="{FF2B5EF4-FFF2-40B4-BE49-F238E27FC236}">
-                <a16:creationId xmlns:a16="http://schemas.microsoft.com/office/drawing/2014/main" id="{5708A2F5-938A-43D7-BA16-96C1B47AFAD8}"/>
+          <p:cNvPr id="183" name="テキスト ボックス 182">
+            <a:extLst>
+              <a:ext uri="{FF2B5EF4-FFF2-40B4-BE49-F238E27FC236}">
+                <a16:creationId xmlns:a16="http://schemas.microsoft.com/office/drawing/2014/main" id="{5D586BE9-E8C4-47D4-8AA0-A719D185CAA7}"/>
               </a:ext>
             </a:extLst>
           </p:cNvPr>
@@ -5222,95 +5665,30 @@
         </p:nvSpPr>
         <p:spPr>
           <a:xfrm>
-            <a:off x="10215349" y="1710040"/>
-            <a:ext cx="1847636" cy="369332"/>
+            <a:off x="4949897" y="1218230"/>
+            <a:ext cx="889411" cy="369332"/>
           </a:xfrm>
           <a:prstGeom prst="rect">
             <a:avLst/>
           </a:prstGeom>
-          <a:noFill/>
-        </p:spPr>
-        <p:txBody>
-          <a:bodyPr wrap="square" rtlCol="0">
+        </p:spPr>
+        <p:txBody>
+          <a:bodyPr wrap="none" rtlCol="0">
             <a:spAutoFit/>
           </a:bodyPr>
           <a:lstStyle/>
           <a:p>
             <a:r>
-              <a:rPr kumimoji="1" lang="en-US" altLang="ja-JP" dirty="0">
-                <a:solidFill>
-                  <a:srgbClr val="00B0F0"/>
-                </a:solidFill>
-              </a:rPr>
-              <a:t>Box&lt;T&gt;</a:t>
-            </a:r>
-            <a:endParaRPr kumimoji="1" lang="ja-JP" altLang="en-US" dirty="0">
-              <a:solidFill>
-                <a:srgbClr val="00B0F0"/>
-              </a:solidFill>
-            </a:endParaRPr>
-          </a:p>
-        </p:txBody>
-      </p:sp>
-      <p:sp>
-        <p:nvSpPr>
-          <p:cNvPr id="181" name="テキスト ボックス 180">
-            <a:extLst>
-              <a:ext uri="{FF2B5EF4-FFF2-40B4-BE49-F238E27FC236}">
-                <a16:creationId xmlns:a16="http://schemas.microsoft.com/office/drawing/2014/main" id="{A123369A-1817-491D-89F3-44C96E8C9E71}"/>
-              </a:ext>
-            </a:extLst>
-          </p:cNvPr>
-          <p:cNvSpPr txBox="1"/>
-          <p:nvPr/>
-        </p:nvSpPr>
-        <p:spPr>
-          <a:xfrm>
-            <a:off x="10215349" y="1319260"/>
-            <a:ext cx="1847636" cy="369332"/>
-          </a:xfrm>
-          <a:prstGeom prst="rect">
-            <a:avLst/>
-          </a:prstGeom>
-          <a:noFill/>
-        </p:spPr>
-        <p:txBody>
-          <a:bodyPr wrap="square" rtlCol="0">
-            <a:spAutoFit/>
-          </a:bodyPr>
-          <a:lstStyle/>
-          <a:p>
-            <a:r>
-              <a:rPr kumimoji="1" lang="en-US" altLang="ja-JP" dirty="0">
+              <a:rPr lang="en-US" altLang="ja-JP">
                 <a:solidFill>
                   <a:schemeClr val="bg1">
                     <a:lumMod val="75000"/>
                   </a:schemeClr>
                 </a:solidFill>
               </a:rPr>
-              <a:t>&amp;mut T </a:t>
-            </a:r>
-            <a:r>
-              <a:rPr kumimoji="1" lang="ja-JP" altLang="en-US" dirty="0">
-                <a:solidFill>
-                  <a:schemeClr val="bg1">
-                    <a:lumMod val="75000"/>
-                  </a:schemeClr>
-                </a:solidFill>
-              </a:rPr>
-              <a:t>≈ </a:t>
-            </a:r>
-            <a:r>
-              <a:rPr kumimoji="1" lang="en-US" altLang="ja-JP" dirty="0">
-                <a:solidFill>
-                  <a:schemeClr val="bg1">
-                    <a:lumMod val="75000"/>
-                  </a:schemeClr>
-                </a:solidFill>
-              </a:rPr>
-              <a:t>*mut T</a:t>
-            </a:r>
-            <a:endParaRPr kumimoji="1" lang="ja-JP" altLang="en-US" dirty="0">
+              <a:t>&lt;stack&gt;</a:t>
+            </a:r>
+            <a:endParaRPr kumimoji="1" lang="ja-JP" altLang="en-US">
               <a:solidFill>
                 <a:schemeClr val="bg1">
                   <a:lumMod val="75000"/>
@@ -5322,10 +5700,10 @@
       </p:sp>
       <p:sp>
         <p:nvSpPr>
-          <p:cNvPr id="183" name="テキスト ボックス 182">
-            <a:extLst>
-              <a:ext uri="{FF2B5EF4-FFF2-40B4-BE49-F238E27FC236}">
-                <a16:creationId xmlns:a16="http://schemas.microsoft.com/office/drawing/2014/main" id="{5D586BE9-E8C4-47D4-8AA0-A719D185CAA7}"/>
+          <p:cNvPr id="185" name="テキスト ボックス 184">
+            <a:extLst>
+              <a:ext uri="{FF2B5EF4-FFF2-40B4-BE49-F238E27FC236}">
+                <a16:creationId xmlns:a16="http://schemas.microsoft.com/office/drawing/2014/main" id="{07252E8E-9C58-4A3F-A4FF-6E75CD24313B}"/>
               </a:ext>
             </a:extLst>
           </p:cNvPr>
@@ -5334,12 +5712,13 @@
         </p:nvSpPr>
         <p:spPr>
           <a:xfrm>
-            <a:off x="3147396" y="27177"/>
-            <a:ext cx="889411" cy="369332"/>
+            <a:off x="4407718" y="1842666"/>
+            <a:ext cx="885179" cy="369332"/>
           </a:xfrm>
           <a:prstGeom prst="rect">
             <a:avLst/>
           </a:prstGeom>
+          <a:noFill/>
         </p:spPr>
         <p:txBody>
           <a:bodyPr wrap="none" rtlCol="0">
@@ -5348,202 +5727,55 @@
           <a:lstStyle/>
           <a:p>
             <a:r>
-              <a:rPr lang="en-US" altLang="ja-JP" dirty="0">
-                <a:solidFill>
-                  <a:schemeClr val="bg2">
-                    <a:lumMod val="50000"/>
-                  </a:schemeClr>
-                </a:solidFill>
-              </a:rPr>
-              <a:t>&lt;stack&gt;</a:t>
-            </a:r>
-            <a:endParaRPr kumimoji="1" lang="ja-JP" altLang="en-US" dirty="0">
+              <a:rPr lang="en-US" altLang="ja-JP">
+                <a:solidFill>
+                  <a:schemeClr val="accent2"/>
+                </a:solidFill>
+              </a:rPr>
+              <a:t>&lt;heap&gt;</a:t>
+            </a:r>
+            <a:endParaRPr kumimoji="1" lang="ja-JP" altLang="en-US">
               <a:solidFill>
-                <a:schemeClr val="bg2">
-                  <a:lumMod val="50000"/>
-                </a:schemeClr>
+                <a:schemeClr val="accent2"/>
               </a:solidFill>
             </a:endParaRPr>
           </a:p>
         </p:txBody>
       </p:sp>
-      <p:sp>
-        <p:nvSpPr>
-          <p:cNvPr id="185" name="テキスト ボックス 184">
-            <a:extLst>
-              <a:ext uri="{FF2B5EF4-FFF2-40B4-BE49-F238E27FC236}">
-                <a16:creationId xmlns:a16="http://schemas.microsoft.com/office/drawing/2014/main" id="{07252E8E-9C58-4A3F-A4FF-6E75CD24313B}"/>
-              </a:ext>
-            </a:extLst>
-          </p:cNvPr>
-          <p:cNvSpPr txBox="1"/>
-          <p:nvPr/>
-        </p:nvSpPr>
-        <p:spPr>
-          <a:xfrm>
-            <a:off x="2616282" y="873399"/>
-            <a:ext cx="885179" cy="369332"/>
-          </a:xfrm>
-          <a:prstGeom prst="rect">
-            <a:avLst/>
-          </a:prstGeom>
-          <a:noFill/>
-        </p:spPr>
-        <p:txBody>
-          <a:bodyPr wrap="none" rtlCol="0">
-            <a:spAutoFit/>
-          </a:bodyPr>
-          <a:lstStyle/>
-          <a:p>
-            <a:r>
-              <a:rPr lang="en-US" altLang="ja-JP" dirty="0">
-                <a:solidFill>
-                  <a:schemeClr val="accent4">
-                    <a:lumMod val="75000"/>
-                  </a:schemeClr>
-                </a:solidFill>
-              </a:rPr>
-              <a:t>&lt;heap&gt;</a:t>
-            </a:r>
-            <a:endParaRPr kumimoji="1" lang="ja-JP" altLang="en-US" dirty="0">
-              <a:solidFill>
-                <a:schemeClr val="accent4">
-                  <a:lumMod val="75000"/>
-                </a:schemeClr>
-              </a:solidFill>
-            </a:endParaRPr>
-          </a:p>
-        </p:txBody>
-      </p:sp>
       <p:cxnSp>
         <p:nvCxnSpPr>
-          <p:cNvPr id="186" name="コネクタ: カギ線 185">
-            <a:extLst>
-              <a:ext uri="{FF2B5EF4-FFF2-40B4-BE49-F238E27FC236}">
-                <a16:creationId xmlns:a16="http://schemas.microsoft.com/office/drawing/2014/main" id="{EB202AFE-F151-4376-8968-DB2A6066171E}"/>
+          <p:cNvPr id="241" name="コネクタ: カギ線 240">
+            <a:extLst>
+              <a:ext uri="{FF2B5EF4-FFF2-40B4-BE49-F238E27FC236}">
+                <a16:creationId xmlns:a16="http://schemas.microsoft.com/office/drawing/2014/main" id="{AA69F0CC-6913-438B-9EB8-6A358C4E8AD8}"/>
               </a:ext>
             </a:extLst>
           </p:cNvPr>
           <p:cNvCxnSpPr>
             <a:cxnSpLocks/>
-            <a:stCxn id="533" idx="2"/>
-            <a:endCxn id="481" idx="1"/>
+            <a:stCxn id="1017" idx="0"/>
+            <a:endCxn id="161" idx="1"/>
           </p:cNvCxnSpPr>
           <p:nvPr/>
         </p:nvCxnSpPr>
         <p:spPr>
-          <a:xfrm rot="16200000" flipH="1">
-            <a:off x="3540330" y="1180419"/>
-            <a:ext cx="579006" cy="2373826"/>
-          </a:xfrm>
-          <a:prstGeom prst="bentConnector2">
-            <a:avLst/>
-          </a:prstGeom>
-          <a:ln>
-            <a:tailEnd type="triangle"/>
-          </a:ln>
-        </p:spPr>
-        <p:style>
-          <a:lnRef idx="1">
-            <a:schemeClr val="accent6"/>
-          </a:lnRef>
-          <a:fillRef idx="0">
-            <a:schemeClr val="accent6"/>
-          </a:fillRef>
-          <a:effectRef idx="0">
-            <a:schemeClr val="accent6"/>
-          </a:effectRef>
-          <a:fontRef idx="minor">
-            <a:schemeClr val="tx1"/>
-          </a:fontRef>
-        </p:style>
-      </p:cxnSp>
-      <p:sp>
-        <p:nvSpPr>
-          <p:cNvPr id="238" name="テキスト ボックス 237">
-            <a:extLst>
-              <a:ext uri="{FF2B5EF4-FFF2-40B4-BE49-F238E27FC236}">
-                <a16:creationId xmlns:a16="http://schemas.microsoft.com/office/drawing/2014/main" id="{C6D52471-E152-4B32-B070-7BA59CE606C7}"/>
-              </a:ext>
-            </a:extLst>
-          </p:cNvPr>
-          <p:cNvSpPr txBox="1"/>
-          <p:nvPr/>
-        </p:nvSpPr>
-        <p:spPr>
-          <a:xfrm>
-            <a:off x="7157181" y="147990"/>
-            <a:ext cx="1126783" cy="369332"/>
-          </a:xfrm>
-          <a:prstGeom prst="rect">
-            <a:avLst/>
-          </a:prstGeom>
-          <a:noFill/>
-          <a:ln>
+          <a:xfrm rot="16200000" flipV="1">
+            <a:off x="10163411" y="380085"/>
+            <a:ext cx="1096809" cy="920965"/>
+          </a:xfrm>
+          <a:prstGeom prst="bentConnector4">
+            <a:avLst>
+              <a:gd name="adj1" fmla="val 24985"/>
+              <a:gd name="adj2" fmla="val 250770"/>
+            </a:avLst>
+          </a:prstGeom>
+          <a:ln w="9525">
             <a:solidFill>
               <a:srgbClr val="6600CC"/>
             </a:solidFill>
-          </a:ln>
-        </p:spPr>
-        <p:txBody>
-          <a:bodyPr wrap="none" rtlCol="0">
-            <a:spAutoFit/>
-          </a:bodyPr>
-          <a:lstStyle/>
-          <a:p>
-            <a:r>
-              <a:rPr lang="en-US" altLang="ja-JP" dirty="0">
-                <a:solidFill>
-                  <a:schemeClr val="bg2">
-                    <a:lumMod val="50000"/>
-                  </a:schemeClr>
-                </a:solidFill>
-              </a:rPr>
-              <a:t>Reference</a:t>
-            </a:r>
-            <a:endParaRPr kumimoji="1" lang="ja-JP" altLang="en-US" dirty="0">
-              <a:solidFill>
-                <a:schemeClr val="bg2">
-                  <a:lumMod val="50000"/>
-                </a:schemeClr>
-              </a:solidFill>
-            </a:endParaRPr>
-          </a:p>
-        </p:txBody>
-      </p:sp>
-      <p:cxnSp>
-        <p:nvCxnSpPr>
-          <p:cNvPr id="241" name="コネクタ: カギ線 240">
-            <a:extLst>
-              <a:ext uri="{FF2B5EF4-FFF2-40B4-BE49-F238E27FC236}">
-                <a16:creationId xmlns:a16="http://schemas.microsoft.com/office/drawing/2014/main" id="{AA69F0CC-6913-438B-9EB8-6A358C4E8AD8}"/>
-              </a:ext>
-            </a:extLst>
-          </p:cNvPr>
-          <p:cNvCxnSpPr>
-            <a:cxnSpLocks/>
-            <a:stCxn id="253" idx="3"/>
-            <a:endCxn id="238" idx="1"/>
-          </p:cNvCxnSpPr>
-          <p:nvPr/>
-        </p:nvCxnSpPr>
-        <p:spPr>
-          <a:xfrm flipV="1">
-            <a:off x="5512822" y="332656"/>
-            <a:ext cx="1644359" cy="4648"/>
-          </a:xfrm>
-          <a:prstGeom prst="bentConnector3">
-            <a:avLst>
-              <a:gd name="adj1" fmla="val 50000"/>
-            </a:avLst>
-          </a:prstGeom>
-          <a:ln>
-            <a:solidFill>
-              <a:schemeClr val="bg2">
-                <a:lumMod val="50000"/>
-              </a:schemeClr>
-            </a:solidFill>
-            <a:tailEnd type="triangle"/>
+            <a:prstDash val="lgDash"/>
+            <a:headEnd type="triangle" w="med" len="med"/>
+            <a:tailEnd type="triangle" w="med" len="med"/>
           </a:ln>
         </p:spPr>
         <p:style>
@@ -5563,10 +5795,10 @@
       </p:cxnSp>
       <p:sp>
         <p:nvSpPr>
-          <p:cNvPr id="253" name="テキスト ボックス 252">
-            <a:extLst>
-              <a:ext uri="{FF2B5EF4-FFF2-40B4-BE49-F238E27FC236}">
-                <a16:creationId xmlns:a16="http://schemas.microsoft.com/office/drawing/2014/main" id="{0EF14BF7-50DF-4952-B8E9-514CB971728B}"/>
+          <p:cNvPr id="258" name="テキスト ボックス 257">
+            <a:extLst>
+              <a:ext uri="{FF2B5EF4-FFF2-40B4-BE49-F238E27FC236}">
+                <a16:creationId xmlns:a16="http://schemas.microsoft.com/office/drawing/2014/main" id="{C990EF96-3AE4-45F5-88AF-38D34B93A536}"/>
               </a:ext>
             </a:extLst>
           </p:cNvPr>
@@ -5575,18 +5807,12 @@
         </p:nvSpPr>
         <p:spPr>
           <a:xfrm>
-            <a:off x="4534284" y="152638"/>
-            <a:ext cx="978538" cy="369332"/>
+            <a:off x="8817541" y="-36144"/>
+            <a:ext cx="1433790" cy="369332"/>
           </a:xfrm>
           <a:prstGeom prst="rect">
             <a:avLst/>
           </a:prstGeom>
-          <a:noFill/>
-          <a:ln>
-            <a:solidFill>
-              <a:srgbClr val="996633"/>
-            </a:solidFill>
-          </a:ln>
         </p:spPr>
         <p:txBody>
           <a:bodyPr wrap="none" rtlCol="0">
@@ -5595,178 +5821,16 @@
           <a:lstStyle/>
           <a:p>
             <a:r>
-              <a:rPr kumimoji="1" lang="en-US" altLang="ja-JP" dirty="0">
-                <a:solidFill>
-                  <a:schemeClr val="bg2">
-                    <a:lumMod val="50000"/>
-                  </a:schemeClr>
-                </a:solidFill>
-              </a:rPr>
-              <a:t>Mutable</a:t>
-            </a:r>
-            <a:endParaRPr kumimoji="1" lang="ja-JP" altLang="en-US" dirty="0">
-              <a:solidFill>
-                <a:schemeClr val="bg2">
-                  <a:lumMod val="50000"/>
-                </a:schemeClr>
-              </a:solidFill>
-            </a:endParaRPr>
-          </a:p>
-        </p:txBody>
-      </p:sp>
-      <p:sp>
-        <p:nvSpPr>
-          <p:cNvPr id="258" name="テキスト ボックス 257">
-            <a:extLst>
-              <a:ext uri="{FF2B5EF4-FFF2-40B4-BE49-F238E27FC236}">
-                <a16:creationId xmlns:a16="http://schemas.microsoft.com/office/drawing/2014/main" id="{C990EF96-3AE4-45F5-88AF-38D34B93A536}"/>
-              </a:ext>
-            </a:extLst>
-          </p:cNvPr>
-          <p:cNvSpPr txBox="1"/>
-          <p:nvPr/>
-        </p:nvSpPr>
-        <p:spPr>
-          <a:xfrm>
-            <a:off x="8348053" y="27177"/>
-            <a:ext cx="679801" cy="369332"/>
-          </a:xfrm>
-          <a:prstGeom prst="rect">
-            <a:avLst/>
-          </a:prstGeom>
-        </p:spPr>
-        <p:txBody>
-          <a:bodyPr wrap="none" rtlCol="0">
-            <a:spAutoFit/>
-          </a:bodyPr>
-          <a:lstStyle/>
-          <a:p>
-            <a:r>
-              <a:rPr lang="en-US" altLang="ja-JP" dirty="0">
-                <a:solidFill>
-                  <a:schemeClr val="bg2">
-                    <a:lumMod val="50000"/>
-                  </a:schemeClr>
-                </a:solidFill>
-              </a:rPr>
-              <a:t>&lt;</a:t>
-            </a:r>
-            <a:r>
-              <a:rPr lang="en-US" altLang="ja-JP" dirty="0" err="1">
-                <a:solidFill>
-                  <a:schemeClr val="bg2">
-                    <a:lumMod val="50000"/>
-                  </a:schemeClr>
-                </a:solidFill>
-              </a:rPr>
-              <a:t>val</a:t>
-            </a:r>
-            <a:r>
-              <a:rPr lang="en-US" altLang="ja-JP" dirty="0">
-                <a:solidFill>
-                  <a:schemeClr val="bg2">
-                    <a:lumMod val="50000"/>
-                  </a:schemeClr>
-                </a:solidFill>
-              </a:rPr>
-              <a:t>&gt;</a:t>
-            </a:r>
-            <a:endParaRPr kumimoji="1" lang="ja-JP" altLang="en-US" dirty="0">
-              <a:solidFill>
-                <a:schemeClr val="bg2">
-                  <a:lumMod val="50000"/>
-                </a:schemeClr>
-              </a:solidFill>
-            </a:endParaRPr>
-          </a:p>
-        </p:txBody>
-      </p:sp>
-      <p:sp>
-        <p:nvSpPr>
-          <p:cNvPr id="260" name="テキスト ボックス 259">
-            <a:extLst>
-              <a:ext uri="{FF2B5EF4-FFF2-40B4-BE49-F238E27FC236}">
-                <a16:creationId xmlns:a16="http://schemas.microsoft.com/office/drawing/2014/main" id="{8AA6CBEF-25EE-4E36-BB31-9100775DC034}"/>
-              </a:ext>
-            </a:extLst>
-          </p:cNvPr>
-          <p:cNvSpPr txBox="1"/>
-          <p:nvPr/>
-        </p:nvSpPr>
-        <p:spPr>
-          <a:xfrm>
-            <a:off x="5449678" y="27177"/>
-            <a:ext cx="919162" cy="369332"/>
-          </a:xfrm>
-          <a:prstGeom prst="rect">
-            <a:avLst/>
-          </a:prstGeom>
-        </p:spPr>
-        <p:txBody>
-          <a:bodyPr wrap="none" rtlCol="0">
-            <a:spAutoFit/>
-          </a:bodyPr>
-          <a:lstStyle/>
-          <a:p>
-            <a:r>
-              <a:rPr lang="en-US" altLang="ja-JP" dirty="0">
-                <a:solidFill>
-                  <a:schemeClr val="bg2">
-                    <a:lumMod val="50000"/>
-                  </a:schemeClr>
-                </a:solidFill>
-              </a:rPr>
-              <a:t>&lt;const&gt;</a:t>
-            </a:r>
-            <a:endParaRPr kumimoji="1" lang="ja-JP" altLang="en-US" dirty="0">
-              <a:solidFill>
-                <a:schemeClr val="bg2">
-                  <a:lumMod val="50000"/>
-                </a:schemeClr>
-              </a:solidFill>
-            </a:endParaRPr>
-          </a:p>
-        </p:txBody>
-      </p:sp>
-      <p:sp>
-        <p:nvSpPr>
-          <p:cNvPr id="262" name="テキスト ボックス 261">
-            <a:extLst>
-              <a:ext uri="{FF2B5EF4-FFF2-40B4-BE49-F238E27FC236}">
-                <a16:creationId xmlns:a16="http://schemas.microsoft.com/office/drawing/2014/main" id="{E45925C3-04D7-4ED8-AA91-20ECF57008CB}"/>
-              </a:ext>
-            </a:extLst>
-          </p:cNvPr>
-          <p:cNvSpPr txBox="1"/>
-          <p:nvPr/>
-        </p:nvSpPr>
-        <p:spPr>
-          <a:xfrm>
-            <a:off x="10242736" y="928480"/>
-            <a:ext cx="1847636" cy="369332"/>
-          </a:xfrm>
-          <a:prstGeom prst="rect">
-            <a:avLst/>
-          </a:prstGeom>
-          <a:noFill/>
-        </p:spPr>
-        <p:txBody>
-          <a:bodyPr wrap="square" rtlCol="0">
-            <a:spAutoFit/>
-          </a:bodyPr>
-          <a:lstStyle/>
-          <a:p>
-            <a:r>
-              <a:rPr kumimoji="1" lang="en-US" altLang="ja-JP" dirty="0">
+              <a:rPr lang="en-US" altLang="ja-JP">
                 <a:solidFill>
                   <a:schemeClr val="bg1">
                     <a:lumMod val="75000"/>
                   </a:schemeClr>
                 </a:solidFill>
               </a:rPr>
-              <a:t>mut T</a:t>
-            </a:r>
-            <a:endParaRPr kumimoji="1" lang="ja-JP" altLang="en-US" dirty="0">
+              <a:t>&lt;immutable&gt;</a:t>
+            </a:r>
+            <a:endParaRPr kumimoji="1" lang="ja-JP" altLang="en-US">
               <a:solidFill>
                 <a:schemeClr val="bg1">
                   <a:lumMod val="75000"/>
@@ -5776,72 +5840,32 @@
           </a:p>
         </p:txBody>
       </p:sp>
-      <p:cxnSp>
-        <p:nvCxnSpPr>
-          <p:cNvPr id="266" name="コネクタ: カギ線 265">
-            <a:extLst>
-              <a:ext uri="{FF2B5EF4-FFF2-40B4-BE49-F238E27FC236}">
-                <a16:creationId xmlns:a16="http://schemas.microsoft.com/office/drawing/2014/main" id="{9128EC0E-7E55-4B04-B235-250B6DE89AE1}"/>
-              </a:ext>
-            </a:extLst>
-          </p:cNvPr>
-          <p:cNvCxnSpPr>
-            <a:cxnSpLocks/>
-            <a:stCxn id="253" idx="2"/>
-            <a:endCxn id="270" idx="1"/>
-          </p:cNvCxnSpPr>
-          <p:nvPr/>
-        </p:nvCxnSpPr>
-        <p:spPr>
-          <a:xfrm rot="16200000" flipH="1">
-            <a:off x="5795905" y="-250382"/>
-            <a:ext cx="588924" cy="2133628"/>
-          </a:xfrm>
-          <a:prstGeom prst="bentConnector2">
+      <p:sp>
+        <p:nvSpPr>
+          <p:cNvPr id="291" name="テキスト ボックス 290">
+            <a:extLst>
+              <a:ext uri="{FF2B5EF4-FFF2-40B4-BE49-F238E27FC236}">
+                <a16:creationId xmlns:a16="http://schemas.microsoft.com/office/drawing/2014/main" id="{22BC25F5-15D0-44A9-BC67-9B2BB2747FE4}"/>
+              </a:ext>
+            </a:extLst>
+          </p:cNvPr>
+          <p:cNvSpPr txBox="1"/>
+          <p:nvPr/>
+        </p:nvSpPr>
+        <p:spPr>
+          <a:xfrm>
+            <a:off x="4021720" y="2881249"/>
+            <a:ext cx="1005840" cy="369332"/>
+          </a:xfrm>
+          <a:prstGeom prst="rect">
             <a:avLst/>
           </a:prstGeom>
+          <a:noFill/>
           <a:ln>
             <a:solidFill>
-              <a:srgbClr val="996633"/>
+              <a:schemeClr val="accent4"/>
             </a:solidFill>
-            <a:tailEnd type="triangle"/>
           </a:ln>
-        </p:spPr>
-        <p:style>
-          <a:lnRef idx="1">
-            <a:schemeClr val="accent1"/>
-          </a:lnRef>
-          <a:fillRef idx="0">
-            <a:schemeClr val="accent1"/>
-          </a:fillRef>
-          <a:effectRef idx="0">
-            <a:schemeClr val="accent1"/>
-          </a:effectRef>
-          <a:fontRef idx="minor">
-            <a:schemeClr val="tx1"/>
-          </a:fontRef>
-        </p:style>
-      </p:cxnSp>
-      <p:sp>
-        <p:nvSpPr>
-          <p:cNvPr id="268" name="テキスト ボックス 267">
-            <a:extLst>
-              <a:ext uri="{FF2B5EF4-FFF2-40B4-BE49-F238E27FC236}">
-                <a16:creationId xmlns:a16="http://schemas.microsoft.com/office/drawing/2014/main" id="{A5D9B4BF-A898-435F-849B-6B54D82294A0}"/>
-              </a:ext>
-            </a:extLst>
-          </p:cNvPr>
-          <p:cNvSpPr txBox="1"/>
-          <p:nvPr/>
-        </p:nvSpPr>
-        <p:spPr>
-          <a:xfrm>
-            <a:off x="5467586" y="787986"/>
-            <a:ext cx="798617" cy="369332"/>
-          </a:xfrm>
-          <a:prstGeom prst="rect">
-            <a:avLst/>
-          </a:prstGeom>
         </p:spPr>
         <p:txBody>
           <a:bodyPr wrap="none" rtlCol="0">
@@ -5850,262 +5874,18 @@
           <a:lstStyle/>
           <a:p>
             <a:r>
-              <a:rPr lang="en-US" altLang="ja-JP" dirty="0">
-                <a:solidFill>
-                  <a:srgbClr val="996633"/>
-                </a:solidFill>
-              </a:rPr>
-              <a:t>&lt;mut&gt;</a:t>
-            </a:r>
-            <a:endParaRPr kumimoji="1" lang="ja-JP" altLang="en-US" dirty="0">
-              <a:solidFill>
-                <a:srgbClr val="996633"/>
-              </a:solidFill>
-            </a:endParaRPr>
-          </a:p>
-        </p:txBody>
-      </p:sp>
-      <p:sp>
-        <p:nvSpPr>
-          <p:cNvPr id="270" name="テキスト ボックス 269">
-            <a:extLst>
-              <a:ext uri="{FF2B5EF4-FFF2-40B4-BE49-F238E27FC236}">
-                <a16:creationId xmlns:a16="http://schemas.microsoft.com/office/drawing/2014/main" id="{217A0589-BE67-41EA-A8DC-857698597A68}"/>
-              </a:ext>
-            </a:extLst>
-          </p:cNvPr>
-          <p:cNvSpPr txBox="1"/>
-          <p:nvPr/>
-        </p:nvSpPr>
-        <p:spPr>
-          <a:xfrm>
-            <a:off x="7157181" y="926228"/>
-            <a:ext cx="1126783" cy="369332"/>
-          </a:xfrm>
-          <a:prstGeom prst="rect">
-            <a:avLst/>
-          </a:prstGeom>
-          <a:noFill/>
-          <a:ln>
-            <a:solidFill>
-              <a:srgbClr val="6600CC"/>
-            </a:solidFill>
-          </a:ln>
-        </p:spPr>
-        <p:txBody>
-          <a:bodyPr wrap="none" rtlCol="0">
-            <a:spAutoFit/>
-          </a:bodyPr>
-          <a:lstStyle/>
-          <a:p>
-            <a:r>
-              <a:rPr kumimoji="1" lang="en-US" altLang="ja-JP" dirty="0">
-                <a:solidFill>
-                  <a:schemeClr val="bg2">
-                    <a:lumMod val="50000"/>
-                  </a:schemeClr>
-                </a:solidFill>
-              </a:rPr>
-              <a:t>Reference</a:t>
-            </a:r>
-            <a:endParaRPr kumimoji="1" lang="ja-JP" altLang="en-US" dirty="0">
-              <a:solidFill>
-                <a:schemeClr val="bg2">
-                  <a:lumMod val="50000"/>
-                </a:schemeClr>
-              </a:solidFill>
-            </a:endParaRPr>
-          </a:p>
-        </p:txBody>
-      </p:sp>
-      <p:cxnSp>
-        <p:nvCxnSpPr>
-          <p:cNvPr id="273" name="コネクタ: カギ線 272">
-            <a:extLst>
-              <a:ext uri="{FF2B5EF4-FFF2-40B4-BE49-F238E27FC236}">
-                <a16:creationId xmlns:a16="http://schemas.microsoft.com/office/drawing/2014/main" id="{DEA6CEDA-567A-4FF7-B8A2-E609E6DAE0B5}"/>
-              </a:ext>
-            </a:extLst>
-          </p:cNvPr>
-          <p:cNvCxnSpPr>
-            <a:cxnSpLocks/>
-            <a:stCxn id="270" idx="3"/>
-            <a:endCxn id="262" idx="1"/>
-          </p:cNvCxnSpPr>
-          <p:nvPr/>
-        </p:nvCxnSpPr>
-        <p:spPr>
-          <a:xfrm>
-            <a:off x="8283964" y="1110894"/>
-            <a:ext cx="1958772" cy="2252"/>
-          </a:xfrm>
-          <a:prstGeom prst="bentConnector3">
-            <a:avLst/>
-          </a:prstGeom>
-          <a:ln>
-            <a:solidFill>
-              <a:schemeClr val="bg2">
-                <a:lumMod val="50000"/>
-              </a:schemeClr>
-            </a:solidFill>
-            <a:tailEnd type="triangle"/>
-          </a:ln>
-        </p:spPr>
-        <p:style>
-          <a:lnRef idx="1">
-            <a:schemeClr val="accent1"/>
-          </a:lnRef>
-          <a:fillRef idx="0">
-            <a:schemeClr val="accent1"/>
-          </a:fillRef>
-          <a:effectRef idx="0">
-            <a:schemeClr val="accent1"/>
-          </a:effectRef>
-          <a:fontRef idx="minor">
-            <a:schemeClr val="tx1"/>
-          </a:fontRef>
-        </p:style>
-      </p:cxnSp>
-      <p:cxnSp>
-        <p:nvCxnSpPr>
-          <p:cNvPr id="275" name="コネクタ: カギ線 274">
-            <a:extLst>
-              <a:ext uri="{FF2B5EF4-FFF2-40B4-BE49-F238E27FC236}">
-                <a16:creationId xmlns:a16="http://schemas.microsoft.com/office/drawing/2014/main" id="{891436D6-3A63-4024-9954-FE635D03147B}"/>
-              </a:ext>
-            </a:extLst>
-          </p:cNvPr>
-          <p:cNvCxnSpPr>
-            <a:cxnSpLocks/>
-            <a:stCxn id="270" idx="2"/>
-            <a:endCxn id="181" idx="1"/>
-          </p:cNvCxnSpPr>
-          <p:nvPr/>
-        </p:nvCxnSpPr>
-        <p:spPr>
-          <a:xfrm rot="16200000" flipH="1">
-            <a:off x="8863778" y="152355"/>
-            <a:ext cx="208366" cy="2494776"/>
-          </a:xfrm>
-          <a:prstGeom prst="bentConnector2">
-            <a:avLst/>
-          </a:prstGeom>
-          <a:ln>
-            <a:solidFill>
-              <a:srgbClr val="6600CC"/>
-            </a:solidFill>
-            <a:tailEnd type="triangle"/>
-          </a:ln>
-        </p:spPr>
-        <p:style>
-          <a:lnRef idx="1">
-            <a:schemeClr val="accent1"/>
-          </a:lnRef>
-          <a:fillRef idx="0">
-            <a:schemeClr val="accent1"/>
-          </a:fillRef>
-          <a:effectRef idx="0">
-            <a:schemeClr val="accent1"/>
-          </a:effectRef>
-          <a:fontRef idx="minor">
-            <a:schemeClr val="tx1"/>
-          </a:fontRef>
-        </p:style>
-      </p:cxnSp>
-      <p:sp>
-        <p:nvSpPr>
-          <p:cNvPr id="291" name="テキスト ボックス 290">
-            <a:extLst>
-              <a:ext uri="{FF2B5EF4-FFF2-40B4-BE49-F238E27FC236}">
-                <a16:creationId xmlns:a16="http://schemas.microsoft.com/office/drawing/2014/main" id="{22BC25F5-15D0-44A9-BC67-9B2BB2747FE4}"/>
-              </a:ext>
-            </a:extLst>
-          </p:cNvPr>
-          <p:cNvSpPr txBox="1"/>
-          <p:nvPr/>
-        </p:nvSpPr>
-        <p:spPr>
-          <a:xfrm>
-            <a:off x="4218380" y="4050895"/>
-            <a:ext cx="1005840" cy="369332"/>
-          </a:xfrm>
-          <a:prstGeom prst="rect">
-            <a:avLst/>
-          </a:prstGeom>
-          <a:noFill/>
-          <a:ln>
-            <a:solidFill>
-              <a:srgbClr val="996633"/>
-            </a:solidFill>
-          </a:ln>
-        </p:spPr>
-        <p:txBody>
-          <a:bodyPr wrap="none" rtlCol="0">
-            <a:spAutoFit/>
-          </a:bodyPr>
-          <a:lstStyle/>
-          <a:p>
-            <a:r>
-              <a:rPr kumimoji="1" lang="en-US" altLang="ja-JP" dirty="0">
-                <a:solidFill>
-                  <a:schemeClr val="bg2">
-                    <a:lumMod val="50000"/>
-                  </a:schemeClr>
-                </a:solidFill>
-              </a:rPr>
-              <a:t>Mutable</a:t>
-            </a:r>
-            <a:endParaRPr kumimoji="1" lang="ja-JP" altLang="en-US" dirty="0">
-              <a:solidFill>
-                <a:schemeClr val="bg2">
-                  <a:lumMod val="50000"/>
-                </a:schemeClr>
-              </a:solidFill>
-            </a:endParaRPr>
-          </a:p>
-        </p:txBody>
-      </p:sp>
-      <p:sp>
-        <p:nvSpPr>
-          <p:cNvPr id="309" name="テキスト ボックス 308">
-            <a:extLst>
-              <a:ext uri="{FF2B5EF4-FFF2-40B4-BE49-F238E27FC236}">
-                <a16:creationId xmlns:a16="http://schemas.microsoft.com/office/drawing/2014/main" id="{D88EED32-B0ED-4B4B-9FBE-50CF6F0E171D}"/>
-              </a:ext>
-            </a:extLst>
-          </p:cNvPr>
-          <p:cNvSpPr txBox="1"/>
-          <p:nvPr/>
-        </p:nvSpPr>
-        <p:spPr>
-          <a:xfrm>
-            <a:off x="3147396" y="3070351"/>
-            <a:ext cx="957313" cy="369332"/>
-          </a:xfrm>
-          <a:prstGeom prst="rect">
-            <a:avLst/>
-          </a:prstGeom>
-          <a:noFill/>
-        </p:spPr>
-        <p:txBody>
-          <a:bodyPr wrap="none" rtlCol="0">
-            <a:spAutoFit/>
-          </a:bodyPr>
-          <a:lstStyle/>
-          <a:p>
-            <a:r>
-              <a:rPr kumimoji="1" lang="en-US" altLang="ja-JP" dirty="0">
-                <a:solidFill>
-                  <a:schemeClr val="accent5">
+              <a:rPr kumimoji="1" lang="en-US" altLang="ja-JP">
+                <a:solidFill>
+                  <a:schemeClr val="bg1">
                     <a:lumMod val="75000"/>
                   </a:schemeClr>
                 </a:solidFill>
               </a:rPr>
-              <a:t>&lt;single&gt;</a:t>
-            </a:r>
-            <a:endParaRPr kumimoji="1" lang="ja-JP" altLang="en-US" dirty="0">
+              <a:t>Mutable</a:t>
+            </a:r>
+            <a:endParaRPr kumimoji="1" lang="ja-JP" altLang="en-US">
               <a:solidFill>
-                <a:schemeClr val="accent5">
+                <a:schemeClr val="bg1">
                   <a:lumMod val="75000"/>
                 </a:schemeClr>
               </a:solidFill>
@@ -6115,10 +5895,10 @@
       </p:sp>
       <p:sp>
         <p:nvSpPr>
-          <p:cNvPr id="315" name="テキスト ボックス 314">
-            <a:extLst>
-              <a:ext uri="{FF2B5EF4-FFF2-40B4-BE49-F238E27FC236}">
-                <a16:creationId xmlns:a16="http://schemas.microsoft.com/office/drawing/2014/main" id="{203C443B-0C4C-4DF2-A204-58E594702A3A}"/>
+          <p:cNvPr id="309" name="テキスト ボックス 308">
+            <a:extLst>
+              <a:ext uri="{FF2B5EF4-FFF2-40B4-BE49-F238E27FC236}">
+                <a16:creationId xmlns:a16="http://schemas.microsoft.com/office/drawing/2014/main" id="{D88EED32-B0ED-4B4B-9FBE-50CF6F0E171D}"/>
               </a:ext>
             </a:extLst>
           </p:cNvPr>
@@ -6127,12 +5907,13 @@
         </p:nvSpPr>
         <p:spPr>
           <a:xfrm>
-            <a:off x="8348053" y="400377"/>
-            <a:ext cx="676532" cy="369332"/>
+            <a:off x="554571" y="1560522"/>
+            <a:ext cx="957313" cy="369332"/>
           </a:xfrm>
           <a:prstGeom prst="rect">
             <a:avLst/>
           </a:prstGeom>
+          <a:noFill/>
         </p:spPr>
         <p:txBody>
           <a:bodyPr wrap="none" rtlCol="0">
@@ -6141,14 +5922,79 @@
           <a:lstStyle/>
           <a:p>
             <a:r>
-              <a:rPr lang="en-US" altLang="ja-JP" dirty="0">
-                <a:solidFill>
-                  <a:srgbClr val="6600CC"/>
-                </a:solidFill>
-              </a:rPr>
-              <a:t>&lt;ref&gt;</a:t>
-            </a:r>
-            <a:endParaRPr kumimoji="1" lang="ja-JP" altLang="en-US" dirty="0">
+              <a:rPr kumimoji="1" lang="en-US" altLang="ja-JP">
+                <a:solidFill>
+                  <a:schemeClr val="bg1">
+                    <a:lumMod val="75000"/>
+                  </a:schemeClr>
+                </a:solidFill>
+              </a:rPr>
+              <a:t>&lt;single&gt;</a:t>
+            </a:r>
+            <a:endParaRPr kumimoji="1" lang="ja-JP" altLang="en-US">
+              <a:solidFill>
+                <a:schemeClr val="bg1">
+                  <a:lumMod val="75000"/>
+                </a:schemeClr>
+              </a:solidFill>
+            </a:endParaRPr>
+          </a:p>
+        </p:txBody>
+      </p:sp>
+      <p:sp>
+        <p:nvSpPr>
+          <p:cNvPr id="315" name="テキスト ボックス 314">
+            <a:extLst>
+              <a:ext uri="{FF2B5EF4-FFF2-40B4-BE49-F238E27FC236}">
+                <a16:creationId xmlns:a16="http://schemas.microsoft.com/office/drawing/2014/main" id="{203C443B-0C4C-4DF2-A204-58E594702A3A}"/>
+              </a:ext>
+            </a:extLst>
+          </p:cNvPr>
+          <p:cNvSpPr txBox="1"/>
+          <p:nvPr/>
+        </p:nvSpPr>
+        <p:spPr>
+          <a:xfrm>
+            <a:off x="8823964" y="343912"/>
+            <a:ext cx="1082348" cy="369332"/>
+          </a:xfrm>
+          <a:prstGeom prst="rect">
+            <a:avLst/>
+          </a:prstGeom>
+        </p:spPr>
+        <p:txBody>
+          <a:bodyPr wrap="none" rtlCol="0">
+            <a:spAutoFit/>
+          </a:bodyPr>
+          <a:lstStyle/>
+          <a:p>
+            <a:r>
+              <a:rPr lang="en-US" altLang="ja-JP">
+                <a:solidFill>
+                  <a:schemeClr val="accent4"/>
+                </a:solidFill>
+              </a:rPr>
+              <a:t>&lt;mut&gt;</a:t>
+            </a:r>
+            <a:r>
+              <a:rPr kumimoji="1" lang="en-US" altLang="ja-JP" baseline="30000">
+                <a:solidFill>
+                  <a:schemeClr val="accent4"/>
+                </a:solidFill>
+              </a:rPr>
+              <a:t> </a:t>
+            </a:r>
+            <a:r>
+              <a:rPr kumimoji="1" lang="en-US" altLang="ja-JP" baseline="30000">
+                <a:solidFill>
+                  <a:schemeClr val="bg2">
+                    <a:lumMod val="50000"/>
+                  </a:schemeClr>
+                </a:solidFill>
+              </a:rPr>
+              <a:t>(†1)</a:t>
+            </a:r>
+            <a:endParaRPr kumimoji="1" lang="ja-JP" altLang="en-US">
               <a:solidFill>
                 <a:srgbClr val="6600CC"/>
               </a:solidFill>
@@ -6170,8 +6016,8 @@
         </p:nvSpPr>
         <p:spPr>
           <a:xfrm>
-            <a:off x="10215349" y="5617840"/>
-            <a:ext cx="1847636" cy="369332"/>
+            <a:off x="10251332" y="5617840"/>
+            <a:ext cx="2070573" cy="369332"/>
           </a:xfrm>
           <a:prstGeom prst="rect">
             <a:avLst/>
@@ -6185,7 +6031,7 @@
           <a:lstStyle/>
           <a:p>
             <a:r>
-              <a:rPr kumimoji="1" lang="en-US" altLang="ja-JP" dirty="0">
+              <a:rPr kumimoji="1" lang="en-US" altLang="ja-JP">
                 <a:solidFill>
                   <a:schemeClr val="accent6"/>
                 </a:solidFill>
@@ -6193,22 +6039,42 @@
               <a:t>Arc&lt;</a:t>
             </a:r>
             <a:r>
-              <a:rPr kumimoji="1" lang="en-US" altLang="ja-JP" dirty="0" err="1">
+              <a:rPr kumimoji="1" lang="en-US" altLang="ja-JP" err="1">
+                <a:solidFill>
+                  <a:schemeClr val="accent4"/>
+                </a:solidFill>
+              </a:rPr>
+              <a:t>AtomicT</a:t>
+            </a:r>
+            <a:r>
+              <a:rPr kumimoji="1" lang="en-US" altLang="ja-JP">
                 <a:solidFill>
                   <a:schemeClr val="accent6"/>
                 </a:solidFill>
               </a:rPr>
-              <a:t>AtomicT</a:t>
-            </a:r>
-            <a:r>
-              <a:rPr kumimoji="1" lang="en-US" altLang="ja-JP" dirty="0">
-                <a:solidFill>
-                  <a:schemeClr val="accent6"/>
-                </a:solidFill>
-              </a:rPr>
               <a:t>&gt;</a:t>
             </a:r>
-            <a:endParaRPr kumimoji="1" lang="ja-JP" altLang="en-US" dirty="0">
+            <a:r>
+              <a:rPr kumimoji="1" lang="en-US" altLang="ja-JP">
+                <a:solidFill>
+                  <a:schemeClr val="bg1">
+                    <a:lumMod val="75000"/>
+                  </a:schemeClr>
+                </a:solidFill>
+              </a:rPr>
+              <a:t> </a:t>
+            </a:r>
+            <a:r>
+              <a:rPr kumimoji="1" lang="en-US" altLang="ja-JP" baseline="30000">
+                <a:solidFill>
+                  <a:schemeClr val="bg2">
+                    <a:lumMod val="50000"/>
+                  </a:schemeClr>
+                </a:solidFill>
+              </a:rPr>
+              <a:t>(†2)</a:t>
+            </a:r>
+            <a:endParaRPr kumimoji="1" lang="ja-JP" altLang="en-US">
               <a:solidFill>
                 <a:schemeClr val="accent6"/>
               </a:solidFill>
@@ -6234,18 +6100,18 @@
         </p:nvCxnSpPr>
         <p:spPr>
           <a:xfrm>
-            <a:off x="5677185" y="6194771"/>
-            <a:ext cx="2411332" cy="619"/>
+            <a:off x="6093785" y="6194771"/>
+            <a:ext cx="1960538" cy="619"/>
           </a:xfrm>
           <a:prstGeom prst="bentConnector3">
             <a:avLst>
               <a:gd name="adj1" fmla="val 50000"/>
             </a:avLst>
           </a:prstGeom>
-          <a:ln>
+          <a:ln w="9525">
             <a:solidFill>
-              <a:schemeClr val="bg2">
-                <a:lumMod val="50000"/>
+              <a:schemeClr val="bg1">
+                <a:lumMod val="75000"/>
               </a:schemeClr>
             </a:solidFill>
             <a:tailEnd type="triangle"/>
@@ -6284,15 +6150,15 @@
         </p:nvCxnSpPr>
         <p:spPr>
           <a:xfrm rot="16200000" flipH="1">
-            <a:off x="7692790" y="4061506"/>
-            <a:ext cx="204629" cy="4840490"/>
+            <a:off x="7919081" y="4251814"/>
+            <a:ext cx="204629" cy="4459873"/>
           </a:xfrm>
           <a:prstGeom prst="bentConnector2">
             <a:avLst/>
           </a:prstGeom>
-          <a:ln>
+          <a:ln w="9525">
             <a:solidFill>
-              <a:srgbClr val="800000"/>
+              <a:srgbClr val="C00000"/>
             </a:solidFill>
             <a:tailEnd type="triangle"/>
           </a:ln>
@@ -6326,8 +6192,8 @@
         </p:nvSpPr>
         <p:spPr>
           <a:xfrm>
-            <a:off x="8717206" y="5473274"/>
-            <a:ext cx="1367682" cy="369332"/>
+            <a:off x="8754132" y="5473274"/>
+            <a:ext cx="1189236" cy="369332"/>
           </a:xfrm>
           <a:prstGeom prst="rect">
             <a:avLst/>
@@ -6341,40 +6207,32 @@
           <a:lstStyle/>
           <a:p>
             <a:r>
-              <a:rPr kumimoji="1" lang="en-US" altLang="ja-JP" dirty="0">
-                <a:solidFill>
-                  <a:schemeClr val="tx2"/>
+              <a:rPr kumimoji="1" lang="en-US" altLang="ja-JP">
+                <a:solidFill>
+                  <a:schemeClr val="accent1"/>
                 </a:solidFill>
               </a:rPr>
               <a:t>&lt;</a:t>
             </a:r>
             <a:r>
-              <a:rPr lang="en-US" altLang="ja-JP" dirty="0" err="1">
-                <a:solidFill>
-                  <a:schemeClr val="tx2"/>
-                </a:solidFill>
-              </a:rPr>
-              <a:t>n</a:t>
-            </a:r>
-            <a:r>
-              <a:rPr kumimoji="1" lang="en-US" altLang="ja-JP" dirty="0" err="1">
-                <a:solidFill>
-                  <a:schemeClr val="tx2"/>
-                </a:solidFill>
-              </a:rPr>
-              <a:t>um|bool</a:t>
-            </a:r>
-            <a:r>
-              <a:rPr kumimoji="1" lang="en-US" altLang="ja-JP" dirty="0">
-                <a:solidFill>
-                  <a:schemeClr val="tx2"/>
+              <a:rPr kumimoji="1" lang="en-US" altLang="ja-JP" err="1">
+                <a:solidFill>
+                  <a:schemeClr val="accent1"/>
+                </a:solidFill>
+              </a:rPr>
+              <a:t>bool|int</a:t>
+            </a:r>
+            <a:r>
+              <a:rPr kumimoji="1" lang="en-US" altLang="ja-JP">
+                <a:solidFill>
+                  <a:schemeClr val="accent1"/>
                 </a:solidFill>
               </a:rPr>
               <a:t>&gt;</a:t>
             </a:r>
-            <a:endParaRPr kumimoji="1" lang="ja-JP" altLang="en-US" dirty="0">
+            <a:endParaRPr kumimoji="1" lang="ja-JP" altLang="en-US">
               <a:solidFill>
-                <a:schemeClr val="tx2"/>
+                <a:schemeClr val="accent1"/>
               </a:solidFill>
             </a:endParaRPr>
           </a:p>
@@ -6398,15 +6256,15 @@
         </p:nvCxnSpPr>
         <p:spPr>
           <a:xfrm rot="5400000" flipH="1" flipV="1">
-            <a:off x="9207844" y="5003219"/>
-            <a:ext cx="208218" cy="1806792"/>
+            <a:off x="9208738" y="4968131"/>
+            <a:ext cx="208218" cy="1876969"/>
           </a:xfrm>
           <a:prstGeom prst="bentConnector2">
             <a:avLst/>
           </a:prstGeom>
-          <a:ln>
+          <a:ln w="9525">
             <a:solidFill>
-              <a:schemeClr val="tx2"/>
+              <a:schemeClr val="accent1"/>
             </a:solidFill>
             <a:tailEnd type="triangle"/>
           </a:ln>
@@ -6444,18 +6302,18 @@
         </p:nvCxnSpPr>
         <p:spPr>
           <a:xfrm flipV="1">
-            <a:off x="8728597" y="6193286"/>
-            <a:ext cx="1486752" cy="2104"/>
+            <a:off x="8694403" y="6193286"/>
+            <a:ext cx="1556929" cy="2104"/>
           </a:xfrm>
           <a:prstGeom prst="bentConnector3">
             <a:avLst>
               <a:gd name="adj1" fmla="val 50000"/>
             </a:avLst>
           </a:prstGeom>
-          <a:ln>
+          <a:ln w="9525">
             <a:solidFill>
-              <a:schemeClr val="bg2">
-                <a:lumMod val="50000"/>
+              <a:schemeClr val="bg1">
+                <a:lumMod val="75000"/>
               </a:schemeClr>
             </a:solidFill>
             <a:tailEnd type="triangle"/>
@@ -6490,7 +6348,7 @@
         </p:nvSpPr>
         <p:spPr>
           <a:xfrm>
-            <a:off x="5939404" y="6268328"/>
+            <a:off x="6123650" y="6268328"/>
             <a:ext cx="1779782" cy="369332"/>
           </a:xfrm>
           <a:prstGeom prst="rect">
@@ -6505,16 +6363,16 @@
           <a:lstStyle/>
           <a:p>
             <a:r>
-              <a:rPr kumimoji="1" lang="en-US" altLang="ja-JP" dirty="0">
-                <a:solidFill>
-                  <a:srgbClr val="800000"/>
+              <a:rPr kumimoji="1" lang="en-US" altLang="ja-JP">
+                <a:solidFill>
+                  <a:srgbClr val="C00000"/>
                 </a:solidFill>
               </a:rPr>
               <a:t>&lt;readers/writer&gt;</a:t>
             </a:r>
-            <a:endParaRPr kumimoji="1" lang="ja-JP" altLang="en-US" dirty="0">
+            <a:endParaRPr kumimoji="1" lang="ja-JP" altLang="en-US">
               <a:solidFill>
-                <a:srgbClr val="800000"/>
+                <a:srgbClr val="C00000"/>
               </a:solidFill>
             </a:endParaRPr>
           </a:p>
@@ -6534,7 +6392,7 @@
         </p:nvSpPr>
         <p:spPr>
           <a:xfrm>
-            <a:off x="8717206" y="5849562"/>
+            <a:off x="8754132" y="5849562"/>
             <a:ext cx="747833" cy="369332"/>
           </a:xfrm>
           <a:prstGeom prst="rect">
@@ -6549,19 +6407,19 @@
           <a:lstStyle/>
           <a:p>
             <a:r>
-              <a:rPr kumimoji="1" lang="en-US" altLang="ja-JP" dirty="0">
-                <a:solidFill>
-                  <a:schemeClr val="bg2">
-                    <a:lumMod val="50000"/>
+              <a:rPr kumimoji="1" lang="en-US" altLang="ja-JP">
+                <a:solidFill>
+                  <a:schemeClr val="bg1">
+                    <a:lumMod val="75000"/>
                   </a:schemeClr>
                 </a:solidFill>
               </a:rPr>
               <a:t>&lt;any&gt;</a:t>
             </a:r>
-            <a:endParaRPr kumimoji="1" lang="ja-JP" altLang="en-US" dirty="0">
+            <a:endParaRPr kumimoji="1" lang="ja-JP" altLang="en-US">
               <a:solidFill>
-                <a:schemeClr val="bg2">
-                  <a:lumMod val="50000"/>
+                <a:schemeClr val="bg1">
+                  <a:lumMod val="75000"/>
                 </a:schemeClr>
               </a:solidFill>
             </a:endParaRPr>
@@ -6582,8 +6440,8 @@
         </p:nvSpPr>
         <p:spPr>
           <a:xfrm>
-            <a:off x="5424074" y="3903502"/>
-            <a:ext cx="919162" cy="369332"/>
+            <a:off x="4987988" y="2755622"/>
+            <a:ext cx="1433790" cy="369332"/>
           </a:xfrm>
           <a:prstGeom prst="rect">
             <a:avLst/>
@@ -6596,19 +6454,19 @@
           <a:lstStyle/>
           <a:p>
             <a:r>
-              <a:rPr lang="en-US" altLang="ja-JP" dirty="0">
-                <a:solidFill>
-                  <a:schemeClr val="bg2">
-                    <a:lumMod val="50000"/>
+              <a:rPr lang="en-US" altLang="ja-JP">
+                <a:solidFill>
+                  <a:schemeClr val="bg1">
+                    <a:lumMod val="75000"/>
                   </a:schemeClr>
                 </a:solidFill>
               </a:rPr>
-              <a:t>&lt;const&gt;</a:t>
-            </a:r>
-            <a:endParaRPr kumimoji="1" lang="ja-JP" altLang="en-US" dirty="0">
+              <a:t>&lt;immutable&gt;</a:t>
+            </a:r>
+            <a:endParaRPr kumimoji="1" lang="ja-JP" altLang="en-US">
               <a:solidFill>
-                <a:schemeClr val="bg2">
-                  <a:lumMod val="50000"/>
+                <a:schemeClr val="bg1">
+                  <a:lumMod val="75000"/>
                 </a:schemeClr>
               </a:solidFill>
             </a:endParaRPr>
@@ -6629,7 +6487,7 @@
         </p:nvSpPr>
         <p:spPr>
           <a:xfrm>
-            <a:off x="5434263" y="4300183"/>
+            <a:off x="4419169" y="3780672"/>
             <a:ext cx="798617" cy="369332"/>
           </a:xfrm>
           <a:prstGeom prst="rect">
@@ -6643,16 +6501,16 @@
           <a:lstStyle/>
           <a:p>
             <a:r>
-              <a:rPr lang="en-US" altLang="ja-JP" dirty="0">
-                <a:solidFill>
-                  <a:srgbClr val="996633"/>
+              <a:rPr lang="en-US" altLang="ja-JP">
+                <a:solidFill>
+                  <a:schemeClr val="accent4"/>
                 </a:solidFill>
               </a:rPr>
               <a:t>&lt;mut&gt;</a:t>
             </a:r>
-            <a:endParaRPr kumimoji="1" lang="ja-JP" altLang="en-US" dirty="0">
+            <a:endParaRPr kumimoji="1" lang="ja-JP" altLang="en-US">
               <a:solidFill>
-                <a:srgbClr val="996633"/>
+                <a:schemeClr val="accent4"/>
               </a:solidFill>
             </a:endParaRPr>
           </a:p>
@@ -6676,15 +6534,15 @@
         </p:nvCxnSpPr>
         <p:spPr>
           <a:xfrm rot="16200000" flipH="1">
-            <a:off x="5835397" y="3306129"/>
-            <a:ext cx="207687" cy="2435881"/>
+            <a:off x="5980822" y="1794399"/>
+            <a:ext cx="595213" cy="3507576"/>
           </a:xfrm>
           <a:prstGeom prst="bentConnector2">
             <a:avLst/>
           </a:prstGeom>
-          <a:ln>
+          <a:ln w="9525">
             <a:solidFill>
-              <a:srgbClr val="996633"/>
+              <a:schemeClr val="accent4"/>
             </a:solidFill>
             <a:tailEnd type="triangle"/>
           </a:ln>
@@ -6715,26 +6573,22 @@
           </p:cNvPr>
           <p:cNvCxnSpPr>
             <a:cxnSpLocks/>
-            <a:stCxn id="86" idx="3"/>
+            <a:stCxn id="86" idx="0"/>
             <a:endCxn id="21" idx="1"/>
           </p:cNvCxnSpPr>
           <p:nvPr/>
         </p:nvCxnSpPr>
         <p:spPr>
-          <a:xfrm>
-            <a:off x="8283964" y="4627914"/>
-            <a:ext cx="1931385" cy="2252"/>
-          </a:xfrm>
-          <a:prstGeom prst="bentConnector3">
-            <a:avLst>
-              <a:gd name="adj1" fmla="val 50000"/>
-            </a:avLst>
-          </a:prstGeom>
-          <a:ln>
+          <a:xfrm rot="5400000" flipH="1" flipV="1">
+            <a:off x="9197089" y="2606885"/>
+            <a:ext cx="203302" cy="1905184"/>
+          </a:xfrm>
+          <a:prstGeom prst="bentConnector2">
+            <a:avLst/>
+          </a:prstGeom>
+          <a:ln w="9525">
             <a:solidFill>
-              <a:schemeClr val="bg2">
-                <a:lumMod val="50000"/>
-              </a:schemeClr>
+              <a:schemeClr val="accent1"/>
             </a:solidFill>
             <a:tailEnd type="triangle"/>
           </a:ln>
@@ -6765,22 +6619,26 @@
           </p:cNvPr>
           <p:cNvCxnSpPr>
             <a:cxnSpLocks/>
-            <a:stCxn id="86" idx="2"/>
+            <a:stCxn id="86" idx="3"/>
             <a:endCxn id="23" idx="1"/>
           </p:cNvCxnSpPr>
           <p:nvPr/>
         </p:nvCxnSpPr>
         <p:spPr>
-          <a:xfrm rot="16200000" flipH="1">
-            <a:off x="8863778" y="3669375"/>
-            <a:ext cx="208366" cy="2494776"/>
-          </a:xfrm>
-          <a:prstGeom prst="bentConnector2">
-            <a:avLst/>
-          </a:prstGeom>
-          <a:ln>
+          <a:xfrm>
+            <a:off x="8660080" y="3845794"/>
+            <a:ext cx="1591252" cy="2812"/>
+          </a:xfrm>
+          <a:prstGeom prst="bentConnector3">
+            <a:avLst>
+              <a:gd name="adj1" fmla="val 50000"/>
+            </a:avLst>
+          </a:prstGeom>
+          <a:ln w="9525">
             <a:solidFill>
-              <a:srgbClr val="6600CC"/>
+              <a:schemeClr val="bg1">
+                <a:lumMod val="75000"/>
+              </a:schemeClr>
             </a:solidFill>
             <a:tailEnd type="triangle"/>
           </a:ln>
@@ -6814,8 +6672,8 @@
         </p:nvSpPr>
         <p:spPr>
           <a:xfrm>
-            <a:off x="7157181" y="2102153"/>
-            <a:ext cx="1126783" cy="369332"/>
+            <a:off x="8032216" y="2493313"/>
+            <a:ext cx="627864" cy="369332"/>
           </a:xfrm>
           <a:prstGeom prst="rect">
             <a:avLst/>
@@ -6823,7 +6681,7 @@
           <a:noFill/>
           <a:ln>
             <a:solidFill>
-              <a:srgbClr val="6600CC"/>
+              <a:schemeClr val="accent1"/>
             </a:solidFill>
           </a:ln>
         </p:spPr>
@@ -6834,19 +6692,19 @@
           <a:lstStyle/>
           <a:p>
             <a:r>
-              <a:rPr kumimoji="1" lang="en-US" altLang="ja-JP" dirty="0">
-                <a:solidFill>
-                  <a:schemeClr val="bg2">
-                    <a:lumMod val="50000"/>
+              <a:rPr kumimoji="1" lang="en-US" altLang="ja-JP">
+                <a:solidFill>
+                  <a:schemeClr val="bg1">
+                    <a:lumMod val="75000"/>
                   </a:schemeClr>
                 </a:solidFill>
               </a:rPr>
-              <a:t>Reference</a:t>
-            </a:r>
-            <a:endParaRPr kumimoji="1" lang="ja-JP" altLang="en-US" dirty="0">
+              <a:t>Type</a:t>
+            </a:r>
+            <a:endParaRPr kumimoji="1" lang="ja-JP" altLang="en-US">
               <a:solidFill>
-                <a:schemeClr val="bg2">
-                  <a:lumMod val="50000"/>
+                <a:schemeClr val="bg1">
+                  <a:lumMod val="75000"/>
                 </a:schemeClr>
               </a:solidFill>
             </a:endParaRPr>
@@ -6864,22 +6722,26 @@
           </p:cNvPr>
           <p:cNvCxnSpPr>
             <a:cxnSpLocks/>
-            <a:stCxn id="435" idx="2"/>
+            <a:stCxn id="435" idx="3"/>
             <a:endCxn id="9" idx="1"/>
           </p:cNvCxnSpPr>
           <p:nvPr/>
         </p:nvCxnSpPr>
         <p:spPr>
-          <a:xfrm rot="16200000" flipH="1">
-            <a:off x="8865571" y="1326487"/>
-            <a:ext cx="204781" cy="2494776"/>
-          </a:xfrm>
-          <a:prstGeom prst="bentConnector2">
-            <a:avLst/>
-          </a:prstGeom>
-          <a:ln>
+          <a:xfrm flipV="1">
+            <a:off x="8660080" y="2676266"/>
+            <a:ext cx="1591252" cy="1713"/>
+          </a:xfrm>
+          <a:prstGeom prst="bentConnector3">
+            <a:avLst>
+              <a:gd name="adj1" fmla="val 50000"/>
+            </a:avLst>
+          </a:prstGeom>
+          <a:ln w="9525">
             <a:solidFill>
-              <a:srgbClr val="6600CC"/>
+              <a:schemeClr val="bg1">
+                <a:lumMod val="75000"/>
+              </a:schemeClr>
             </a:solidFill>
             <a:tailEnd type="triangle"/>
           </a:ln>
@@ -6913,7 +6775,7 @@
         </p:nvSpPr>
         <p:spPr>
           <a:xfrm>
-            <a:off x="8088517" y="3270521"/>
+            <a:off x="8054323" y="4442432"/>
             <a:ext cx="640080" cy="369332"/>
           </a:xfrm>
           <a:prstGeom prst="rect">
@@ -6922,7 +6784,7 @@
           <a:noFill/>
           <a:ln w="9525" cap="flat" cmpd="sng" algn="ctr">
             <a:solidFill>
-              <a:schemeClr val="tx2"/>
+              <a:schemeClr val="accent1"/>
             </a:solidFill>
             <a:prstDash val="solid"/>
             <a:round/>
@@ -6951,19 +6813,19 @@
           <a:lstStyle/>
           <a:p>
             <a:r>
-              <a:rPr lang="en-US" altLang="ja-JP" dirty="0">
-                <a:solidFill>
-                  <a:schemeClr val="bg2">
-                    <a:lumMod val="50000"/>
+              <a:rPr lang="en-US" altLang="ja-JP">
+                <a:solidFill>
+                  <a:schemeClr val="bg1">
+                    <a:lumMod val="75000"/>
                   </a:schemeClr>
                 </a:solidFill>
               </a:rPr>
               <a:t>Type</a:t>
             </a:r>
-            <a:endParaRPr kumimoji="1" lang="ja-JP" altLang="en-US" dirty="0">
+            <a:endParaRPr kumimoji="1" lang="ja-JP" altLang="en-US">
               <a:solidFill>
-                <a:schemeClr val="bg2">
-                  <a:lumMod val="50000"/>
+                <a:schemeClr val="bg1">
+                  <a:lumMod val="75000"/>
                 </a:schemeClr>
               </a:solidFill>
             </a:endParaRPr>
@@ -6988,15 +6850,15 @@
         </p:nvCxnSpPr>
         <p:spPr>
           <a:xfrm rot="5400000" flipH="1" flipV="1">
-            <a:off x="9210216" y="2265388"/>
-            <a:ext cx="203475" cy="1806792"/>
+            <a:off x="9211324" y="3402425"/>
+            <a:ext cx="203046" cy="1876969"/>
           </a:xfrm>
           <a:prstGeom prst="bentConnector2">
             <a:avLst/>
           </a:prstGeom>
-          <a:ln>
+          <a:ln w="9525">
             <a:solidFill>
-              <a:schemeClr val="tx2"/>
+              <a:schemeClr val="accent1"/>
             </a:solidFill>
             <a:tailEnd type="triangle"/>
           </a:ln>
@@ -7034,18 +6896,18 @@
         </p:nvCxnSpPr>
         <p:spPr>
           <a:xfrm>
-            <a:off x="8728597" y="3455187"/>
-            <a:ext cx="1486752" cy="2639"/>
+            <a:off x="8694403" y="4627098"/>
+            <a:ext cx="1556929" cy="3068"/>
           </a:xfrm>
           <a:prstGeom prst="bentConnector3">
             <a:avLst>
               <a:gd name="adj1" fmla="val 50000"/>
             </a:avLst>
           </a:prstGeom>
-          <a:ln>
+          <a:ln w="9525">
             <a:solidFill>
-              <a:schemeClr val="bg2">
-                <a:lumMod val="50000"/>
+              <a:schemeClr val="bg1">
+                <a:lumMod val="75000"/>
               </a:schemeClr>
             </a:solidFill>
             <a:tailEnd type="triangle"/>
@@ -7080,12 +6942,15 @@
         </p:nvSpPr>
         <p:spPr>
           <a:xfrm>
-            <a:off x="8348053" y="4300183"/>
-            <a:ext cx="679801" cy="369332"/>
+            <a:off x="8750739" y="3126903"/>
+            <a:ext cx="1356910" cy="369332"/>
           </a:xfrm>
           <a:prstGeom prst="rect">
             <a:avLst/>
           </a:prstGeom>
+          <a:ln>
+            <a:noFill/>
+          </a:ln>
         </p:spPr>
         <p:txBody>
           <a:bodyPr wrap="none" rtlCol="0">
@@ -7094,39 +6959,65 @@
           <a:lstStyle/>
           <a:p>
             <a:r>
-              <a:rPr lang="en-US" altLang="ja-JP" dirty="0">
-                <a:solidFill>
-                  <a:schemeClr val="bg2">
-                    <a:lumMod val="50000"/>
+              <a:rPr lang="en-US" altLang="ja-JP">
+                <a:solidFill>
+                  <a:schemeClr val="accent1"/>
+                </a:solidFill>
+              </a:rPr>
+              <a:t>&lt;Copy-able&gt;</a:t>
+            </a:r>
+            <a:endParaRPr kumimoji="1" lang="ja-JP" altLang="en-US">
+              <a:solidFill>
+                <a:schemeClr val="accent1"/>
+              </a:solidFill>
+            </a:endParaRPr>
+          </a:p>
+        </p:txBody>
+      </p:sp>
+      <p:sp>
+        <p:nvSpPr>
+          <p:cNvPr id="476" name="テキスト ボックス 475">
+            <a:extLst>
+              <a:ext uri="{FF2B5EF4-FFF2-40B4-BE49-F238E27FC236}">
+                <a16:creationId xmlns:a16="http://schemas.microsoft.com/office/drawing/2014/main" id="{0A1A9151-A35E-4C12-BE77-63930513DDB2}"/>
+              </a:ext>
+            </a:extLst>
+          </p:cNvPr>
+          <p:cNvSpPr txBox="1"/>
+          <p:nvPr/>
+        </p:nvSpPr>
+        <p:spPr>
+          <a:xfrm>
+            <a:off x="8750739" y="3519257"/>
+            <a:ext cx="747833" cy="369332"/>
+          </a:xfrm>
+          <a:prstGeom prst="rect">
+            <a:avLst/>
+          </a:prstGeom>
+          <a:ln>
+            <a:noFill/>
+          </a:ln>
+        </p:spPr>
+        <p:txBody>
+          <a:bodyPr wrap="none" rtlCol="0">
+            <a:spAutoFit/>
+          </a:bodyPr>
+          <a:lstStyle/>
+          <a:p>
+            <a:r>
+              <a:rPr lang="en-US" altLang="ja-JP">
+                <a:solidFill>
+                  <a:schemeClr val="bg1">
+                    <a:lumMod val="75000"/>
                   </a:schemeClr>
                 </a:solidFill>
               </a:rPr>
-              <a:t>&lt;</a:t>
-            </a:r>
-            <a:r>
-              <a:rPr lang="en-US" altLang="ja-JP" dirty="0" err="1">
-                <a:solidFill>
-                  <a:schemeClr val="bg2">
-                    <a:lumMod val="50000"/>
-                  </a:schemeClr>
-                </a:solidFill>
-              </a:rPr>
-              <a:t>val</a:t>
-            </a:r>
-            <a:r>
-              <a:rPr lang="en-US" altLang="ja-JP" dirty="0">
-                <a:solidFill>
-                  <a:schemeClr val="bg2">
-                    <a:lumMod val="50000"/>
-                  </a:schemeClr>
-                </a:solidFill>
-              </a:rPr>
-              <a:t>&gt;</a:t>
-            </a:r>
-            <a:endParaRPr kumimoji="1" lang="ja-JP" altLang="en-US" dirty="0">
+              <a:t>&lt;any&gt;</a:t>
+            </a:r>
+            <a:endParaRPr kumimoji="1" lang="ja-JP" altLang="en-US">
               <a:solidFill>
-                <a:schemeClr val="bg2">
-                  <a:lumMod val="50000"/>
+                <a:schemeClr val="bg1">
+                  <a:lumMod val="75000"/>
                 </a:schemeClr>
               </a:solidFill>
             </a:endParaRPr>
@@ -7135,10 +7026,10 @@
       </p:sp>
       <p:sp>
         <p:nvSpPr>
-          <p:cNvPr id="476" name="テキスト ボックス 475">
-            <a:extLst>
-              <a:ext uri="{FF2B5EF4-FFF2-40B4-BE49-F238E27FC236}">
-                <a16:creationId xmlns:a16="http://schemas.microsoft.com/office/drawing/2014/main" id="{0A1A9151-A35E-4C12-BE77-63930513DDB2}"/>
+          <p:cNvPr id="481" name="テキスト ボックス 480">
+            <a:extLst>
+              <a:ext uri="{FF2B5EF4-FFF2-40B4-BE49-F238E27FC236}">
+                <a16:creationId xmlns:a16="http://schemas.microsoft.com/office/drawing/2014/main" id="{71C8F57E-3F07-40CC-9451-3D4D8554B8B6}"/>
               </a:ext>
             </a:extLst>
           </p:cNvPr>
@@ -7147,12 +7038,18 @@
         </p:nvSpPr>
         <p:spPr>
           <a:xfrm>
-            <a:off x="8348053" y="4692537"/>
-            <a:ext cx="676532" cy="369332"/>
+            <a:off x="5489132" y="4439991"/>
+            <a:ext cx="604653" cy="369332"/>
           </a:xfrm>
           <a:prstGeom prst="rect">
             <a:avLst/>
           </a:prstGeom>
+          <a:noFill/>
+          <a:ln>
+            <a:solidFill>
+              <a:srgbClr val="C00000"/>
+            </a:solidFill>
+          </a:ln>
         </p:spPr>
         <p:txBody>
           <a:bodyPr wrap="none" rtlCol="0">
@@ -7161,68 +7058,19 @@
           <a:lstStyle/>
           <a:p>
             <a:r>
-              <a:rPr lang="en-US" altLang="ja-JP" dirty="0">
-                <a:solidFill>
-                  <a:srgbClr val="6600CC"/>
-                </a:solidFill>
-              </a:rPr>
-              <a:t>&lt;ref&gt;</a:t>
-            </a:r>
-            <a:endParaRPr kumimoji="1" lang="ja-JP" altLang="en-US" dirty="0">
+              <a:rPr kumimoji="1" lang="en-US" altLang="ja-JP">
+                <a:solidFill>
+                  <a:schemeClr val="bg1">
+                    <a:lumMod val="75000"/>
+                  </a:schemeClr>
+                </a:solidFill>
+              </a:rPr>
+              <a:t>R/W</a:t>
+            </a:r>
+            <a:endParaRPr kumimoji="1" lang="ja-JP" altLang="en-US">
               <a:solidFill>
-                <a:srgbClr val="6600CC"/>
-              </a:solidFill>
-            </a:endParaRPr>
-          </a:p>
-        </p:txBody>
-      </p:sp>
-      <p:sp>
-        <p:nvSpPr>
-          <p:cNvPr id="481" name="テキスト ボックス 480">
-            <a:extLst>
-              <a:ext uri="{FF2B5EF4-FFF2-40B4-BE49-F238E27FC236}">
-                <a16:creationId xmlns:a16="http://schemas.microsoft.com/office/drawing/2014/main" id="{71C8F57E-3F07-40CC-9451-3D4D8554B8B6}"/>
-              </a:ext>
-            </a:extLst>
-          </p:cNvPr>
-          <p:cNvSpPr txBox="1"/>
-          <p:nvPr/>
-        </p:nvSpPr>
-        <p:spPr>
-          <a:xfrm>
-            <a:off x="5016746" y="2472169"/>
-            <a:ext cx="604653" cy="369332"/>
-          </a:xfrm>
-          <a:prstGeom prst="rect">
-            <a:avLst/>
-          </a:prstGeom>
-          <a:noFill/>
-          <a:ln>
-            <a:solidFill>
-              <a:srgbClr val="800000"/>
-            </a:solidFill>
-          </a:ln>
-        </p:spPr>
-        <p:txBody>
-          <a:bodyPr wrap="none" rtlCol="0">
-            <a:spAutoFit/>
-          </a:bodyPr>
-          <a:lstStyle/>
-          <a:p>
-            <a:r>
-              <a:rPr kumimoji="1" lang="en-US" altLang="ja-JP" dirty="0">
-                <a:solidFill>
-                  <a:schemeClr val="bg2">
-                    <a:lumMod val="50000"/>
-                  </a:schemeClr>
-                </a:solidFill>
-              </a:rPr>
-              <a:t>R/W</a:t>
-            </a:r>
-            <a:endParaRPr kumimoji="1" lang="ja-JP" altLang="en-US" dirty="0">
-              <a:solidFill>
-                <a:schemeClr val="bg2">
-                  <a:lumMod val="50000"/>
+                <a:schemeClr val="bg1">
+                  <a:lumMod val="75000"/>
                 </a:schemeClr>
               </a:solidFill>
             </a:endParaRPr>
@@ -7247,18 +7095,18 @@
         </p:nvCxnSpPr>
         <p:spPr>
           <a:xfrm>
-            <a:off x="5621399" y="2656835"/>
-            <a:ext cx="2467118" cy="798352"/>
+            <a:off x="6093785" y="4624657"/>
+            <a:ext cx="1960538" cy="2441"/>
           </a:xfrm>
           <a:prstGeom prst="bentConnector3">
             <a:avLst>
-              <a:gd name="adj1" fmla="val 10251"/>
+              <a:gd name="adj1" fmla="val 50000"/>
             </a:avLst>
           </a:prstGeom>
-          <a:ln>
+          <a:ln w="9525">
             <a:solidFill>
-              <a:schemeClr val="bg2">
-                <a:lumMod val="50000"/>
+              <a:schemeClr val="bg1">
+                <a:lumMod val="75000"/>
               </a:schemeClr>
             </a:solidFill>
             <a:tailEnd type="triangle"/>
@@ -7297,15 +7145,15 @@
         </p:nvCxnSpPr>
         <p:spPr>
           <a:xfrm rot="16200000" flipH="1">
-            <a:off x="7263659" y="896915"/>
-            <a:ext cx="1007105" cy="4896276"/>
+            <a:off x="7915584" y="2685197"/>
+            <a:ext cx="211623" cy="4459873"/>
           </a:xfrm>
           <a:prstGeom prst="bentConnector2">
             <a:avLst/>
           </a:prstGeom>
-          <a:ln>
+          <a:ln w="9525">
             <a:solidFill>
-              <a:srgbClr val="800000"/>
+              <a:srgbClr val="C00000"/>
             </a:solidFill>
             <a:tailEnd type="triangle"/>
           </a:ln>
@@ -7339,8 +7187,8 @@
         </p:nvSpPr>
         <p:spPr>
           <a:xfrm>
-            <a:off x="8717206" y="2761472"/>
-            <a:ext cx="1367682" cy="369332"/>
+            <a:off x="8754132" y="3933383"/>
+            <a:ext cx="1189236" cy="369332"/>
           </a:xfrm>
           <a:prstGeom prst="rect">
             <a:avLst/>
@@ -7354,40 +7202,32 @@
           <a:lstStyle/>
           <a:p>
             <a:r>
-              <a:rPr kumimoji="1" lang="en-US" altLang="ja-JP" dirty="0">
-                <a:solidFill>
-                  <a:schemeClr val="tx2"/>
+              <a:rPr kumimoji="1" lang="en-US" altLang="ja-JP">
+                <a:solidFill>
+                  <a:schemeClr val="accent1"/>
                 </a:solidFill>
               </a:rPr>
               <a:t>&lt;</a:t>
             </a:r>
             <a:r>
-              <a:rPr lang="en-US" altLang="ja-JP" dirty="0" err="1">
-                <a:solidFill>
-                  <a:schemeClr val="tx2"/>
-                </a:solidFill>
-              </a:rPr>
-              <a:t>n</a:t>
-            </a:r>
-            <a:r>
-              <a:rPr kumimoji="1" lang="en-US" altLang="ja-JP" dirty="0" err="1">
-                <a:solidFill>
-                  <a:schemeClr val="tx2"/>
-                </a:solidFill>
-              </a:rPr>
-              <a:t>um|bool</a:t>
-            </a:r>
-            <a:r>
-              <a:rPr kumimoji="1" lang="en-US" altLang="ja-JP" dirty="0">
-                <a:solidFill>
-                  <a:schemeClr val="tx2"/>
+              <a:rPr kumimoji="1" lang="en-US" altLang="ja-JP" err="1">
+                <a:solidFill>
+                  <a:schemeClr val="accent1"/>
+                </a:solidFill>
+              </a:rPr>
+              <a:t>bool|int</a:t>
+            </a:r>
+            <a:r>
+              <a:rPr kumimoji="1" lang="en-US" altLang="ja-JP">
+                <a:solidFill>
+                  <a:schemeClr val="accent1"/>
                 </a:solidFill>
               </a:rPr>
               <a:t>&gt;</a:t>
             </a:r>
-            <a:endParaRPr kumimoji="1" lang="ja-JP" altLang="en-US" dirty="0">
+            <a:endParaRPr kumimoji="1" lang="ja-JP" altLang="en-US">
               <a:solidFill>
-                <a:schemeClr val="tx2"/>
+                <a:schemeClr val="accent1"/>
               </a:solidFill>
             </a:endParaRPr>
           </a:p>
@@ -7407,7 +7247,7 @@
         </p:nvSpPr>
         <p:spPr>
           <a:xfrm>
-            <a:off x="8717206" y="3139986"/>
+            <a:off x="8754132" y="4311897"/>
             <a:ext cx="747833" cy="369332"/>
           </a:xfrm>
           <a:prstGeom prst="rect">
@@ -7422,19 +7262,19 @@
           <a:lstStyle/>
           <a:p>
             <a:r>
-              <a:rPr kumimoji="1" lang="en-US" altLang="ja-JP" dirty="0">
-                <a:solidFill>
-                  <a:schemeClr val="bg2">
-                    <a:lumMod val="50000"/>
+              <a:rPr kumimoji="1" lang="en-US" altLang="ja-JP">
+                <a:solidFill>
+                  <a:schemeClr val="bg1">
+                    <a:lumMod val="75000"/>
                   </a:schemeClr>
                 </a:solidFill>
               </a:rPr>
               <a:t>&lt;any&gt;</a:t>
             </a:r>
-            <a:endParaRPr kumimoji="1" lang="ja-JP" altLang="en-US" dirty="0">
+            <a:endParaRPr kumimoji="1" lang="ja-JP" altLang="en-US">
               <a:solidFill>
-                <a:schemeClr val="bg2">
-                  <a:lumMod val="50000"/>
+                <a:schemeClr val="bg1">
+                  <a:lumMod val="75000"/>
                 </a:schemeClr>
               </a:solidFill>
             </a:endParaRPr>
@@ -7455,12 +7295,15 @@
         </p:nvSpPr>
         <p:spPr>
           <a:xfrm>
-            <a:off x="8348053" y="1968370"/>
-            <a:ext cx="679801" cy="369332"/>
+            <a:off x="8750739" y="1968370"/>
+            <a:ext cx="1356910" cy="369332"/>
           </a:xfrm>
           <a:prstGeom prst="rect">
             <a:avLst/>
           </a:prstGeom>
+          <a:ln>
+            <a:noFill/>
+          </a:ln>
         </p:spPr>
         <p:txBody>
           <a:bodyPr wrap="none" rtlCol="0">
@@ -7469,204 +7312,71 @@
           <a:lstStyle/>
           <a:p>
             <a:r>
-              <a:rPr lang="en-US" altLang="ja-JP" dirty="0">
-                <a:solidFill>
-                  <a:schemeClr val="bg2">
-                    <a:lumMod val="50000"/>
+              <a:rPr lang="en-US" altLang="ja-JP">
+                <a:solidFill>
+                  <a:schemeClr val="accent1"/>
+                </a:solidFill>
+              </a:rPr>
+              <a:t>&lt;Copy-able&gt;</a:t>
+            </a:r>
+            <a:endParaRPr kumimoji="1" lang="ja-JP" altLang="en-US">
+              <a:solidFill>
+                <a:schemeClr val="accent1"/>
+              </a:solidFill>
+            </a:endParaRPr>
+          </a:p>
+        </p:txBody>
+      </p:sp>
+      <p:sp>
+        <p:nvSpPr>
+          <p:cNvPr id="518" name="テキスト ボックス 517">
+            <a:extLst>
+              <a:ext uri="{FF2B5EF4-FFF2-40B4-BE49-F238E27FC236}">
+                <a16:creationId xmlns:a16="http://schemas.microsoft.com/office/drawing/2014/main" id="{E9F77E72-67FB-431D-8B15-3DD102DBAB20}"/>
+              </a:ext>
+            </a:extLst>
+          </p:cNvPr>
+          <p:cNvSpPr txBox="1"/>
+          <p:nvPr/>
+        </p:nvSpPr>
+        <p:spPr>
+          <a:xfrm>
+            <a:off x="8750739" y="2334904"/>
+            <a:ext cx="747833" cy="369332"/>
+          </a:xfrm>
+          <a:prstGeom prst="rect">
+            <a:avLst/>
+          </a:prstGeom>
+          <a:ln>
+            <a:noFill/>
+          </a:ln>
+        </p:spPr>
+        <p:txBody>
+          <a:bodyPr wrap="none" rtlCol="0">
+            <a:spAutoFit/>
+          </a:bodyPr>
+          <a:lstStyle/>
+          <a:p>
+            <a:r>
+              <a:rPr lang="en-US" altLang="ja-JP">
+                <a:solidFill>
+                  <a:schemeClr val="bg1">
+                    <a:lumMod val="75000"/>
                   </a:schemeClr>
                 </a:solidFill>
               </a:rPr>
-              <a:t>&lt;</a:t>
-            </a:r>
-            <a:r>
-              <a:rPr lang="en-US" altLang="ja-JP" dirty="0" err="1">
-                <a:solidFill>
-                  <a:schemeClr val="bg2">
-                    <a:lumMod val="50000"/>
-                  </a:schemeClr>
-                </a:solidFill>
-              </a:rPr>
-              <a:t>val</a:t>
-            </a:r>
-            <a:r>
-              <a:rPr lang="en-US" altLang="ja-JP" dirty="0">
-                <a:solidFill>
-                  <a:schemeClr val="bg2">
-                    <a:lumMod val="50000"/>
-                  </a:schemeClr>
-                </a:solidFill>
-              </a:rPr>
-              <a:t>&gt;</a:t>
-            </a:r>
-            <a:endParaRPr kumimoji="1" lang="ja-JP" altLang="en-US" dirty="0">
+              <a:t>&lt;any&gt;</a:t>
+            </a:r>
+            <a:endParaRPr kumimoji="1" lang="ja-JP" altLang="en-US">
               <a:solidFill>
-                <a:schemeClr val="bg2">
-                  <a:lumMod val="50000"/>
+                <a:schemeClr val="bg1">
+                  <a:lumMod val="75000"/>
                 </a:schemeClr>
               </a:solidFill>
             </a:endParaRPr>
           </a:p>
         </p:txBody>
       </p:sp>
-      <p:sp>
-        <p:nvSpPr>
-          <p:cNvPr id="518" name="テキスト ボックス 517">
-            <a:extLst>
-              <a:ext uri="{FF2B5EF4-FFF2-40B4-BE49-F238E27FC236}">
-                <a16:creationId xmlns:a16="http://schemas.microsoft.com/office/drawing/2014/main" id="{E9F77E72-67FB-431D-8B15-3DD102DBAB20}"/>
-              </a:ext>
-            </a:extLst>
-          </p:cNvPr>
-          <p:cNvSpPr txBox="1"/>
-          <p:nvPr/>
-        </p:nvSpPr>
-        <p:spPr>
-          <a:xfrm>
-            <a:off x="8348053" y="2334904"/>
-            <a:ext cx="676532" cy="369332"/>
-          </a:xfrm>
-          <a:prstGeom prst="rect">
-            <a:avLst/>
-          </a:prstGeom>
-        </p:spPr>
-        <p:txBody>
-          <a:bodyPr wrap="none" rtlCol="0">
-            <a:spAutoFit/>
-          </a:bodyPr>
-          <a:lstStyle/>
-          <a:p>
-            <a:r>
-              <a:rPr lang="en-US" altLang="ja-JP" dirty="0">
-                <a:solidFill>
-                  <a:srgbClr val="6600CC"/>
-                </a:solidFill>
-              </a:rPr>
-              <a:t>&lt;ref&gt;</a:t>
-            </a:r>
-            <a:endParaRPr kumimoji="1" lang="ja-JP" altLang="en-US" dirty="0">
-              <a:solidFill>
-                <a:srgbClr val="6600CC"/>
-              </a:solidFill>
-            </a:endParaRPr>
-          </a:p>
-        </p:txBody>
-      </p:sp>
-      <p:sp>
-        <p:nvSpPr>
-          <p:cNvPr id="533" name="テキスト ボックス 532">
-            <a:extLst>
-              <a:ext uri="{FF2B5EF4-FFF2-40B4-BE49-F238E27FC236}">
-                <a16:creationId xmlns:a16="http://schemas.microsoft.com/office/drawing/2014/main" id="{000504D7-DD51-4028-81DF-0AB9AA68E9F0}"/>
-              </a:ext>
-            </a:extLst>
-          </p:cNvPr>
-          <p:cNvSpPr txBox="1"/>
-          <p:nvPr/>
-        </p:nvSpPr>
-        <p:spPr>
-          <a:xfrm>
-            <a:off x="2176189" y="1708497"/>
-            <a:ext cx="933461" cy="369332"/>
-          </a:xfrm>
-          <a:prstGeom prst="rect">
-            <a:avLst/>
-          </a:prstGeom>
-          <a:noFill/>
-          <a:ln w="9525" cap="flat" cmpd="sng" algn="ctr">
-            <a:solidFill>
-              <a:schemeClr val="accent6"/>
-            </a:solidFill>
-            <a:prstDash val="solid"/>
-            <a:round/>
-            <a:headEnd type="none" w="med" len="med"/>
-            <a:tailEnd type="none" w="med" len="med"/>
-          </a:ln>
-        </p:spPr>
-        <p:style>
-          <a:lnRef idx="0">
-            <a:scrgbClr r="0" g="0" b="0"/>
-          </a:lnRef>
-          <a:fillRef idx="0">
-            <a:scrgbClr r="0" g="0" b="0"/>
-          </a:fillRef>
-          <a:effectRef idx="0">
-            <a:scrgbClr r="0" g="0" b="0"/>
-          </a:effectRef>
-          <a:fontRef idx="minor">
-            <a:schemeClr val="accent6"/>
-          </a:fontRef>
-        </p:style>
-        <p:txBody>
-          <a:bodyPr wrap="none" rtlCol="0">
-            <a:spAutoFit/>
-          </a:bodyPr>
-          <a:lstStyle/>
-          <a:p>
-            <a:r>
-              <a:rPr lang="en-US" altLang="ja-JP" dirty="0">
-                <a:solidFill>
-                  <a:schemeClr val="bg2">
-                    <a:lumMod val="50000"/>
-                  </a:schemeClr>
-                </a:solidFill>
-              </a:rPr>
-              <a:t>Threads</a:t>
-            </a:r>
-            <a:endParaRPr kumimoji="1" lang="ja-JP" altLang="en-US" dirty="0">
-              <a:solidFill>
-                <a:schemeClr val="bg2">
-                  <a:lumMod val="50000"/>
-                </a:schemeClr>
-              </a:solidFill>
-            </a:endParaRPr>
-          </a:p>
-        </p:txBody>
-      </p:sp>
-      <p:cxnSp>
-        <p:nvCxnSpPr>
-          <p:cNvPr id="536" name="コネクタ: カギ線 535">
-            <a:extLst>
-              <a:ext uri="{FF2B5EF4-FFF2-40B4-BE49-F238E27FC236}">
-                <a16:creationId xmlns:a16="http://schemas.microsoft.com/office/drawing/2014/main" id="{1E1FCF26-4512-48C1-8D62-E6E5832D2E63}"/>
-              </a:ext>
-            </a:extLst>
-          </p:cNvPr>
-          <p:cNvCxnSpPr>
-            <a:cxnSpLocks/>
-            <a:stCxn id="533" idx="3"/>
-            <a:endCxn id="730" idx="1"/>
-          </p:cNvCxnSpPr>
-          <p:nvPr/>
-        </p:nvCxnSpPr>
-        <p:spPr>
-          <a:xfrm flipV="1">
-            <a:off x="3109650" y="1892162"/>
-            <a:ext cx="1120903" cy="1001"/>
-          </a:xfrm>
-          <a:prstGeom prst="bentConnector3">
-            <a:avLst>
-              <a:gd name="adj1" fmla="val 50000"/>
-            </a:avLst>
-          </a:prstGeom>
-          <a:ln>
-            <a:tailEnd type="triangle"/>
-          </a:ln>
-        </p:spPr>
-        <p:style>
-          <a:lnRef idx="1">
-            <a:schemeClr val="accent5"/>
-          </a:lnRef>
-          <a:fillRef idx="0">
-            <a:schemeClr val="accent5"/>
-          </a:fillRef>
-          <a:effectRef idx="0">
-            <a:schemeClr val="accent5"/>
-          </a:effectRef>
-          <a:fontRef idx="minor">
-            <a:schemeClr val="tx1"/>
-          </a:fontRef>
-        </p:style>
-      </p:cxnSp>
       <p:cxnSp>
         <p:nvCxnSpPr>
           <p:cNvPr id="545" name="コネクタ: カギ線 544">
@@ -7679,25 +7389,21 @@
           <p:cNvCxnSpPr>
             <a:cxnSpLocks/>
             <a:stCxn id="119" idx="2"/>
-            <a:endCxn id="533" idx="0"/>
+            <a:endCxn id="730" idx="1"/>
           </p:cNvCxnSpPr>
           <p:nvPr/>
         </p:nvCxnSpPr>
         <p:spPr>
           <a:xfrm rot="16200000" flipH="1">
-            <a:off x="2047568" y="1113145"/>
-            <a:ext cx="1187144" cy="3560"/>
-          </a:xfrm>
-          <a:prstGeom prst="bentConnector3">
-            <a:avLst>
-              <a:gd name="adj1" fmla="val 50000"/>
-            </a:avLst>
-          </a:prstGeom>
-          <a:ln>
+            <a:off x="5089241" y="1127782"/>
+            <a:ext cx="164000" cy="1364759"/>
+          </a:xfrm>
+          <a:prstGeom prst="bentConnector2">
+            <a:avLst/>
+          </a:prstGeom>
+          <a:ln w="9525">
             <a:solidFill>
-              <a:schemeClr val="accent4">
-                <a:lumMod val="75000"/>
-              </a:schemeClr>
+              <a:schemeClr val="accent2"/>
             </a:solidFill>
             <a:tailEnd type="triangle"/>
           </a:ln>
@@ -7719,10 +7425,10 @@
       </p:cxnSp>
       <p:sp>
         <p:nvSpPr>
-          <p:cNvPr id="578" name="テキスト ボックス 577">
-            <a:extLst>
-              <a:ext uri="{FF2B5EF4-FFF2-40B4-BE49-F238E27FC236}">
-                <a16:creationId xmlns:a16="http://schemas.microsoft.com/office/drawing/2014/main" id="{A17F8319-8991-41FA-9A89-8E301C33224D}"/>
+          <p:cNvPr id="595" name="テキスト ボックス 594">
+            <a:extLst>
+              <a:ext uri="{FF2B5EF4-FFF2-40B4-BE49-F238E27FC236}">
+                <a16:creationId xmlns:a16="http://schemas.microsoft.com/office/drawing/2014/main" id="{82D42A4C-A7E8-4D60-A444-94B0297C3FD2}"/>
               </a:ext>
             </a:extLst>
           </p:cNvPr>
@@ -7731,8 +7437,8 @@
         </p:nvSpPr>
         <p:spPr>
           <a:xfrm>
-            <a:off x="3147396" y="1580214"/>
-            <a:ext cx="957313" cy="369332"/>
+            <a:off x="6123650" y="4293695"/>
+            <a:ext cx="1693990" cy="369332"/>
           </a:xfrm>
           <a:prstGeom prst="rect">
             <a:avLst/>
@@ -7746,18 +7452,18 @@
           <a:lstStyle/>
           <a:p>
             <a:r>
-              <a:rPr kumimoji="1" lang="en-US" altLang="ja-JP" dirty="0">
-                <a:solidFill>
-                  <a:schemeClr val="accent5">
+              <a:rPr kumimoji="1" lang="en-US" altLang="ja-JP">
+                <a:solidFill>
+                  <a:schemeClr val="bg1">
                     <a:lumMod val="75000"/>
                   </a:schemeClr>
                 </a:solidFill>
               </a:rPr>
-              <a:t>&lt;single&gt;</a:t>
-            </a:r>
-            <a:endParaRPr kumimoji="1" lang="ja-JP" altLang="en-US" dirty="0">
+              <a:t>&lt;reader/writer&gt;</a:t>
+            </a:r>
+            <a:endParaRPr kumimoji="1" lang="ja-JP" altLang="en-US">
               <a:solidFill>
-                <a:schemeClr val="accent5">
+                <a:schemeClr val="bg1">
                   <a:lumMod val="75000"/>
                 </a:schemeClr>
               </a:solidFill>
@@ -7767,10 +7473,10 @@
       </p:sp>
       <p:sp>
         <p:nvSpPr>
-          <p:cNvPr id="585" name="テキスト ボックス 584">
-            <a:extLst>
-              <a:ext uri="{FF2B5EF4-FFF2-40B4-BE49-F238E27FC236}">
-                <a16:creationId xmlns:a16="http://schemas.microsoft.com/office/drawing/2014/main" id="{FD5EAE11-D601-4D52-A172-DCD753D52151}"/>
+          <p:cNvPr id="597" name="テキスト ボックス 596">
+            <a:extLst>
+              <a:ext uri="{FF2B5EF4-FFF2-40B4-BE49-F238E27FC236}">
+                <a16:creationId xmlns:a16="http://schemas.microsoft.com/office/drawing/2014/main" id="{071D86A7-ADF9-4EA0-92F6-EDBAFC043FED}"/>
               </a:ext>
             </a:extLst>
           </p:cNvPr>
@@ -7779,8 +7485,8 @@
         </p:nvSpPr>
         <p:spPr>
           <a:xfrm>
-            <a:off x="3147396" y="2347356"/>
-            <a:ext cx="1194558" cy="369332"/>
+            <a:off x="6123650" y="4703681"/>
+            <a:ext cx="1779782" cy="369332"/>
           </a:xfrm>
           <a:prstGeom prst="rect">
             <a:avLst/>
@@ -7794,20 +7500,16 @@
           <a:lstStyle/>
           <a:p>
             <a:r>
-              <a:rPr lang="en-US" altLang="ja-JP" dirty="0">
-                <a:solidFill>
-                  <a:schemeClr val="accent6">
-                    <a:lumMod val="75000"/>
-                  </a:schemeClr>
-                </a:solidFill>
-              </a:rPr>
-              <a:t>&lt;multiple&gt;</a:t>
-            </a:r>
-            <a:endParaRPr kumimoji="1" lang="ja-JP" altLang="en-US" dirty="0">
+              <a:rPr kumimoji="1" lang="en-US" altLang="ja-JP">
+                <a:solidFill>
+                  <a:srgbClr val="C00000"/>
+                </a:solidFill>
+              </a:rPr>
+              <a:t>&lt;readers/writer&gt;</a:t>
+            </a:r>
+            <a:endParaRPr kumimoji="1" lang="ja-JP" altLang="en-US">
               <a:solidFill>
-                <a:schemeClr val="accent6">
-                  <a:lumMod val="75000"/>
-                </a:schemeClr>
+                <a:srgbClr val="C00000"/>
               </a:solidFill>
             </a:endParaRPr>
           </a:p>
@@ -7815,10 +7517,10 @@
       </p:sp>
       <p:sp>
         <p:nvSpPr>
-          <p:cNvPr id="595" name="テキスト ボックス 594">
-            <a:extLst>
-              <a:ext uri="{FF2B5EF4-FFF2-40B4-BE49-F238E27FC236}">
-                <a16:creationId xmlns:a16="http://schemas.microsoft.com/office/drawing/2014/main" id="{82D42A4C-A7E8-4D60-A444-94B0297C3FD2}"/>
+          <p:cNvPr id="728" name="テキスト ボックス 727">
+            <a:extLst>
+              <a:ext uri="{FF2B5EF4-FFF2-40B4-BE49-F238E27FC236}">
+                <a16:creationId xmlns:a16="http://schemas.microsoft.com/office/drawing/2014/main" id="{1D944981-7247-4CAE-A2E5-717AD0716F0E}"/>
               </a:ext>
             </a:extLst>
           </p:cNvPr>
@@ -7827,13 +7529,12 @@
         </p:nvSpPr>
         <p:spPr>
           <a:xfrm>
-            <a:off x="5939404" y="3111624"/>
-            <a:ext cx="1693990" cy="369332"/>
+            <a:off x="9733501" y="803337"/>
+            <a:ext cx="1553117" cy="369332"/>
           </a:xfrm>
           <a:prstGeom prst="rect">
             <a:avLst/>
           </a:prstGeom>
-          <a:noFill/>
         </p:spPr>
         <p:txBody>
           <a:bodyPr wrap="none" rtlCol="0">
@@ -7842,172 +7543,14 @@
           <a:lstStyle/>
           <a:p>
             <a:r>
-              <a:rPr kumimoji="1" lang="en-US" altLang="ja-JP" dirty="0">
-                <a:solidFill>
-                  <a:schemeClr val="bg2">
-                    <a:lumMod val="50000"/>
-                  </a:schemeClr>
-                </a:solidFill>
-              </a:rPr>
-              <a:t>&lt;reader/writer&gt;</a:t>
-            </a:r>
-            <a:endParaRPr kumimoji="1" lang="ja-JP" altLang="en-US" dirty="0">
-              <a:solidFill>
-                <a:schemeClr val="bg2">
-                  <a:lumMod val="50000"/>
-                </a:schemeClr>
-              </a:solidFill>
-            </a:endParaRPr>
-          </a:p>
-        </p:txBody>
-      </p:sp>
-      <p:sp>
-        <p:nvSpPr>
-          <p:cNvPr id="597" name="テキスト ボックス 596">
-            <a:extLst>
-              <a:ext uri="{FF2B5EF4-FFF2-40B4-BE49-F238E27FC236}">
-                <a16:creationId xmlns:a16="http://schemas.microsoft.com/office/drawing/2014/main" id="{071D86A7-ADF9-4EA0-92F6-EDBAFC043FED}"/>
-              </a:ext>
-            </a:extLst>
-          </p:cNvPr>
-          <p:cNvSpPr txBox="1"/>
-          <p:nvPr/>
-        </p:nvSpPr>
-        <p:spPr>
-          <a:xfrm>
-            <a:off x="5939404" y="3521610"/>
-            <a:ext cx="1779782" cy="369332"/>
-          </a:xfrm>
-          <a:prstGeom prst="rect">
-            <a:avLst/>
-          </a:prstGeom>
-          <a:noFill/>
-        </p:spPr>
-        <p:txBody>
-          <a:bodyPr wrap="none" rtlCol="0">
-            <a:spAutoFit/>
-          </a:bodyPr>
-          <a:lstStyle/>
-          <a:p>
-            <a:r>
-              <a:rPr kumimoji="1" lang="en-US" altLang="ja-JP" dirty="0">
-                <a:solidFill>
-                  <a:srgbClr val="800000"/>
-                </a:solidFill>
-              </a:rPr>
-              <a:t>&lt;readers/writer&gt;</a:t>
-            </a:r>
-            <a:endParaRPr kumimoji="1" lang="ja-JP" altLang="en-US" dirty="0">
-              <a:solidFill>
-                <a:srgbClr val="800000"/>
-              </a:solidFill>
-            </a:endParaRPr>
-          </a:p>
-        </p:txBody>
-      </p:sp>
-      <p:sp>
-        <p:nvSpPr>
-          <p:cNvPr id="726" name="テキスト ボックス 725">
-            <a:extLst>
-              <a:ext uri="{FF2B5EF4-FFF2-40B4-BE49-F238E27FC236}">
-                <a16:creationId xmlns:a16="http://schemas.microsoft.com/office/drawing/2014/main" id="{83AB2D87-2A32-4070-BDBE-7770FFD31DBB}"/>
-              </a:ext>
-            </a:extLst>
-          </p:cNvPr>
-          <p:cNvSpPr txBox="1"/>
-          <p:nvPr/>
-        </p:nvSpPr>
-        <p:spPr>
-          <a:xfrm>
-            <a:off x="8348053" y="787986"/>
-            <a:ext cx="679801" cy="369332"/>
-          </a:xfrm>
-          <a:prstGeom prst="rect">
-            <a:avLst/>
-          </a:prstGeom>
-        </p:spPr>
-        <p:txBody>
-          <a:bodyPr wrap="none" rtlCol="0">
-            <a:spAutoFit/>
-          </a:bodyPr>
-          <a:lstStyle/>
-          <a:p>
-            <a:r>
-              <a:rPr lang="en-US" altLang="ja-JP" dirty="0">
-                <a:solidFill>
-                  <a:schemeClr val="bg2">
-                    <a:lumMod val="50000"/>
-                  </a:schemeClr>
-                </a:solidFill>
-              </a:rPr>
-              <a:t>&lt;</a:t>
-            </a:r>
-            <a:r>
-              <a:rPr lang="en-US" altLang="ja-JP" dirty="0" err="1">
-                <a:solidFill>
-                  <a:schemeClr val="bg2">
-                    <a:lumMod val="50000"/>
-                  </a:schemeClr>
-                </a:solidFill>
-              </a:rPr>
-              <a:t>val</a:t>
-            </a:r>
-            <a:r>
-              <a:rPr lang="en-US" altLang="ja-JP" dirty="0">
-                <a:solidFill>
-                  <a:schemeClr val="bg2">
-                    <a:lumMod val="50000"/>
-                  </a:schemeClr>
-                </a:solidFill>
-              </a:rPr>
-              <a:t>&gt;</a:t>
-            </a:r>
-            <a:endParaRPr kumimoji="1" lang="ja-JP" altLang="en-US" dirty="0">
-              <a:solidFill>
-                <a:schemeClr val="bg2">
-                  <a:lumMod val="50000"/>
-                </a:schemeClr>
-              </a:solidFill>
-            </a:endParaRPr>
-          </a:p>
-        </p:txBody>
-      </p:sp>
-      <p:sp>
-        <p:nvSpPr>
-          <p:cNvPr id="728" name="テキスト ボックス 727">
-            <a:extLst>
-              <a:ext uri="{FF2B5EF4-FFF2-40B4-BE49-F238E27FC236}">
-                <a16:creationId xmlns:a16="http://schemas.microsoft.com/office/drawing/2014/main" id="{1D944981-7247-4CAE-A2E5-717AD0716F0E}"/>
-              </a:ext>
-            </a:extLst>
-          </p:cNvPr>
-          <p:cNvSpPr txBox="1"/>
-          <p:nvPr/>
-        </p:nvSpPr>
-        <p:spPr>
-          <a:xfrm>
-            <a:off x="8348053" y="1166514"/>
-            <a:ext cx="676532" cy="369332"/>
-          </a:xfrm>
-          <a:prstGeom prst="rect">
-            <a:avLst/>
-          </a:prstGeom>
-        </p:spPr>
-        <p:txBody>
-          <a:bodyPr wrap="none" rtlCol="0">
-            <a:spAutoFit/>
-          </a:bodyPr>
-          <a:lstStyle/>
-          <a:p>
-            <a:r>
-              <a:rPr lang="en-US" altLang="ja-JP" dirty="0">
+              <a:rPr lang="en-US" altLang="ja-JP">
                 <a:solidFill>
                   <a:srgbClr val="6600CC"/>
                 </a:solidFill>
               </a:rPr>
-              <a:t>&lt;ref&gt;</a:t>
-            </a:r>
-            <a:endParaRPr kumimoji="1" lang="ja-JP" altLang="en-US" dirty="0">
+              <a:t>&lt;&amp;ref|*deref&gt;</a:t>
+            </a:r>
+            <a:endParaRPr kumimoji="1" lang="ja-JP" altLang="en-US">
               <a:solidFill>
                 <a:srgbClr val="6600CC"/>
               </a:solidFill>
@@ -8029,7 +7572,7 @@
         </p:nvSpPr>
         <p:spPr>
           <a:xfrm>
-            <a:off x="4230553" y="1707496"/>
+            <a:off x="5853621" y="1707496"/>
             <a:ext cx="1910075" cy="369332"/>
           </a:xfrm>
           <a:prstGeom prst="rect">
@@ -8038,7 +7581,7 @@
           <a:noFill/>
           <a:ln>
             <a:solidFill>
-              <a:srgbClr val="996633"/>
+              <a:schemeClr val="accent4"/>
             </a:solidFill>
           </a:ln>
         </p:spPr>
@@ -8049,19 +7592,19 @@
           <a:lstStyle/>
           <a:p>
             <a:r>
-              <a:rPr kumimoji="1" lang="en-US" altLang="ja-JP" dirty="0">
-                <a:solidFill>
-                  <a:schemeClr val="bg2">
-                    <a:lumMod val="50000"/>
+              <a:rPr kumimoji="1" lang="en-US" altLang="ja-JP">
+                <a:solidFill>
+                  <a:schemeClr val="bg1">
+                    <a:lumMod val="75000"/>
                   </a:schemeClr>
                 </a:solidFill>
               </a:rPr>
               <a:t>Interior-mutability</a:t>
             </a:r>
-            <a:endParaRPr kumimoji="1" lang="ja-JP" altLang="en-US" dirty="0">
+            <a:endParaRPr kumimoji="1" lang="ja-JP" altLang="en-US">
               <a:solidFill>
-                <a:schemeClr val="bg2">
-                  <a:lumMod val="50000"/>
+                <a:schemeClr val="bg1">
+                  <a:lumMod val="75000"/>
                 </a:schemeClr>
               </a:solidFill>
             </a:endParaRPr>
@@ -8086,15 +7629,20 @@
         </p:nvCxnSpPr>
         <p:spPr>
           <a:xfrm>
-            <a:off x="6140628" y="1892162"/>
-            <a:ext cx="4074721" cy="2544"/>
+            <a:off x="7763696" y="1892162"/>
+            <a:ext cx="2487636" cy="2544"/>
           </a:xfrm>
           <a:prstGeom prst="bentConnector3">
             <a:avLst>
               <a:gd name="adj1" fmla="val 50000"/>
             </a:avLst>
           </a:prstGeom>
-          <a:ln>
+          <a:ln w="9525">
+            <a:solidFill>
+              <a:schemeClr val="bg1">
+                <a:lumMod val="75000"/>
+              </a:schemeClr>
+            </a:solidFill>
             <a:tailEnd type="triangle"/>
           </a:ln>
         </p:spPr>
@@ -8131,13 +7679,16 @@
         </p:nvCxnSpPr>
         <p:spPr>
           <a:xfrm rot="16200000" flipH="1">
-            <a:off x="6066391" y="1196028"/>
-            <a:ext cx="209991" cy="1971590"/>
+            <a:off x="7119862" y="1765624"/>
+            <a:ext cx="601151" cy="1223557"/>
           </a:xfrm>
           <a:prstGeom prst="bentConnector2">
             <a:avLst/>
           </a:prstGeom>
-          <a:ln>
+          <a:ln w="9525">
+            <a:solidFill>
+              <a:schemeClr val="accent4"/>
+            </a:solidFill>
             <a:tailEnd type="triangle"/>
           </a:ln>
         </p:spPr>
@@ -8170,7 +7721,7 @@
         </p:nvSpPr>
         <p:spPr>
           <a:xfrm>
-            <a:off x="6232817" y="1580214"/>
+            <a:off x="7742618" y="1580214"/>
             <a:ext cx="1263487" cy="369332"/>
           </a:xfrm>
           <a:prstGeom prst="rect">
@@ -8184,14 +7735,471 @@
           <a:lstStyle/>
           <a:p>
             <a:r>
-              <a:rPr lang="en-US" altLang="ja-JP" dirty="0">
+              <a:rPr lang="en-US" altLang="ja-JP">
+                <a:solidFill>
+                  <a:schemeClr val="bg1">
+                    <a:lumMod val="75000"/>
+                  </a:schemeClr>
+                </a:solidFill>
+              </a:rPr>
+              <a:t>&lt;not need&gt;</a:t>
+            </a:r>
+            <a:endParaRPr kumimoji="1" lang="ja-JP" altLang="en-US">
+              <a:solidFill>
+                <a:schemeClr val="bg1">
+                  <a:lumMod val="75000"/>
+                </a:schemeClr>
+              </a:solidFill>
+            </a:endParaRPr>
+          </a:p>
+        </p:txBody>
+      </p:sp>
+      <p:sp>
+        <p:nvSpPr>
+          <p:cNvPr id="743" name="テキスト ボックス 742">
+            <a:extLst>
+              <a:ext uri="{FF2B5EF4-FFF2-40B4-BE49-F238E27FC236}">
+                <a16:creationId xmlns:a16="http://schemas.microsoft.com/office/drawing/2014/main" id="{C427CB14-B3B2-4700-9BD4-D90CE4012B9A}"/>
+              </a:ext>
+            </a:extLst>
+          </p:cNvPr>
+          <p:cNvSpPr txBox="1"/>
+          <p:nvPr/>
+        </p:nvSpPr>
+        <p:spPr>
+          <a:xfrm>
+            <a:off x="6774001" y="2084313"/>
+            <a:ext cx="889987" cy="369332"/>
+          </a:xfrm>
+          <a:prstGeom prst="rect">
+            <a:avLst/>
+          </a:prstGeom>
+          <a:ln w="9525">
+            <a:noFill/>
+          </a:ln>
+        </p:spPr>
+        <p:txBody>
+          <a:bodyPr wrap="none" rtlCol="0">
+            <a:spAutoFit/>
+          </a:bodyPr>
+          <a:lstStyle/>
+          <a:p>
+            <a:r>
+              <a:rPr lang="en-US" altLang="ja-JP">
+                <a:solidFill>
+                  <a:schemeClr val="accent4"/>
+                </a:solidFill>
+              </a:rPr>
+              <a:t>&lt;need&gt;</a:t>
+            </a:r>
+            <a:endParaRPr kumimoji="1" lang="ja-JP" altLang="en-US">
+              <a:solidFill>
+                <a:schemeClr val="accent4"/>
+              </a:solidFill>
+            </a:endParaRPr>
+          </a:p>
+        </p:txBody>
+      </p:sp>
+      <p:sp>
+        <p:nvSpPr>
+          <p:cNvPr id="747" name="テキスト ボックス 746">
+            <a:extLst>
+              <a:ext uri="{FF2B5EF4-FFF2-40B4-BE49-F238E27FC236}">
+                <a16:creationId xmlns:a16="http://schemas.microsoft.com/office/drawing/2014/main" id="{1C6FEA5A-58B2-4EF7-AE47-65E752A99A25}"/>
+              </a:ext>
+            </a:extLst>
+          </p:cNvPr>
+          <p:cNvSpPr txBox="1"/>
+          <p:nvPr/>
+        </p:nvSpPr>
+        <p:spPr>
+          <a:xfrm>
+            <a:off x="6454161" y="92916"/>
+            <a:ext cx="2317204" cy="1323439"/>
+          </a:xfrm>
+          <a:prstGeom prst="rect">
+            <a:avLst/>
+          </a:prstGeom>
+          <a:noFill/>
+        </p:spPr>
+        <p:txBody>
+          <a:bodyPr wrap="square">
+            <a:spAutoFit/>
+          </a:bodyPr>
+          <a:lstStyle/>
+          <a:p>
+            <a:r>
+              <a:rPr kumimoji="1" lang="en-US" altLang="ja-JP" sz="1000">
+                <a:solidFill>
+                  <a:schemeClr val="bg2">
+                    <a:lumMod val="50000"/>
+                  </a:schemeClr>
+                </a:solidFill>
+              </a:rPr>
+              <a:t>(†1): `</a:t>
+            </a:r>
+            <a:r>
+              <a:rPr kumimoji="1" lang="en-US" altLang="ja-JP" sz="1000">
+                <a:solidFill>
+                  <a:schemeClr val="accent4"/>
+                </a:solidFill>
+              </a:rPr>
+              <a:t>mut</a:t>
+            </a:r>
+            <a:r>
+              <a:rPr kumimoji="1" lang="en-US" altLang="ja-JP" sz="1000">
+                <a:solidFill>
+                  <a:schemeClr val="bg2">
+                    <a:lumMod val="50000"/>
+                  </a:schemeClr>
+                </a:solidFill>
+              </a:rPr>
+              <a:t> T` is </a:t>
+            </a:r>
+            <a:r>
+              <a:rPr kumimoji="1" lang="en-US" altLang="ja-JP" sz="1000" u="sng">
+                <a:solidFill>
+                  <a:schemeClr val="bg2">
+                    <a:lumMod val="50000"/>
+                  </a:schemeClr>
+                </a:solidFill>
+              </a:rPr>
+              <a:t>not a Type</a:t>
+            </a:r>
+            <a:r>
+              <a:rPr kumimoji="1" lang="en-US" altLang="ja-JP" sz="1000">
+                <a:solidFill>
+                  <a:schemeClr val="bg2">
+                    <a:lumMod val="50000"/>
+                  </a:schemeClr>
+                </a:solidFill>
+              </a:rPr>
+              <a:t>, this suggestion means to “be use the `mut` keyword like a `let </a:t>
+            </a:r>
+            <a:r>
+              <a:rPr kumimoji="1" lang="en-US" altLang="ja-JP" sz="1000">
+                <a:solidFill>
+                  <a:schemeClr val="accent4"/>
+                </a:solidFill>
+              </a:rPr>
+              <a:t>mut</a:t>
+            </a:r>
+            <a:r>
+              <a:rPr kumimoji="1" lang="en-US" altLang="ja-JP" sz="1000">
+                <a:solidFill>
+                  <a:schemeClr val="bg2">
+                    <a:lumMod val="50000"/>
+                  </a:schemeClr>
+                </a:solidFill>
+              </a:rPr>
+              <a:t> x: T` for your binding if it needs mutability”.</a:t>
+            </a:r>
+          </a:p>
+          <a:p>
+            <a:endParaRPr kumimoji="1" lang="en-US" altLang="ja-JP" sz="1000">
+              <a:solidFill>
+                <a:schemeClr val="bg2">
+                  <a:lumMod val="50000"/>
+                </a:schemeClr>
+              </a:solidFill>
+            </a:endParaRPr>
+          </a:p>
+          <a:p>
+            <a:r>
+              <a:rPr kumimoji="1" lang="en-US" altLang="ja-JP" sz="1000">
+                <a:solidFill>
+                  <a:schemeClr val="bg2">
+                    <a:lumMod val="50000"/>
+                  </a:schemeClr>
+                </a:solidFill>
+              </a:rPr>
+              <a:t>(†2): `</a:t>
+            </a:r>
+            <a:r>
+              <a:rPr kumimoji="1" lang="en-US" altLang="ja-JP" sz="1000" err="1">
+                <a:solidFill>
+                  <a:schemeClr val="bg2">
+                    <a:lumMod val="50000"/>
+                  </a:schemeClr>
+                </a:solidFill>
+              </a:rPr>
+              <a:t>bool|int</a:t>
+            </a:r>
+            <a:r>
+              <a:rPr kumimoji="1" lang="en-US" altLang="ja-JP" sz="1000">
+                <a:solidFill>
+                  <a:schemeClr val="bg2">
+                    <a:lumMod val="50000"/>
+                  </a:schemeClr>
+                </a:solidFill>
+              </a:rPr>
+              <a:t>` means to “Boolean or Integral” that is Bool, I8, I16, I32, I64, </a:t>
+            </a:r>
+            <a:r>
+              <a:rPr kumimoji="1" lang="en-US" altLang="ja-JP" sz="1000" err="1">
+                <a:solidFill>
+                  <a:schemeClr val="bg2">
+                    <a:lumMod val="50000"/>
+                  </a:schemeClr>
+                </a:solidFill>
+              </a:rPr>
+              <a:t>Isize</a:t>
+            </a:r>
+            <a:r>
+              <a:rPr kumimoji="1" lang="en-US" altLang="ja-JP" sz="1000">
+                <a:solidFill>
+                  <a:schemeClr val="bg2">
+                    <a:lumMod val="50000"/>
+                  </a:schemeClr>
+                </a:solidFill>
+              </a:rPr>
+              <a:t>, U8, U16, U32, U64, </a:t>
+            </a:r>
+            <a:r>
+              <a:rPr kumimoji="1" lang="en-US" altLang="ja-JP" sz="1000" err="1">
+                <a:solidFill>
+                  <a:schemeClr val="bg2">
+                    <a:lumMod val="50000"/>
+                  </a:schemeClr>
+                </a:solidFill>
+              </a:rPr>
+              <a:t>Usize</a:t>
+            </a:r>
+            <a:r>
+              <a:rPr kumimoji="1" lang="en-US" altLang="ja-JP" sz="1000">
+                <a:solidFill>
+                  <a:schemeClr val="bg2">
+                    <a:lumMod val="50000"/>
+                  </a:schemeClr>
+                </a:solidFill>
+              </a:rPr>
+              <a:t> and </a:t>
+            </a:r>
+            <a:r>
+              <a:rPr kumimoji="1" lang="en-US" altLang="ja-JP" sz="1000" err="1">
+                <a:solidFill>
+                  <a:schemeClr val="bg2">
+                    <a:lumMod val="50000"/>
+                  </a:schemeClr>
+                </a:solidFill>
+              </a:rPr>
+              <a:t>Ptr</a:t>
+            </a:r>
+            <a:r>
+              <a:rPr kumimoji="1" lang="en-US" altLang="ja-JP" sz="1000">
+                <a:solidFill>
+                  <a:schemeClr val="bg2">
+                    <a:lumMod val="50000"/>
+                  </a:schemeClr>
+                </a:solidFill>
+              </a:rPr>
+              <a:t>.</a:t>
+            </a:r>
+          </a:p>
+        </p:txBody>
+      </p:sp>
+      <p:sp>
+        <p:nvSpPr>
+          <p:cNvPr id="837" name="テキスト ボックス 836">
+            <a:extLst>
+              <a:ext uri="{FF2B5EF4-FFF2-40B4-BE49-F238E27FC236}">
+                <a16:creationId xmlns:a16="http://schemas.microsoft.com/office/drawing/2014/main" id="{E808BF1C-2F4A-44F5-ADC0-9B6A6A9D78A0}"/>
+              </a:ext>
+            </a:extLst>
+          </p:cNvPr>
+          <p:cNvSpPr txBox="1"/>
+          <p:nvPr/>
+        </p:nvSpPr>
+        <p:spPr>
+          <a:xfrm>
+            <a:off x="1815719" y="1724167"/>
+            <a:ext cx="1201804" cy="369332"/>
+          </a:xfrm>
+          <a:prstGeom prst="rect">
+            <a:avLst/>
+          </a:prstGeom>
+          <a:noFill/>
+          <a:ln w="9525" cap="flat" cmpd="sng" algn="ctr">
+            <a:solidFill>
+              <a:srgbClr val="996633"/>
+            </a:solidFill>
+            <a:prstDash val="solid"/>
+            <a:round/>
+            <a:headEnd type="none" w="med" len="med"/>
+            <a:tailEnd type="none" w="med" len="med"/>
+          </a:ln>
+        </p:spPr>
+        <p:style>
+          <a:lnRef idx="0">
+            <a:scrgbClr r="0" g="0" b="0"/>
+          </a:lnRef>
+          <a:fillRef idx="0">
+            <a:scrgbClr r="0" g="0" b="0"/>
+          </a:fillRef>
+          <a:effectRef idx="0">
+            <a:scrgbClr r="0" g="0" b="0"/>
+          </a:effectRef>
+          <a:fontRef idx="minor">
+            <a:schemeClr val="accent2"/>
+          </a:fontRef>
+        </p:style>
+        <p:txBody>
+          <a:bodyPr wrap="none" rtlCol="0">
+            <a:spAutoFit/>
+          </a:bodyPr>
+          <a:lstStyle/>
+          <a:p>
+            <a:r>
+              <a:rPr kumimoji="1" lang="en-US" altLang="ja-JP">
+                <a:solidFill>
+                  <a:schemeClr val="bg1">
+                    <a:lumMod val="75000"/>
+                  </a:schemeClr>
+                </a:solidFill>
+              </a:rPr>
+              <a:t>Ownership</a:t>
+            </a:r>
+            <a:endParaRPr kumimoji="1" lang="ja-JP" altLang="en-US">
+              <a:solidFill>
+                <a:schemeClr val="bg1">
+                  <a:lumMod val="75000"/>
+                </a:schemeClr>
+              </a:solidFill>
+            </a:endParaRPr>
+          </a:p>
+        </p:txBody>
+      </p:sp>
+      <p:cxnSp>
+        <p:nvCxnSpPr>
+          <p:cNvPr id="838" name="コネクタ: カギ線 837">
+            <a:extLst>
+              <a:ext uri="{FF2B5EF4-FFF2-40B4-BE49-F238E27FC236}">
+                <a16:creationId xmlns:a16="http://schemas.microsoft.com/office/drawing/2014/main" id="{9AF8DCFB-B214-448D-BF00-21FAAE8B1803}"/>
+              </a:ext>
+            </a:extLst>
+          </p:cNvPr>
+          <p:cNvCxnSpPr>
+            <a:cxnSpLocks/>
+            <a:stCxn id="837" idx="2"/>
+            <a:endCxn id="291" idx="1"/>
+          </p:cNvCxnSpPr>
+          <p:nvPr/>
+        </p:nvCxnSpPr>
+        <p:spPr>
+          <a:xfrm rot="16200000" flipH="1">
+            <a:off x="2732962" y="1777157"/>
+            <a:ext cx="972416" cy="1605099"/>
+          </a:xfrm>
+          <a:prstGeom prst="bentConnector2">
+            <a:avLst/>
+          </a:prstGeom>
+          <a:ln w="9525">
+            <a:solidFill>
+              <a:srgbClr val="996633"/>
+            </a:solidFill>
+            <a:tailEnd type="triangle"/>
+          </a:ln>
+        </p:spPr>
+        <p:style>
+          <a:lnRef idx="1">
+            <a:schemeClr val="accent2"/>
+          </a:lnRef>
+          <a:fillRef idx="0">
+            <a:schemeClr val="accent2"/>
+          </a:fillRef>
+          <a:effectRef idx="0">
+            <a:schemeClr val="accent2"/>
+          </a:effectRef>
+          <a:fontRef idx="minor">
+            <a:schemeClr val="tx1"/>
+          </a:fontRef>
+        </p:style>
+      </p:cxnSp>
+      <p:cxnSp>
+        <p:nvCxnSpPr>
+          <p:cNvPr id="841" name="コネクタ: カギ線 840">
+            <a:extLst>
+              <a:ext uri="{FF2B5EF4-FFF2-40B4-BE49-F238E27FC236}">
+                <a16:creationId xmlns:a16="http://schemas.microsoft.com/office/drawing/2014/main" id="{8BA865D6-2CB2-4877-A71C-4C80B2128CB6}"/>
+              </a:ext>
+            </a:extLst>
+          </p:cNvPr>
+          <p:cNvCxnSpPr>
+            <a:cxnSpLocks/>
+            <a:stCxn id="837" idx="0"/>
+            <a:endCxn id="119" idx="1"/>
+          </p:cNvCxnSpPr>
+          <p:nvPr/>
+        </p:nvCxnSpPr>
+        <p:spPr>
+          <a:xfrm rot="5400000" flipH="1" flipV="1">
+            <a:off x="3127518" y="832600"/>
+            <a:ext cx="180671" cy="1602464"/>
+          </a:xfrm>
+          <a:prstGeom prst="bentConnector2">
+            <a:avLst/>
+          </a:prstGeom>
+          <a:ln w="9525">
+            <a:solidFill>
+              <a:schemeClr val="bg1">
+                <a:lumMod val="75000"/>
+              </a:schemeClr>
+            </a:solidFill>
+            <a:tailEnd type="triangle"/>
+          </a:ln>
+        </p:spPr>
+        <p:style>
+          <a:lnRef idx="1">
+            <a:schemeClr val="accent1"/>
+          </a:lnRef>
+          <a:fillRef idx="0">
+            <a:schemeClr val="accent1"/>
+          </a:fillRef>
+          <a:effectRef idx="0">
+            <a:schemeClr val="accent1"/>
+          </a:effectRef>
+          <a:fontRef idx="minor">
+            <a:schemeClr val="tx1"/>
+          </a:fontRef>
+        </p:style>
+      </p:cxnSp>
+      <p:sp>
+        <p:nvSpPr>
+          <p:cNvPr id="852" name="テキスト ボックス 851">
+            <a:extLst>
+              <a:ext uri="{FF2B5EF4-FFF2-40B4-BE49-F238E27FC236}">
+                <a16:creationId xmlns:a16="http://schemas.microsoft.com/office/drawing/2014/main" id="{926EA2CC-849D-450E-AEDF-1B1A56D3547B}"/>
+              </a:ext>
+            </a:extLst>
+          </p:cNvPr>
+          <p:cNvSpPr txBox="1"/>
+          <p:nvPr/>
+        </p:nvSpPr>
+        <p:spPr>
+          <a:xfrm>
+            <a:off x="2312619" y="3017856"/>
+            <a:ext cx="1052083" cy="369332"/>
+          </a:xfrm>
+          <a:prstGeom prst="rect">
+            <a:avLst/>
+          </a:prstGeom>
+          <a:noFill/>
+        </p:spPr>
+        <p:txBody>
+          <a:bodyPr wrap="none" rtlCol="0">
+            <a:spAutoFit/>
+          </a:bodyPr>
+          <a:lstStyle/>
+          <a:p>
+            <a:r>
+              <a:rPr kumimoji="1" lang="en-US" altLang="ja-JP">
                 <a:solidFill>
                   <a:srgbClr val="996633"/>
                 </a:solidFill>
               </a:rPr>
-              <a:t>&lt;not need&gt;</a:t>
-            </a:r>
-            <a:endParaRPr kumimoji="1" lang="ja-JP" altLang="en-US" dirty="0">
+              <a:t>&lt;shared&gt;</a:t>
+            </a:r>
+            <a:endParaRPr kumimoji="1" lang="ja-JP" altLang="en-US">
               <a:solidFill>
                 <a:srgbClr val="996633"/>
               </a:solidFill>
@@ -8201,10 +8209,10 @@
       </p:sp>
       <p:sp>
         <p:nvSpPr>
-          <p:cNvPr id="743" name="テキスト ボックス 742">
-            <a:extLst>
-              <a:ext uri="{FF2B5EF4-FFF2-40B4-BE49-F238E27FC236}">
-                <a16:creationId xmlns:a16="http://schemas.microsoft.com/office/drawing/2014/main" id="{C427CB14-B3B2-4700-9BD4-D90CE4012B9A}"/>
+          <p:cNvPr id="854" name="テキスト ボックス 853">
+            <a:extLst>
+              <a:ext uri="{FF2B5EF4-FFF2-40B4-BE49-F238E27FC236}">
+                <a16:creationId xmlns:a16="http://schemas.microsoft.com/office/drawing/2014/main" id="{5B0AF5F7-469D-4B4A-BAD3-9EB5909C3E48}"/>
               </a:ext>
             </a:extLst>
           </p:cNvPr>
@@ -8213,12 +8221,13 @@
         </p:nvSpPr>
         <p:spPr>
           <a:xfrm>
-            <a:off x="6239830" y="1982768"/>
-            <a:ext cx="889987" cy="369332"/>
+            <a:off x="2312619" y="1218230"/>
+            <a:ext cx="1071127" cy="369332"/>
           </a:xfrm>
           <a:prstGeom prst="rect">
             <a:avLst/>
           </a:prstGeom>
+          <a:noFill/>
         </p:spPr>
         <p:txBody>
           <a:bodyPr wrap="none" rtlCol="0">
@@ -8227,16 +8236,40 @@
           <a:lstStyle/>
           <a:p>
             <a:r>
-              <a:rPr lang="en-US" altLang="ja-JP" dirty="0">
-                <a:solidFill>
-                  <a:srgbClr val="996633"/>
-                </a:solidFill>
-              </a:rPr>
-              <a:t>&lt;need&gt;</a:t>
-            </a:r>
-            <a:endParaRPr kumimoji="1" lang="ja-JP" altLang="en-US" dirty="0">
+              <a:rPr kumimoji="1" lang="en-US" altLang="ja-JP">
+                <a:solidFill>
+                  <a:schemeClr val="bg1">
+                    <a:lumMod val="75000"/>
+                  </a:schemeClr>
+                </a:solidFill>
+              </a:rPr>
+              <a:t>&lt;</a:t>
+            </a:r>
+            <a:r>
+              <a:rPr lang="en-US" altLang="ja-JP">
+                <a:solidFill>
+                  <a:schemeClr val="bg1">
+                    <a:lumMod val="75000"/>
+                  </a:schemeClr>
+                </a:solidFill>
+              </a:rPr>
+              <a:t>un</a:t>
+            </a:r>
+            <a:r>
+              <a:rPr kumimoji="1" lang="en-US" altLang="ja-JP">
+                <a:solidFill>
+                  <a:schemeClr val="bg1">
+                    <a:lumMod val="75000"/>
+                  </a:schemeClr>
+                </a:solidFill>
+              </a:rPr>
+              <a:t>ique&gt;</a:t>
+            </a:r>
+            <a:endParaRPr kumimoji="1" lang="ja-JP" altLang="en-US">
               <a:solidFill>
-                <a:srgbClr val="996633"/>
+                <a:schemeClr val="bg1">
+                  <a:lumMod val="75000"/>
+                </a:schemeClr>
               </a:solidFill>
             </a:endParaRPr>
           </a:p>
@@ -8244,77 +8277,95 @@
       </p:sp>
       <p:sp>
         <p:nvSpPr>
-          <p:cNvPr id="745" name="テキスト ボックス 744">
-            <a:extLst>
-              <a:ext uri="{FF2B5EF4-FFF2-40B4-BE49-F238E27FC236}">
-                <a16:creationId xmlns:a16="http://schemas.microsoft.com/office/drawing/2014/main" id="{0DBD188F-12D9-49FE-A55D-987605208C8A}"/>
-              </a:ext>
-            </a:extLst>
-          </p:cNvPr>
-          <p:cNvSpPr txBox="1"/>
-          <p:nvPr/>
-        </p:nvSpPr>
-        <p:spPr>
-          <a:xfrm>
-            <a:off x="77022" y="5617840"/>
-            <a:ext cx="5080365" cy="1200329"/>
+          <p:cNvPr id="1017" name="正方形/長方形 1016">
+            <a:extLst>
+              <a:ext uri="{FF2B5EF4-FFF2-40B4-BE49-F238E27FC236}">
+                <a16:creationId xmlns:a16="http://schemas.microsoft.com/office/drawing/2014/main" id="{FA9015AB-5F3B-4780-9A11-911760500864}"/>
+              </a:ext>
+            </a:extLst>
+          </p:cNvPr>
+          <p:cNvSpPr/>
+          <p:nvPr/>
+        </p:nvSpPr>
+        <p:spPr>
+          <a:xfrm>
+            <a:off x="10308228" y="1388972"/>
+            <a:ext cx="1728137" cy="5376691"/>
           </a:xfrm>
           <a:prstGeom prst="rect">
             <a:avLst/>
           </a:prstGeom>
           <a:noFill/>
-        </p:spPr>
-        <p:txBody>
-          <a:bodyPr wrap="none" rtlCol="0">
+          <a:ln w="9525" cap="flat" cmpd="sng" algn="ctr">
+            <a:solidFill>
+              <a:srgbClr val="6600CC"/>
+            </a:solidFill>
+            <a:prstDash val="lgDash"/>
+            <a:round/>
+            <a:headEnd type="none" w="med" len="med"/>
+            <a:tailEnd type="none" w="med" len="med"/>
+          </a:ln>
+        </p:spPr>
+        <p:style>
+          <a:lnRef idx="0">
+            <a:scrgbClr r="0" g="0" b="0"/>
+          </a:lnRef>
+          <a:fillRef idx="0">
+            <a:scrgbClr r="0" g="0" b="0"/>
+          </a:fillRef>
+          <a:effectRef idx="0">
+            <a:scrgbClr r="0" g="0" b="0"/>
+          </a:effectRef>
+          <a:fontRef idx="minor">
+            <a:schemeClr val="dk1"/>
+          </a:fontRef>
+        </p:style>
+        <p:txBody>
+          <a:bodyPr rtlCol="0" anchor="ctr"/>
+          <a:lstStyle/>
+          <a:p>
+            <a:pPr algn="ctr"/>
+            <a:endParaRPr kumimoji="1" lang="ja-JP" altLang="en-US"/>
+          </a:p>
+        </p:txBody>
+      </p:sp>
+      <p:sp>
+        <p:nvSpPr>
+          <p:cNvPr id="1086" name="テキスト ボックス 1085">
+            <a:extLst>
+              <a:ext uri="{FF2B5EF4-FFF2-40B4-BE49-F238E27FC236}">
+                <a16:creationId xmlns:a16="http://schemas.microsoft.com/office/drawing/2014/main" id="{7DAF253D-983A-427E-98C3-85CAE131F150}"/>
+              </a:ext>
+            </a:extLst>
+          </p:cNvPr>
+          <p:cNvSpPr txBox="1"/>
+          <p:nvPr/>
+        </p:nvSpPr>
+        <p:spPr>
+          <a:xfrm>
+            <a:off x="156696" y="108401"/>
+            <a:ext cx="5142375" cy="461665"/>
+          </a:xfrm>
+          <a:prstGeom prst="rect">
+            <a:avLst/>
+          </a:prstGeom>
+          <a:noFill/>
+        </p:spPr>
+        <p:txBody>
+          <a:bodyPr wrap="square">
             <a:spAutoFit/>
           </a:bodyPr>
           <a:lstStyle/>
           <a:p>
             <a:r>
-              <a:rPr kumimoji="1" lang="en-US" altLang="ja-JP" dirty="0">
-                <a:solidFill>
-                  <a:schemeClr val="bg2">
-                    <a:lumMod val="25000"/>
+              <a:rPr kumimoji="1" lang="en-US" altLang="ja-JP" sz="2400">
+                <a:solidFill>
+                  <a:schemeClr val="bg1">
+                    <a:lumMod val="75000"/>
                   </a:schemeClr>
                 </a:solidFill>
               </a:rPr>
-              <a:t>Rust</a:t>
-            </a:r>
-          </a:p>
-          <a:p>
-            <a:r>
-              <a:rPr kumimoji="1" lang="en-US" altLang="ja-JP" dirty="0">
-                <a:solidFill>
-                  <a:schemeClr val="bg2">
-                    <a:lumMod val="25000"/>
-                  </a:schemeClr>
-                </a:solidFill>
-              </a:rPr>
-              <a:t>Memory Container Cheat-sheet</a:t>
-            </a:r>
-          </a:p>
-          <a:p>
-            <a:r>
-              <a:rPr kumimoji="1" lang="en-US" altLang="ja-JP" dirty="0">
-                <a:solidFill>
-                  <a:schemeClr val="bg2">
-                    <a:lumMod val="25000"/>
-                  </a:schemeClr>
-                </a:solidFill>
-              </a:rPr>
-              <a:t>rev.0; 2020-08-21</a:t>
-            </a:r>
-          </a:p>
-          <a:p>
-            <a:r>
-              <a:rPr kumimoji="1" lang="en-US" altLang="ja-JP" dirty="0">
-                <a:solidFill>
-                  <a:schemeClr val="bg2">
-                    <a:lumMod val="25000"/>
-                  </a:schemeClr>
-                </a:solidFill>
-              </a:rPr>
-              <a:t>https://github.com/usagi/rust-memory-container-cs</a:t>
+              <a:t>Rust Memory Container Cheat-sheet</a:t>
             </a:r>
           </a:p>
         </p:txBody>

--- a/rust-memory-container-cs.pptx
+++ b/rust-memory-container-cs.pptx
@@ -3269,10 +3269,10 @@
       </p:grpSpPr>
       <p:sp>
         <p:nvSpPr>
-          <p:cNvPr id="745" name="テキスト ボックス 744">
-            <a:extLst>
-              <a:ext uri="{FF2B5EF4-FFF2-40B4-BE49-F238E27FC236}">
-                <a16:creationId xmlns:a16="http://schemas.microsoft.com/office/drawing/2014/main" id="{0DBD188F-12D9-49FE-A55D-987605208C8A}"/>
+          <p:cNvPr id="315" name="テキスト ボックス 314">
+            <a:extLst>
+              <a:ext uri="{FF2B5EF4-FFF2-40B4-BE49-F238E27FC236}">
+                <a16:creationId xmlns:a16="http://schemas.microsoft.com/office/drawing/2014/main" id="{203C443B-0C4C-4DF2-A204-58E594702A3A}"/>
               </a:ext>
             </a:extLst>
           </p:cNvPr>
@@ -3281,13 +3281,12 @@
         </p:nvSpPr>
         <p:spPr>
           <a:xfrm>
-            <a:off x="156696" y="6237550"/>
-            <a:ext cx="2909771" cy="400110"/>
+            <a:off x="8561044" y="343912"/>
+            <a:ext cx="1082348" cy="369332"/>
           </a:xfrm>
           <a:prstGeom prst="rect">
             <a:avLst/>
           </a:prstGeom>
-          <a:noFill/>
         </p:spPr>
         <p:txBody>
           <a:bodyPr wrap="none" rtlCol="0">
@@ -3296,36 +3295,43 @@
           <a:lstStyle/>
           <a:p>
             <a:r>
-              <a:rPr kumimoji="1" lang="en-US" altLang="ja-JP" sz="1000">
-                <a:solidFill>
-                  <a:schemeClr val="bg2">
-                    <a:lumMod val="50000"/>
-                  </a:schemeClr>
-                </a:solidFill>
-              </a:rPr>
-              <a:t>rev.1; 2020-08-22</a:t>
-            </a:r>
-          </a:p>
-          <a:p>
-            <a:r>
-              <a:rPr kumimoji="1" lang="en-US" altLang="ja-JP" sz="1000">
-                <a:solidFill>
-                  <a:schemeClr val="bg2">
-                    <a:lumMod val="50000"/>
-                  </a:schemeClr>
-                </a:solidFill>
-              </a:rPr>
-              <a:t>https://github.com/usagi/rust-memory-container-cs</a:t>
-            </a:r>
-          </a:p>
-        </p:txBody>
-      </p:sp>
-      <p:sp>
-        <p:nvSpPr>
-          <p:cNvPr id="4" name="テキスト ボックス 3">
-            <a:extLst>
-              <a:ext uri="{FF2B5EF4-FFF2-40B4-BE49-F238E27FC236}">
-                <a16:creationId xmlns:a16="http://schemas.microsoft.com/office/drawing/2014/main" id="{864CC6FD-7D78-41B2-B6C9-ACF654D2EAF5}"/>
+              <a:rPr lang="en-US" altLang="ja-JP">
+                <a:solidFill>
+                  <a:schemeClr val="accent4"/>
+                </a:solidFill>
+              </a:rPr>
+              <a:t>&lt;mut&gt;</a:t>
+            </a:r>
+            <a:r>
+              <a:rPr kumimoji="1" lang="en-US" altLang="ja-JP" baseline="30000">
+                <a:solidFill>
+                  <a:schemeClr val="accent4"/>
+                </a:solidFill>
+              </a:rPr>
+              <a:t> </a:t>
+            </a:r>
+            <a:r>
+              <a:rPr kumimoji="1" lang="en-US" altLang="ja-JP" baseline="30000">
+                <a:solidFill>
+                  <a:srgbClr val="818181"/>
+                </a:solidFill>
+              </a:rPr>
+              <a:t>(†1)</a:t>
+            </a:r>
+            <a:endParaRPr kumimoji="1" lang="ja-JP" altLang="en-US">
+              <a:solidFill>
+                <a:srgbClr val="818181"/>
+              </a:solidFill>
+            </a:endParaRPr>
+          </a:p>
+        </p:txBody>
+      </p:sp>
+      <p:sp>
+        <p:nvSpPr>
+          <p:cNvPr id="258" name="テキスト ボックス 257">
+            <a:extLst>
+              <a:ext uri="{FF2B5EF4-FFF2-40B4-BE49-F238E27FC236}">
+                <a16:creationId xmlns:a16="http://schemas.microsoft.com/office/drawing/2014/main" id="{C990EF96-3AE4-45F5-88AF-38D34B93A536}"/>
               </a:ext>
             </a:extLst>
           </p:cNvPr>
@@ -3334,13 +3340,12 @@
         </p:nvSpPr>
         <p:spPr>
           <a:xfrm>
-            <a:off x="6123650" y="5876958"/>
-            <a:ext cx="1693990" cy="369332"/>
+            <a:off x="8554621" y="-36144"/>
+            <a:ext cx="1433790" cy="369332"/>
           </a:xfrm>
           <a:prstGeom prst="rect">
             <a:avLst/>
           </a:prstGeom>
-          <a:noFill/>
         </p:spPr>
         <p:txBody>
           <a:bodyPr wrap="none" rtlCol="0">
@@ -3349,14 +3354,14 @@
           <a:lstStyle/>
           <a:p>
             <a:r>
-              <a:rPr kumimoji="1" lang="en-US" altLang="ja-JP">
+              <a:rPr lang="en-US" altLang="ja-JP">
                 <a:solidFill>
                   <a:schemeClr val="bg1">
                     <a:lumMod val="75000"/>
                   </a:schemeClr>
                 </a:solidFill>
               </a:rPr>
-              <a:t>&lt;reader/writer&gt;</a:t>
+              <a:t>&lt;immutable&gt;</a:t>
             </a:r>
             <a:endParaRPr kumimoji="1" lang="ja-JP" altLang="en-US">
               <a:solidFill>
@@ -3370,6 +3375,103 @@
       </p:sp>
       <p:sp>
         <p:nvSpPr>
+          <p:cNvPr id="745" name="テキスト ボックス 744">
+            <a:extLst>
+              <a:ext uri="{FF2B5EF4-FFF2-40B4-BE49-F238E27FC236}">
+                <a16:creationId xmlns:a16="http://schemas.microsoft.com/office/drawing/2014/main" id="{0DBD188F-12D9-49FE-A55D-987605208C8A}"/>
+              </a:ext>
+            </a:extLst>
+          </p:cNvPr>
+          <p:cNvSpPr txBox="1"/>
+          <p:nvPr/>
+        </p:nvSpPr>
+        <p:spPr>
+          <a:xfrm>
+            <a:off x="156696" y="6237550"/>
+            <a:ext cx="2909771" cy="400110"/>
+          </a:xfrm>
+          <a:prstGeom prst="rect">
+            <a:avLst/>
+          </a:prstGeom>
+          <a:noFill/>
+        </p:spPr>
+        <p:txBody>
+          <a:bodyPr wrap="none" rtlCol="0">
+            <a:spAutoFit/>
+          </a:bodyPr>
+          <a:lstStyle/>
+          <a:p>
+            <a:r>
+              <a:rPr kumimoji="1" lang="en-US" altLang="ja-JP" sz="1000">
+                <a:solidFill>
+                  <a:srgbClr val="818181"/>
+                </a:solidFill>
+              </a:rPr>
+              <a:t>rev.1; 2020-08-22</a:t>
+            </a:r>
+          </a:p>
+          <a:p>
+            <a:r>
+              <a:rPr kumimoji="1" lang="en-US" altLang="ja-JP" sz="1000">
+                <a:solidFill>
+                  <a:srgbClr val="818181"/>
+                </a:solidFill>
+              </a:rPr>
+              <a:t>https://github.com/usagi/rust-memory-container-cs</a:t>
+            </a:r>
+          </a:p>
+        </p:txBody>
+      </p:sp>
+      <p:sp>
+        <p:nvSpPr>
+          <p:cNvPr id="4" name="テキスト ボックス 3">
+            <a:extLst>
+              <a:ext uri="{FF2B5EF4-FFF2-40B4-BE49-F238E27FC236}">
+                <a16:creationId xmlns:a16="http://schemas.microsoft.com/office/drawing/2014/main" id="{864CC6FD-7D78-41B2-B6C9-ACF654D2EAF5}"/>
+              </a:ext>
+            </a:extLst>
+          </p:cNvPr>
+          <p:cNvSpPr txBox="1"/>
+          <p:nvPr/>
+        </p:nvSpPr>
+        <p:spPr>
+          <a:xfrm>
+            <a:off x="5963375" y="5876958"/>
+            <a:ext cx="1693990" cy="369332"/>
+          </a:xfrm>
+          <a:prstGeom prst="rect">
+            <a:avLst/>
+          </a:prstGeom>
+          <a:noFill/>
+        </p:spPr>
+        <p:txBody>
+          <a:bodyPr wrap="none" rtlCol="0">
+            <a:spAutoFit/>
+          </a:bodyPr>
+          <a:lstStyle/>
+          <a:p>
+            <a:r>
+              <a:rPr kumimoji="1" lang="en-US" altLang="ja-JP">
+                <a:solidFill>
+                  <a:schemeClr val="bg1">
+                    <a:lumMod val="75000"/>
+                  </a:schemeClr>
+                </a:solidFill>
+              </a:rPr>
+              <a:t>&lt;reader/writer&gt;</a:t>
+            </a:r>
+            <a:endParaRPr kumimoji="1" lang="ja-JP" altLang="en-US">
+              <a:solidFill>
+                <a:schemeClr val="bg1">
+                  <a:lumMod val="75000"/>
+                </a:schemeClr>
+              </a:solidFill>
+            </a:endParaRPr>
+          </a:p>
+        </p:txBody>
+      </p:sp>
+      <p:sp>
+        <p:nvSpPr>
           <p:cNvPr id="5" name="テキスト ボックス 4">
             <a:extLst>
               <a:ext uri="{FF2B5EF4-FFF2-40B4-BE49-F238E27FC236}">
@@ -3382,8 +3484,8 @@
         </p:nvSpPr>
         <p:spPr>
           <a:xfrm>
-            <a:off x="10251332" y="1360700"/>
-            <a:ext cx="2070573" cy="369332"/>
+            <a:off x="9966418" y="1360700"/>
+            <a:ext cx="2090179" cy="369332"/>
           </a:xfrm>
           <a:prstGeom prst="rect">
             <a:avLst/>
@@ -3409,9 +3511,7 @@
             <a:r>
               <a:rPr kumimoji="1" lang="en-US" altLang="ja-JP">
                 <a:solidFill>
-                  <a:schemeClr val="bg2">
-                    <a:lumMod val="50000"/>
-                  </a:schemeClr>
+                  <a:srgbClr val="818181"/>
                 </a:solidFill>
               </a:rPr>
               <a:t>or</a:t>
@@ -3437,12 +3537,260 @@
             <a:r>
               <a:rPr kumimoji="1" lang="en-US" altLang="ja-JP" baseline="30000">
                 <a:solidFill>
-                  <a:schemeClr val="bg2">
-                    <a:lumMod val="50000"/>
+                  <a:srgbClr val="818181"/>
+                </a:solidFill>
+              </a:rPr>
+              <a:t>(†1)</a:t>
+            </a:r>
+            <a:endParaRPr kumimoji="1" lang="ja-JP" altLang="en-US">
+              <a:solidFill>
+                <a:srgbClr val="818181"/>
+              </a:solidFill>
+            </a:endParaRPr>
+          </a:p>
+        </p:txBody>
+      </p:sp>
+      <p:sp>
+        <p:nvSpPr>
+          <p:cNvPr id="7" name="テキスト ボックス 6">
+            <a:extLst>
+              <a:ext uri="{FF2B5EF4-FFF2-40B4-BE49-F238E27FC236}">
+                <a16:creationId xmlns:a16="http://schemas.microsoft.com/office/drawing/2014/main" id="{1B7E1512-4088-4835-9D73-465EEA1B994A}"/>
+              </a:ext>
+            </a:extLst>
+          </p:cNvPr>
+          <p:cNvSpPr txBox="1"/>
+          <p:nvPr/>
+        </p:nvSpPr>
+        <p:spPr>
+          <a:xfrm>
+            <a:off x="9966418" y="1709928"/>
+            <a:ext cx="2090179" cy="369332"/>
+          </a:xfrm>
+          <a:prstGeom prst="rect">
+            <a:avLst/>
+          </a:prstGeom>
+          <a:noFill/>
+        </p:spPr>
+        <p:txBody>
+          <a:bodyPr wrap="square" rtlCol="0">
+            <a:spAutoFit/>
+          </a:bodyPr>
+          <a:lstStyle/>
+          <a:p>
+            <a:r>
+              <a:rPr kumimoji="1" lang="en-US" altLang="ja-JP">
+                <a:solidFill>
+                  <a:srgbClr val="00B0F0"/>
+                </a:solidFill>
+              </a:rPr>
+              <a:t>Cell&lt;</a:t>
+            </a:r>
+            <a:r>
+              <a:rPr kumimoji="1" lang="en-US" altLang="ja-JP">
+                <a:solidFill>
+                  <a:schemeClr val="accent4"/>
+                </a:solidFill>
+              </a:rPr>
+              <a:t>T</a:t>
+            </a:r>
+            <a:r>
+              <a:rPr kumimoji="1" lang="en-US" altLang="ja-JP">
+                <a:solidFill>
+                  <a:srgbClr val="00B0F0"/>
+                </a:solidFill>
+              </a:rPr>
+              <a:t>&gt;</a:t>
+            </a:r>
+            <a:endParaRPr kumimoji="1" lang="ja-JP" altLang="en-US">
+              <a:solidFill>
+                <a:srgbClr val="00B0F0"/>
+              </a:solidFill>
+            </a:endParaRPr>
+          </a:p>
+        </p:txBody>
+      </p:sp>
+      <p:sp>
+        <p:nvSpPr>
+          <p:cNvPr id="9" name="テキスト ボックス 8">
+            <a:extLst>
+              <a:ext uri="{FF2B5EF4-FFF2-40B4-BE49-F238E27FC236}">
+                <a16:creationId xmlns:a16="http://schemas.microsoft.com/office/drawing/2014/main" id="{2EF291D3-C527-4341-A352-CF2205CA6393}"/>
+              </a:ext>
+            </a:extLst>
+          </p:cNvPr>
+          <p:cNvSpPr txBox="1"/>
+          <p:nvPr/>
+        </p:nvSpPr>
+        <p:spPr>
+          <a:xfrm>
+            <a:off x="9966418" y="2103120"/>
+            <a:ext cx="2090179" cy="369332"/>
+          </a:xfrm>
+          <a:prstGeom prst="rect">
+            <a:avLst/>
+          </a:prstGeom>
+          <a:noFill/>
+        </p:spPr>
+        <p:txBody>
+          <a:bodyPr wrap="square" rtlCol="0">
+            <a:spAutoFit/>
+          </a:bodyPr>
+          <a:lstStyle/>
+          <a:p>
+            <a:r>
+              <a:rPr kumimoji="1" lang="en-US" altLang="ja-JP" err="1">
+                <a:solidFill>
+                  <a:srgbClr val="00B0F0"/>
+                </a:solidFill>
+              </a:rPr>
+              <a:t>RefCell</a:t>
+            </a:r>
+            <a:r>
+              <a:rPr kumimoji="1" lang="en-US" altLang="ja-JP">
+                <a:solidFill>
+                  <a:srgbClr val="00B0F0"/>
+                </a:solidFill>
+              </a:rPr>
+              <a:t>&lt;</a:t>
+            </a:r>
+            <a:r>
+              <a:rPr kumimoji="1" lang="en-US" altLang="ja-JP">
+                <a:solidFill>
+                  <a:schemeClr val="accent4"/>
+                </a:solidFill>
+              </a:rPr>
+              <a:t>T</a:t>
+            </a:r>
+            <a:r>
+              <a:rPr kumimoji="1" lang="en-US" altLang="ja-JP">
+                <a:solidFill>
+                  <a:srgbClr val="00B0F0"/>
+                </a:solidFill>
+              </a:rPr>
+              <a:t>&gt;</a:t>
+            </a:r>
+            <a:endParaRPr kumimoji="1" lang="ja-JP" altLang="en-US">
+              <a:solidFill>
+                <a:srgbClr val="00B0F0"/>
+              </a:solidFill>
+            </a:endParaRPr>
+          </a:p>
+        </p:txBody>
+      </p:sp>
+      <p:sp>
+        <p:nvSpPr>
+          <p:cNvPr id="13" name="テキスト ボックス 12">
+            <a:extLst>
+              <a:ext uri="{FF2B5EF4-FFF2-40B4-BE49-F238E27FC236}">
+                <a16:creationId xmlns:a16="http://schemas.microsoft.com/office/drawing/2014/main" id="{9CF9D3A6-ED5F-453B-991F-BB7828EF3BCB}"/>
+              </a:ext>
+            </a:extLst>
+          </p:cNvPr>
+          <p:cNvSpPr txBox="1"/>
+          <p:nvPr/>
+        </p:nvSpPr>
+        <p:spPr>
+          <a:xfrm>
+            <a:off x="9966418" y="4054720"/>
+            <a:ext cx="2090179" cy="369332"/>
+          </a:xfrm>
+          <a:prstGeom prst="rect">
+            <a:avLst/>
+          </a:prstGeom>
+          <a:noFill/>
+        </p:spPr>
+        <p:txBody>
+          <a:bodyPr wrap="square" rtlCol="0">
+            <a:spAutoFit/>
+          </a:bodyPr>
+          <a:lstStyle/>
+          <a:p>
+            <a:r>
+              <a:rPr kumimoji="1" lang="en-US" altLang="ja-JP" err="1">
+                <a:solidFill>
+                  <a:schemeClr val="accent4"/>
+                </a:solidFill>
+              </a:rPr>
+              <a:t>AtomicT</a:t>
+            </a:r>
+            <a:r>
+              <a:rPr kumimoji="1" lang="en-US" altLang="ja-JP">
+                <a:solidFill>
+                  <a:schemeClr val="bg1">
+                    <a:lumMod val="75000"/>
                   </a:schemeClr>
                 </a:solidFill>
               </a:rPr>
-              <a:t>(†1)</a:t>
+              <a:t> </a:t>
+            </a:r>
+            <a:r>
+              <a:rPr kumimoji="1" lang="en-US" altLang="ja-JP" baseline="30000">
+                <a:solidFill>
+                  <a:srgbClr val="818181"/>
+                </a:solidFill>
+              </a:rPr>
+              <a:t>(†2)</a:t>
+            </a:r>
+            <a:endParaRPr kumimoji="1" lang="ja-JP" altLang="en-US">
+              <a:solidFill>
+                <a:srgbClr val="818181"/>
+              </a:solidFill>
+            </a:endParaRPr>
+          </a:p>
+        </p:txBody>
+      </p:sp>
+      <p:sp>
+        <p:nvSpPr>
+          <p:cNvPr id="15" name="テキスト ボックス 14">
+            <a:extLst>
+              <a:ext uri="{FF2B5EF4-FFF2-40B4-BE49-F238E27FC236}">
+                <a16:creationId xmlns:a16="http://schemas.microsoft.com/office/drawing/2014/main" id="{7FC94850-BA8D-4BB9-8DA8-CDCDC9BBA588}"/>
+              </a:ext>
+            </a:extLst>
+          </p:cNvPr>
+          <p:cNvSpPr txBox="1"/>
+          <p:nvPr/>
+        </p:nvSpPr>
+        <p:spPr>
+          <a:xfrm>
+            <a:off x="9966418" y="4445500"/>
+            <a:ext cx="2090179" cy="369332"/>
+          </a:xfrm>
+          <a:prstGeom prst="rect">
+            <a:avLst/>
+          </a:prstGeom>
+          <a:noFill/>
+        </p:spPr>
+        <p:txBody>
+          <a:bodyPr wrap="square" rtlCol="0">
+            <a:spAutoFit/>
+          </a:bodyPr>
+          <a:lstStyle/>
+          <a:p>
+            <a:r>
+              <a:rPr kumimoji="1" lang="en-US" altLang="ja-JP">
+                <a:solidFill>
+                  <a:schemeClr val="accent6"/>
+                </a:solidFill>
+              </a:rPr>
+              <a:t>Mutex&lt;</a:t>
+            </a:r>
+            <a:r>
+              <a:rPr kumimoji="1" lang="en-US" altLang="ja-JP">
+                <a:solidFill>
+                  <a:schemeClr val="accent4"/>
+                </a:solidFill>
+              </a:rPr>
+              <a:t>T</a:t>
+            </a:r>
+            <a:r>
+              <a:rPr kumimoji="1" lang="en-US" altLang="ja-JP">
+                <a:solidFill>
+                  <a:schemeClr val="accent6"/>
+                </a:solidFill>
+              </a:rPr>
+              <a:t>&gt;</a:t>
             </a:r>
             <a:endParaRPr kumimoji="1" lang="ja-JP" altLang="en-US">
               <a:solidFill>
@@ -3454,10 +3802,10 @@
       </p:sp>
       <p:sp>
         <p:nvSpPr>
-          <p:cNvPr id="7" name="テキスト ボックス 6">
-            <a:extLst>
-              <a:ext uri="{FF2B5EF4-FFF2-40B4-BE49-F238E27FC236}">
-                <a16:creationId xmlns:a16="http://schemas.microsoft.com/office/drawing/2014/main" id="{1B7E1512-4088-4835-9D73-465EEA1B994A}"/>
+          <p:cNvPr id="17" name="テキスト ボックス 16">
+            <a:extLst>
+              <a:ext uri="{FF2B5EF4-FFF2-40B4-BE49-F238E27FC236}">
+                <a16:creationId xmlns:a16="http://schemas.microsoft.com/office/drawing/2014/main" id="{C3EBBFF7-DAA5-4670-8664-230AF806618B}"/>
               </a:ext>
             </a:extLst>
           </p:cNvPr>
@@ -3466,8 +3814,8 @@
         </p:nvSpPr>
         <p:spPr>
           <a:xfrm>
-            <a:off x="10251332" y="2100820"/>
-            <a:ext cx="2070573" cy="369332"/>
+            <a:off x="9966418" y="4836280"/>
+            <a:ext cx="2090179" cy="369332"/>
           </a:xfrm>
           <a:prstGeom prst="rect">
             <a:avLst/>
@@ -3481,17 +3829,95 @@
           <a:lstStyle/>
           <a:p>
             <a:r>
+              <a:rPr kumimoji="1" lang="en-US" altLang="ja-JP" err="1">
+                <a:solidFill>
+                  <a:schemeClr val="accent6"/>
+                </a:solidFill>
+              </a:rPr>
+              <a:t>RwLock</a:t>
+            </a:r>
+            <a:r>
               <a:rPr kumimoji="1" lang="en-US" altLang="ja-JP">
                 <a:solidFill>
+                  <a:schemeClr val="accent6"/>
+                </a:solidFill>
+              </a:rPr>
+              <a:t>&lt;</a:t>
+            </a:r>
+            <a:r>
+              <a:rPr kumimoji="1" lang="en-US" altLang="ja-JP">
+                <a:solidFill>
+                  <a:schemeClr val="accent4"/>
+                </a:solidFill>
+              </a:rPr>
+              <a:t>T</a:t>
+            </a:r>
+            <a:r>
+              <a:rPr kumimoji="1" lang="en-US" altLang="ja-JP">
+                <a:solidFill>
+                  <a:schemeClr val="accent6"/>
+                </a:solidFill>
+              </a:rPr>
+              <a:t>&gt;</a:t>
+            </a:r>
+            <a:endParaRPr kumimoji="1" lang="ja-JP" altLang="en-US">
+              <a:solidFill>
+                <a:schemeClr val="accent6"/>
+              </a:solidFill>
+            </a:endParaRPr>
+          </a:p>
+        </p:txBody>
+      </p:sp>
+      <p:sp>
+        <p:nvSpPr>
+          <p:cNvPr id="19" name="テキスト ボックス 18">
+            <a:extLst>
+              <a:ext uri="{FF2B5EF4-FFF2-40B4-BE49-F238E27FC236}">
+                <a16:creationId xmlns:a16="http://schemas.microsoft.com/office/drawing/2014/main" id="{6ED28D9D-D16D-43B8-B0BA-F7FE63A980FA}"/>
+              </a:ext>
+            </a:extLst>
+          </p:cNvPr>
+          <p:cNvSpPr txBox="1"/>
+          <p:nvPr/>
+        </p:nvSpPr>
+        <p:spPr>
+          <a:xfrm>
+            <a:off x="9966418" y="2882380"/>
+            <a:ext cx="2090179" cy="369332"/>
+          </a:xfrm>
+          <a:prstGeom prst="rect">
+            <a:avLst/>
+          </a:prstGeom>
+          <a:noFill/>
+        </p:spPr>
+        <p:txBody>
+          <a:bodyPr wrap="square" rtlCol="0">
+            <a:spAutoFit/>
+          </a:bodyPr>
+          <a:lstStyle/>
+          <a:p>
+            <a:r>
+              <a:rPr kumimoji="1" lang="en-US" altLang="ja-JP" err="1">
+                <a:solidFill>
                   <a:srgbClr val="00B0F0"/>
                 </a:solidFill>
               </a:rPr>
-              <a:t>Cell&lt;</a:t>
+              <a:t>Rc</a:t>
             </a:r>
             <a:r>
               <a:rPr kumimoji="1" lang="en-US" altLang="ja-JP">
                 <a:solidFill>
-                  <a:schemeClr val="accent4"/>
+                  <a:srgbClr val="00B0F0"/>
+                </a:solidFill>
+              </a:rPr>
+              <a:t>&lt;</a:t>
+            </a:r>
+            <a:r>
+              <a:rPr kumimoji="1" lang="en-US" altLang="ja-JP">
+                <a:solidFill>
+                  <a:schemeClr val="bg1">
+                    <a:lumMod val="75000"/>
+                  </a:schemeClr>
                 </a:solidFill>
               </a:rPr>
               <a:t>T</a:t>
@@ -3514,10 +3940,10 @@
       </p:sp>
       <p:sp>
         <p:nvSpPr>
-          <p:cNvPr id="9" name="テキスト ボックス 8">
-            <a:extLst>
-              <a:ext uri="{FF2B5EF4-FFF2-40B4-BE49-F238E27FC236}">
-                <a16:creationId xmlns:a16="http://schemas.microsoft.com/office/drawing/2014/main" id="{2EF291D3-C527-4341-A352-CF2205CA6393}"/>
+          <p:cNvPr id="21" name="テキスト ボックス 20">
+            <a:extLst>
+              <a:ext uri="{FF2B5EF4-FFF2-40B4-BE49-F238E27FC236}">
+                <a16:creationId xmlns:a16="http://schemas.microsoft.com/office/drawing/2014/main" id="{59A3CC70-B70E-4C02-856E-30F4E06B4BD3}"/>
               </a:ext>
             </a:extLst>
           </p:cNvPr>
@@ -3526,8 +3952,8 @@
         </p:nvSpPr>
         <p:spPr>
           <a:xfrm>
-            <a:off x="10251332" y="2491600"/>
-            <a:ext cx="2070573" cy="369332"/>
+            <a:off x="9966418" y="3273160"/>
+            <a:ext cx="2090179" cy="369332"/>
           </a:xfrm>
           <a:prstGeom prst="rect">
             <a:avLst/>
@@ -3546,7 +3972,7 @@
                   <a:srgbClr val="00B0F0"/>
                 </a:solidFill>
               </a:rPr>
-              <a:t>RefCell</a:t>
+              <a:t>Rc</a:t>
             </a:r>
             <a:r>
               <a:rPr kumimoji="1" lang="en-US" altLang="ja-JP">
@@ -3554,7 +3980,7 @@
                   <a:srgbClr val="00B0F0"/>
                 </a:solidFill>
               </a:rPr>
-              <a:t>&lt;</a:t>
+              <a:t>&lt;Cell&lt;</a:t>
             </a:r>
             <a:r>
               <a:rPr kumimoji="1" lang="en-US" altLang="ja-JP">
@@ -3570,7 +3996,7 @@
                   <a:srgbClr val="00B0F0"/>
                 </a:solidFill>
               </a:rPr>
-              <a:t>&gt;</a:t>
+              <a:t>&gt;&gt;</a:t>
             </a:r>
             <a:endParaRPr kumimoji="1" lang="ja-JP" altLang="en-US">
               <a:solidFill>
@@ -3582,10 +4008,10 @@
       </p:sp>
       <p:sp>
         <p:nvSpPr>
-          <p:cNvPr id="13" name="テキスト ボックス 12">
-            <a:extLst>
-              <a:ext uri="{FF2B5EF4-FFF2-40B4-BE49-F238E27FC236}">
-                <a16:creationId xmlns:a16="http://schemas.microsoft.com/office/drawing/2014/main" id="{9CF9D3A6-ED5F-453B-991F-BB7828EF3BCB}"/>
+          <p:cNvPr id="23" name="テキスト ボックス 22">
+            <a:extLst>
+              <a:ext uri="{FF2B5EF4-FFF2-40B4-BE49-F238E27FC236}">
+                <a16:creationId xmlns:a16="http://schemas.microsoft.com/office/drawing/2014/main" id="{B34634D4-E6E5-4598-8416-1DA736BFC335}"/>
               </a:ext>
             </a:extLst>
           </p:cNvPr>
@@ -3594,8 +4020,8 @@
         </p:nvSpPr>
         <p:spPr>
           <a:xfrm>
-            <a:off x="10251332" y="4054720"/>
-            <a:ext cx="2070573" cy="369332"/>
+            <a:off x="9966418" y="3663940"/>
+            <a:ext cx="2090179" cy="369332"/>
           </a:xfrm>
           <a:prstGeom prst="rect">
             <a:avLst/>
@@ -3611,10 +4037,94 @@
             <a:r>
               <a:rPr kumimoji="1" lang="en-US" altLang="ja-JP" err="1">
                 <a:solidFill>
+                  <a:srgbClr val="00B0F0"/>
+                </a:solidFill>
+              </a:rPr>
+              <a:t>Rc</a:t>
+            </a:r>
+            <a:r>
+              <a:rPr kumimoji="1" lang="en-US" altLang="ja-JP">
+                <a:solidFill>
+                  <a:srgbClr val="00B0F0"/>
+                </a:solidFill>
+              </a:rPr>
+              <a:t>&lt;</a:t>
+            </a:r>
+            <a:r>
+              <a:rPr kumimoji="1" lang="en-US" altLang="ja-JP" err="1">
+                <a:solidFill>
+                  <a:srgbClr val="00B0F0"/>
+                </a:solidFill>
+              </a:rPr>
+              <a:t>RefCell</a:t>
+            </a:r>
+            <a:r>
+              <a:rPr kumimoji="1" lang="en-US" altLang="ja-JP">
+                <a:solidFill>
+                  <a:srgbClr val="00B0F0"/>
+                </a:solidFill>
+              </a:rPr>
+              <a:t>&lt;</a:t>
+            </a:r>
+            <a:r>
+              <a:rPr kumimoji="1" lang="en-US" altLang="ja-JP">
+                <a:solidFill>
                   <a:schemeClr val="accent4"/>
                 </a:solidFill>
               </a:rPr>
-              <a:t>AtomicT</a:t>
+              <a:t>T</a:t>
+            </a:r>
+            <a:r>
+              <a:rPr kumimoji="1" lang="en-US" altLang="ja-JP">
+                <a:solidFill>
+                  <a:srgbClr val="00B0F0"/>
+                </a:solidFill>
+              </a:rPr>
+              <a:t>&gt;&gt;</a:t>
+            </a:r>
+            <a:endParaRPr kumimoji="1" lang="ja-JP" altLang="en-US">
+              <a:solidFill>
+                <a:srgbClr val="00B0F0"/>
+              </a:solidFill>
+            </a:endParaRPr>
+          </a:p>
+        </p:txBody>
+      </p:sp>
+      <p:sp>
+        <p:nvSpPr>
+          <p:cNvPr id="25" name="テキスト ボックス 24">
+            <a:extLst>
+              <a:ext uri="{FF2B5EF4-FFF2-40B4-BE49-F238E27FC236}">
+                <a16:creationId xmlns:a16="http://schemas.microsoft.com/office/drawing/2014/main" id="{080D8927-B900-4E19-A9CB-C092D81DFB69}"/>
+              </a:ext>
+            </a:extLst>
+          </p:cNvPr>
+          <p:cNvSpPr txBox="1"/>
+          <p:nvPr/>
+        </p:nvSpPr>
+        <p:spPr>
+          <a:xfrm>
+            <a:off x="9966418" y="5227060"/>
+            <a:ext cx="2090179" cy="369332"/>
+          </a:xfrm>
+          <a:prstGeom prst="rect">
+            <a:avLst/>
+          </a:prstGeom>
+          <a:noFill/>
+        </p:spPr>
+        <p:txBody>
+          <a:bodyPr wrap="square" rtlCol="0">
+            <a:spAutoFit/>
+          </a:bodyPr>
+          <a:lstStyle/>
+          <a:p>
+            <a:r>
+              <a:rPr kumimoji="1" lang="en-US" altLang="ja-JP">
+                <a:solidFill>
+                  <a:schemeClr val="accent6"/>
+                </a:solidFill>
+              </a:rPr>
+              <a:t>Arc&lt;</a:t>
             </a:r>
             <a:r>
               <a:rPr kumimoji="1" lang="en-US" altLang="ja-JP">
@@ -3624,17 +4134,15 @@
                   </a:schemeClr>
                 </a:solidFill>
               </a:rPr>
-              <a:t> </a:t>
-            </a:r>
-            <a:r>
-              <a:rPr kumimoji="1" lang="en-US" altLang="ja-JP" baseline="30000">
-                <a:solidFill>
-                  <a:schemeClr val="bg2">
-                    <a:lumMod val="50000"/>
-                  </a:schemeClr>
-                </a:solidFill>
-              </a:rPr>
-              <a:t>(†2)</a:t>
+              <a:t>T</a:t>
+            </a:r>
+            <a:r>
+              <a:rPr kumimoji="1" lang="en-US" altLang="ja-JP">
+                <a:solidFill>
+                  <a:schemeClr val="accent6"/>
+                </a:solidFill>
+              </a:rPr>
+              <a:t>&gt;</a:t>
             </a:r>
             <a:endParaRPr kumimoji="1" lang="ja-JP" altLang="en-US">
               <a:solidFill>
@@ -3646,10 +4154,10 @@
       </p:sp>
       <p:sp>
         <p:nvSpPr>
-          <p:cNvPr id="15" name="テキスト ボックス 14">
-            <a:extLst>
-              <a:ext uri="{FF2B5EF4-FFF2-40B4-BE49-F238E27FC236}">
-                <a16:creationId xmlns:a16="http://schemas.microsoft.com/office/drawing/2014/main" id="{7FC94850-BA8D-4BB9-8DA8-CDCDC9BBA588}"/>
+          <p:cNvPr id="27" name="テキスト ボックス 26">
+            <a:extLst>
+              <a:ext uri="{FF2B5EF4-FFF2-40B4-BE49-F238E27FC236}">
+                <a16:creationId xmlns:a16="http://schemas.microsoft.com/office/drawing/2014/main" id="{E3FEF7C4-BBFC-4978-8BD4-60B7C5AE4C0B}"/>
               </a:ext>
             </a:extLst>
           </p:cNvPr>
@@ -3658,8 +4166,8 @@
         </p:nvSpPr>
         <p:spPr>
           <a:xfrm>
-            <a:off x="10251332" y="4445500"/>
-            <a:ext cx="2070573" cy="369332"/>
+            <a:off x="9966418" y="6008620"/>
+            <a:ext cx="2090179" cy="369332"/>
           </a:xfrm>
           <a:prstGeom prst="rect">
             <a:avLst/>
@@ -3678,7 +4186,7 @@
                   <a:schemeClr val="accent6"/>
                 </a:solidFill>
               </a:rPr>
-              <a:t>Mutex&lt;</a:t>
+              <a:t>Arc&lt;Mutex&lt;</a:t>
             </a:r>
             <a:r>
               <a:rPr kumimoji="1" lang="en-US" altLang="ja-JP">
@@ -3694,7 +4202,7 @@
                   <a:schemeClr val="accent6"/>
                 </a:solidFill>
               </a:rPr>
-              <a:t>&gt;</a:t>
+              <a:t>&gt;&gt;</a:t>
             </a:r>
             <a:endParaRPr kumimoji="1" lang="ja-JP" altLang="en-US">
               <a:solidFill>
@@ -3706,10 +4214,10 @@
       </p:sp>
       <p:sp>
         <p:nvSpPr>
-          <p:cNvPr id="17" name="テキスト ボックス 16">
-            <a:extLst>
-              <a:ext uri="{FF2B5EF4-FFF2-40B4-BE49-F238E27FC236}">
-                <a16:creationId xmlns:a16="http://schemas.microsoft.com/office/drawing/2014/main" id="{C3EBBFF7-DAA5-4670-8664-230AF806618B}"/>
+          <p:cNvPr id="29" name="テキスト ボックス 28">
+            <a:extLst>
+              <a:ext uri="{FF2B5EF4-FFF2-40B4-BE49-F238E27FC236}">
+                <a16:creationId xmlns:a16="http://schemas.microsoft.com/office/drawing/2014/main" id="{CFFF48BE-642E-43A6-B8F4-449503B354CC}"/>
               </a:ext>
             </a:extLst>
           </p:cNvPr>
@@ -3718,8 +4226,8 @@
         </p:nvSpPr>
         <p:spPr>
           <a:xfrm>
-            <a:off x="10251332" y="4836280"/>
-            <a:ext cx="2070573" cy="369332"/>
+            <a:off x="9966418" y="6399400"/>
+            <a:ext cx="2090179" cy="369332"/>
           </a:xfrm>
           <a:prstGeom prst="rect">
             <a:avLst/>
@@ -3733,6 +4241,14 @@
           <a:lstStyle/>
           <a:p>
             <a:r>
+              <a:rPr kumimoji="1" lang="en-US" altLang="ja-JP">
+                <a:solidFill>
+                  <a:schemeClr val="accent6"/>
+                </a:solidFill>
+              </a:rPr>
+              <a:t>Arc&lt;</a:t>
+            </a:r>
+            <a:r>
               <a:rPr kumimoji="1" lang="en-US" altLang="ja-JP" err="1">
                 <a:solidFill>
                   <a:schemeClr val="accent6"/>
@@ -3762,7 +4278,7 @@
                   <a:schemeClr val="accent6"/>
                 </a:solidFill>
               </a:rPr>
-              <a:t>&gt;</a:t>
+              <a:t>&gt;&gt;</a:t>
             </a:r>
             <a:endParaRPr kumimoji="1" lang="ja-JP" altLang="en-US">
               <a:solidFill>
@@ -3774,10 +4290,10 @@
       </p:sp>
       <p:sp>
         <p:nvSpPr>
-          <p:cNvPr id="19" name="テキスト ボックス 18">
-            <a:extLst>
-              <a:ext uri="{FF2B5EF4-FFF2-40B4-BE49-F238E27FC236}">
-                <a16:creationId xmlns:a16="http://schemas.microsoft.com/office/drawing/2014/main" id="{6ED28D9D-D16D-43B8-B0BA-F7FE63A980FA}"/>
+          <p:cNvPr id="31" name="テキスト ボックス 30">
+            <a:extLst>
+              <a:ext uri="{FF2B5EF4-FFF2-40B4-BE49-F238E27FC236}">
+                <a16:creationId xmlns:a16="http://schemas.microsoft.com/office/drawing/2014/main" id="{DFBCD7E6-BC37-400D-9A06-5DD5234F7D3D}"/>
               </a:ext>
             </a:extLst>
           </p:cNvPr>
@@ -3786,427 +4302,7 @@
         </p:nvSpPr>
         <p:spPr>
           <a:xfrm>
-            <a:off x="10251332" y="2882380"/>
-            <a:ext cx="2070573" cy="369332"/>
-          </a:xfrm>
-          <a:prstGeom prst="rect">
-            <a:avLst/>
-          </a:prstGeom>
-          <a:noFill/>
-        </p:spPr>
-        <p:txBody>
-          <a:bodyPr wrap="square" rtlCol="0">
-            <a:spAutoFit/>
-          </a:bodyPr>
-          <a:lstStyle/>
-          <a:p>
-            <a:r>
-              <a:rPr kumimoji="1" lang="en-US" altLang="ja-JP" err="1">
-                <a:solidFill>
-                  <a:srgbClr val="00B0F0"/>
-                </a:solidFill>
-              </a:rPr>
-              <a:t>Rc</a:t>
-            </a:r>
-            <a:r>
-              <a:rPr kumimoji="1" lang="en-US" altLang="ja-JP">
-                <a:solidFill>
-                  <a:srgbClr val="00B0F0"/>
-                </a:solidFill>
-              </a:rPr>
-              <a:t>&lt;</a:t>
-            </a:r>
-            <a:r>
-              <a:rPr kumimoji="1" lang="en-US" altLang="ja-JP">
-                <a:solidFill>
-                  <a:schemeClr val="bg1">
-                    <a:lumMod val="75000"/>
-                  </a:schemeClr>
-                </a:solidFill>
-              </a:rPr>
-              <a:t>T</a:t>
-            </a:r>
-            <a:r>
-              <a:rPr kumimoji="1" lang="en-US" altLang="ja-JP">
-                <a:solidFill>
-                  <a:srgbClr val="00B0F0"/>
-                </a:solidFill>
-              </a:rPr>
-              <a:t>&gt;</a:t>
-            </a:r>
-            <a:endParaRPr kumimoji="1" lang="ja-JP" altLang="en-US">
-              <a:solidFill>
-                <a:srgbClr val="00B0F0"/>
-              </a:solidFill>
-            </a:endParaRPr>
-          </a:p>
-        </p:txBody>
-      </p:sp>
-      <p:sp>
-        <p:nvSpPr>
-          <p:cNvPr id="21" name="テキスト ボックス 20">
-            <a:extLst>
-              <a:ext uri="{FF2B5EF4-FFF2-40B4-BE49-F238E27FC236}">
-                <a16:creationId xmlns:a16="http://schemas.microsoft.com/office/drawing/2014/main" id="{59A3CC70-B70E-4C02-856E-30F4E06B4BD3}"/>
-              </a:ext>
-            </a:extLst>
-          </p:cNvPr>
-          <p:cNvSpPr txBox="1"/>
-          <p:nvPr/>
-        </p:nvSpPr>
-        <p:spPr>
-          <a:xfrm>
-            <a:off x="10251332" y="3273160"/>
-            <a:ext cx="2070573" cy="369332"/>
-          </a:xfrm>
-          <a:prstGeom prst="rect">
-            <a:avLst/>
-          </a:prstGeom>
-          <a:noFill/>
-        </p:spPr>
-        <p:txBody>
-          <a:bodyPr wrap="square" rtlCol="0">
-            <a:spAutoFit/>
-          </a:bodyPr>
-          <a:lstStyle/>
-          <a:p>
-            <a:r>
-              <a:rPr kumimoji="1" lang="en-US" altLang="ja-JP" err="1">
-                <a:solidFill>
-                  <a:srgbClr val="00B0F0"/>
-                </a:solidFill>
-              </a:rPr>
-              <a:t>Rc</a:t>
-            </a:r>
-            <a:r>
-              <a:rPr kumimoji="1" lang="en-US" altLang="ja-JP">
-                <a:solidFill>
-                  <a:srgbClr val="00B0F0"/>
-                </a:solidFill>
-              </a:rPr>
-              <a:t>&lt;Cell&lt;</a:t>
-            </a:r>
-            <a:r>
-              <a:rPr kumimoji="1" lang="en-US" altLang="ja-JP">
-                <a:solidFill>
-                  <a:schemeClr val="accent4"/>
-                </a:solidFill>
-              </a:rPr>
-              <a:t>T</a:t>
-            </a:r>
-            <a:r>
-              <a:rPr kumimoji="1" lang="en-US" altLang="ja-JP">
-                <a:solidFill>
-                  <a:srgbClr val="00B0F0"/>
-                </a:solidFill>
-              </a:rPr>
-              <a:t>&gt;&gt;</a:t>
-            </a:r>
-            <a:endParaRPr kumimoji="1" lang="ja-JP" altLang="en-US">
-              <a:solidFill>
-                <a:srgbClr val="00B0F0"/>
-              </a:solidFill>
-            </a:endParaRPr>
-          </a:p>
-        </p:txBody>
-      </p:sp>
-      <p:sp>
-        <p:nvSpPr>
-          <p:cNvPr id="23" name="テキスト ボックス 22">
-            <a:extLst>
-              <a:ext uri="{FF2B5EF4-FFF2-40B4-BE49-F238E27FC236}">
-                <a16:creationId xmlns:a16="http://schemas.microsoft.com/office/drawing/2014/main" id="{B34634D4-E6E5-4598-8416-1DA736BFC335}"/>
-              </a:ext>
-            </a:extLst>
-          </p:cNvPr>
-          <p:cNvSpPr txBox="1"/>
-          <p:nvPr/>
-        </p:nvSpPr>
-        <p:spPr>
-          <a:xfrm>
-            <a:off x="10251332" y="3663940"/>
-            <a:ext cx="2070573" cy="369332"/>
-          </a:xfrm>
-          <a:prstGeom prst="rect">
-            <a:avLst/>
-          </a:prstGeom>
-          <a:noFill/>
-        </p:spPr>
-        <p:txBody>
-          <a:bodyPr wrap="square" rtlCol="0">
-            <a:spAutoFit/>
-          </a:bodyPr>
-          <a:lstStyle/>
-          <a:p>
-            <a:r>
-              <a:rPr kumimoji="1" lang="en-US" altLang="ja-JP" err="1">
-                <a:solidFill>
-                  <a:srgbClr val="00B0F0"/>
-                </a:solidFill>
-              </a:rPr>
-              <a:t>Rc</a:t>
-            </a:r>
-            <a:r>
-              <a:rPr kumimoji="1" lang="en-US" altLang="ja-JP">
-                <a:solidFill>
-                  <a:srgbClr val="00B0F0"/>
-                </a:solidFill>
-              </a:rPr>
-              <a:t>&lt;</a:t>
-            </a:r>
-            <a:r>
-              <a:rPr kumimoji="1" lang="en-US" altLang="ja-JP" err="1">
-                <a:solidFill>
-                  <a:srgbClr val="00B0F0"/>
-                </a:solidFill>
-              </a:rPr>
-              <a:t>RefCell</a:t>
-            </a:r>
-            <a:r>
-              <a:rPr kumimoji="1" lang="en-US" altLang="ja-JP">
-                <a:solidFill>
-                  <a:srgbClr val="00B0F0"/>
-                </a:solidFill>
-              </a:rPr>
-              <a:t>&lt;</a:t>
-            </a:r>
-            <a:r>
-              <a:rPr kumimoji="1" lang="en-US" altLang="ja-JP">
-                <a:solidFill>
-                  <a:schemeClr val="accent4"/>
-                </a:solidFill>
-              </a:rPr>
-              <a:t>T</a:t>
-            </a:r>
-            <a:r>
-              <a:rPr kumimoji="1" lang="en-US" altLang="ja-JP">
-                <a:solidFill>
-                  <a:srgbClr val="00B0F0"/>
-                </a:solidFill>
-              </a:rPr>
-              <a:t>&gt;&gt;</a:t>
-            </a:r>
-            <a:endParaRPr kumimoji="1" lang="ja-JP" altLang="en-US">
-              <a:solidFill>
-                <a:srgbClr val="00B0F0"/>
-              </a:solidFill>
-            </a:endParaRPr>
-          </a:p>
-        </p:txBody>
-      </p:sp>
-      <p:sp>
-        <p:nvSpPr>
-          <p:cNvPr id="25" name="テキスト ボックス 24">
-            <a:extLst>
-              <a:ext uri="{FF2B5EF4-FFF2-40B4-BE49-F238E27FC236}">
-                <a16:creationId xmlns:a16="http://schemas.microsoft.com/office/drawing/2014/main" id="{080D8927-B900-4E19-A9CB-C092D81DFB69}"/>
-              </a:ext>
-            </a:extLst>
-          </p:cNvPr>
-          <p:cNvSpPr txBox="1"/>
-          <p:nvPr/>
-        </p:nvSpPr>
-        <p:spPr>
-          <a:xfrm>
-            <a:off x="10251332" y="5227060"/>
-            <a:ext cx="2070573" cy="369332"/>
-          </a:xfrm>
-          <a:prstGeom prst="rect">
-            <a:avLst/>
-          </a:prstGeom>
-          <a:noFill/>
-        </p:spPr>
-        <p:txBody>
-          <a:bodyPr wrap="square" rtlCol="0">
-            <a:spAutoFit/>
-          </a:bodyPr>
-          <a:lstStyle/>
-          <a:p>
-            <a:r>
-              <a:rPr kumimoji="1" lang="en-US" altLang="ja-JP">
-                <a:solidFill>
-                  <a:schemeClr val="accent6"/>
-                </a:solidFill>
-              </a:rPr>
-              <a:t>Arc&lt;</a:t>
-            </a:r>
-            <a:r>
-              <a:rPr kumimoji="1" lang="en-US" altLang="ja-JP">
-                <a:solidFill>
-                  <a:schemeClr val="bg1">
-                    <a:lumMod val="75000"/>
-                  </a:schemeClr>
-                </a:solidFill>
-              </a:rPr>
-              <a:t>T</a:t>
-            </a:r>
-            <a:r>
-              <a:rPr kumimoji="1" lang="en-US" altLang="ja-JP">
-                <a:solidFill>
-                  <a:schemeClr val="accent6"/>
-                </a:solidFill>
-              </a:rPr>
-              <a:t>&gt;</a:t>
-            </a:r>
-            <a:endParaRPr kumimoji="1" lang="ja-JP" altLang="en-US">
-              <a:solidFill>
-                <a:schemeClr val="accent6"/>
-              </a:solidFill>
-            </a:endParaRPr>
-          </a:p>
-        </p:txBody>
-      </p:sp>
-      <p:sp>
-        <p:nvSpPr>
-          <p:cNvPr id="27" name="テキスト ボックス 26">
-            <a:extLst>
-              <a:ext uri="{FF2B5EF4-FFF2-40B4-BE49-F238E27FC236}">
-                <a16:creationId xmlns:a16="http://schemas.microsoft.com/office/drawing/2014/main" id="{E3FEF7C4-BBFC-4978-8BD4-60B7C5AE4C0B}"/>
-              </a:ext>
-            </a:extLst>
-          </p:cNvPr>
-          <p:cNvSpPr txBox="1"/>
-          <p:nvPr/>
-        </p:nvSpPr>
-        <p:spPr>
-          <a:xfrm>
-            <a:off x="10251332" y="6008620"/>
-            <a:ext cx="2070573" cy="369332"/>
-          </a:xfrm>
-          <a:prstGeom prst="rect">
-            <a:avLst/>
-          </a:prstGeom>
-          <a:noFill/>
-        </p:spPr>
-        <p:txBody>
-          <a:bodyPr wrap="square" rtlCol="0">
-            <a:spAutoFit/>
-          </a:bodyPr>
-          <a:lstStyle/>
-          <a:p>
-            <a:r>
-              <a:rPr kumimoji="1" lang="en-US" altLang="ja-JP">
-                <a:solidFill>
-                  <a:schemeClr val="accent6"/>
-                </a:solidFill>
-              </a:rPr>
-              <a:t>Arc&lt;Mutex&lt;</a:t>
-            </a:r>
-            <a:r>
-              <a:rPr kumimoji="1" lang="en-US" altLang="ja-JP">
-                <a:solidFill>
-                  <a:schemeClr val="accent4"/>
-                </a:solidFill>
-              </a:rPr>
-              <a:t>T</a:t>
-            </a:r>
-            <a:r>
-              <a:rPr kumimoji="1" lang="en-US" altLang="ja-JP">
-                <a:solidFill>
-                  <a:schemeClr val="accent6"/>
-                </a:solidFill>
-              </a:rPr>
-              <a:t>&gt;&gt;</a:t>
-            </a:r>
-            <a:endParaRPr kumimoji="1" lang="ja-JP" altLang="en-US">
-              <a:solidFill>
-                <a:schemeClr val="accent6"/>
-              </a:solidFill>
-            </a:endParaRPr>
-          </a:p>
-        </p:txBody>
-      </p:sp>
-      <p:sp>
-        <p:nvSpPr>
-          <p:cNvPr id="29" name="テキスト ボックス 28">
-            <a:extLst>
-              <a:ext uri="{FF2B5EF4-FFF2-40B4-BE49-F238E27FC236}">
-                <a16:creationId xmlns:a16="http://schemas.microsoft.com/office/drawing/2014/main" id="{CFFF48BE-642E-43A6-B8F4-449503B354CC}"/>
-              </a:ext>
-            </a:extLst>
-          </p:cNvPr>
-          <p:cNvSpPr txBox="1"/>
-          <p:nvPr/>
-        </p:nvSpPr>
-        <p:spPr>
-          <a:xfrm>
-            <a:off x="10251332" y="6399400"/>
-            <a:ext cx="2070573" cy="369332"/>
-          </a:xfrm>
-          <a:prstGeom prst="rect">
-            <a:avLst/>
-          </a:prstGeom>
-          <a:noFill/>
-        </p:spPr>
-        <p:txBody>
-          <a:bodyPr wrap="square" rtlCol="0">
-            <a:spAutoFit/>
-          </a:bodyPr>
-          <a:lstStyle/>
-          <a:p>
-            <a:r>
-              <a:rPr kumimoji="1" lang="en-US" altLang="ja-JP">
-                <a:solidFill>
-                  <a:schemeClr val="accent6"/>
-                </a:solidFill>
-              </a:rPr>
-              <a:t>Arc&lt;</a:t>
-            </a:r>
-            <a:r>
-              <a:rPr kumimoji="1" lang="en-US" altLang="ja-JP" err="1">
-                <a:solidFill>
-                  <a:schemeClr val="accent6"/>
-                </a:solidFill>
-              </a:rPr>
-              <a:t>RwLock</a:t>
-            </a:r>
-            <a:r>
-              <a:rPr kumimoji="1" lang="en-US" altLang="ja-JP">
-                <a:solidFill>
-                  <a:schemeClr val="accent6"/>
-                </a:solidFill>
-              </a:rPr>
-              <a:t>&lt;</a:t>
-            </a:r>
-            <a:r>
-              <a:rPr kumimoji="1" lang="en-US" altLang="ja-JP">
-                <a:solidFill>
-                  <a:schemeClr val="accent4"/>
-                </a:solidFill>
-              </a:rPr>
-              <a:t>T</a:t>
-            </a:r>
-            <a:r>
-              <a:rPr kumimoji="1" lang="en-US" altLang="ja-JP">
-                <a:solidFill>
-                  <a:schemeClr val="accent6"/>
-                </a:solidFill>
-              </a:rPr>
-              <a:t>&gt;&gt;</a:t>
-            </a:r>
-            <a:endParaRPr kumimoji="1" lang="ja-JP" altLang="en-US">
-              <a:solidFill>
-                <a:schemeClr val="accent6"/>
-              </a:solidFill>
-            </a:endParaRPr>
-          </a:p>
-        </p:txBody>
-      </p:sp>
-      <p:sp>
-        <p:nvSpPr>
-          <p:cNvPr id="31" name="テキスト ボックス 30">
-            <a:extLst>
-              <a:ext uri="{FF2B5EF4-FFF2-40B4-BE49-F238E27FC236}">
-                <a16:creationId xmlns:a16="http://schemas.microsoft.com/office/drawing/2014/main" id="{DFBCD7E6-BC37-400D-9A06-5DD5234F7D3D}"/>
-              </a:ext>
-            </a:extLst>
-          </p:cNvPr>
-          <p:cNvSpPr txBox="1"/>
-          <p:nvPr/>
-        </p:nvSpPr>
-        <p:spPr>
-          <a:xfrm>
-            <a:off x="8054323" y="6010724"/>
+            <a:off x="7894048" y="6010724"/>
             <a:ext cx="640080" cy="369332"/>
           </a:xfrm>
           <a:prstGeom prst="rect">
@@ -4277,7 +4373,7 @@
         </p:nvSpPr>
         <p:spPr>
           <a:xfrm>
-            <a:off x="4021720" y="5224516"/>
+            <a:off x="3963432" y="5224516"/>
             <a:ext cx="978538" cy="369332"/>
           </a:xfrm>
           <a:prstGeom prst="rect">
@@ -4477,7 +4573,7 @@
         <p:spPr>
           <a:xfrm>
             <a:off x="3017523" y="4621785"/>
-            <a:ext cx="2471609" cy="2872"/>
+            <a:ext cx="2311334" cy="2872"/>
           </a:xfrm>
           <a:prstGeom prst="bentConnector3">
             <a:avLst>
@@ -4526,8 +4622,8 @@
         </p:nvCxnSpPr>
         <p:spPr>
           <a:xfrm rot="16200000" flipH="1">
-            <a:off x="2917805" y="4305266"/>
-            <a:ext cx="602731" cy="1605099"/>
+            <a:off x="2888661" y="4334410"/>
+            <a:ext cx="602731" cy="1546811"/>
           </a:xfrm>
           <a:prstGeom prst="bentConnector2">
             <a:avLst/>
@@ -4616,7 +4712,7 @@
         </p:nvSpPr>
         <p:spPr>
           <a:xfrm>
-            <a:off x="4419169" y="6112418"/>
+            <a:off x="4360881" y="6112418"/>
             <a:ext cx="798617" cy="369332"/>
           </a:xfrm>
           <a:prstGeom prst="rect">
@@ -4806,57 +4902,6 @@
       </p:cxnSp>
       <p:cxnSp>
         <p:nvCxnSpPr>
-          <p:cNvPr id="67" name="コネクタ: カギ線 66">
-            <a:extLst>
-              <a:ext uri="{FF2B5EF4-FFF2-40B4-BE49-F238E27FC236}">
-                <a16:creationId xmlns:a16="http://schemas.microsoft.com/office/drawing/2014/main" id="{61F1768A-F3D5-4FEE-8EDF-FD03934B7A31}"/>
-              </a:ext>
-            </a:extLst>
-          </p:cNvPr>
-          <p:cNvCxnSpPr>
-            <a:cxnSpLocks/>
-            <a:stCxn id="1017" idx="0"/>
-            <a:endCxn id="181" idx="1"/>
-          </p:cNvCxnSpPr>
-          <p:nvPr/>
-        </p:nvCxnSpPr>
-        <p:spPr>
-          <a:xfrm rot="16200000" flipV="1">
-            <a:off x="10345322" y="561996"/>
-            <a:ext cx="732987" cy="920965"/>
-          </a:xfrm>
-          <a:prstGeom prst="bentConnector4">
-            <a:avLst>
-              <a:gd name="adj1" fmla="val 37403"/>
-              <a:gd name="adj2" fmla="val 250310"/>
-            </a:avLst>
-          </a:prstGeom>
-          <a:ln w="9525">
-            <a:solidFill>
-              <a:srgbClr val="6600CC"/>
-            </a:solidFill>
-            <a:prstDash val="lgDash"/>
-            <a:headEnd type="triangle" w="med" len="med"/>
-            <a:tailEnd type="triangle" w="med" len="med"/>
-          </a:ln>
-        </p:spPr>
-        <p:style>
-          <a:lnRef idx="1">
-            <a:schemeClr val="accent1"/>
-          </a:lnRef>
-          <a:fillRef idx="0">
-            <a:schemeClr val="accent1"/>
-          </a:fillRef>
-          <a:effectRef idx="0">
-            <a:schemeClr val="accent1"/>
-          </a:effectRef>
-          <a:fontRef idx="minor">
-            <a:schemeClr val="tx1"/>
-          </a:fontRef>
-        </p:style>
-      </p:cxnSp>
-      <p:cxnSp>
-        <p:nvCxnSpPr>
           <p:cNvPr id="69" name="コネクタ: カギ線 68">
             <a:extLst>
               <a:ext uri="{FF2B5EF4-FFF2-40B4-BE49-F238E27FC236}">
@@ -4873,8 +4918,8 @@
         </p:nvCxnSpPr>
         <p:spPr>
           <a:xfrm rot="16200000" flipH="1">
-            <a:off x="4699599" y="5405237"/>
-            <a:ext cx="600923" cy="978143"/>
+            <a:off x="4590318" y="5456231"/>
+            <a:ext cx="600923" cy="876156"/>
           </a:xfrm>
           <a:prstGeom prst="bentConnector2">
             <a:avLst/>
@@ -4919,8 +4964,8 @@
         </p:nvCxnSpPr>
         <p:spPr>
           <a:xfrm>
-            <a:off x="5000258" y="5409182"/>
-            <a:ext cx="5251074" cy="2544"/>
+            <a:off x="4941970" y="5409182"/>
+            <a:ext cx="5024448" cy="2544"/>
           </a:xfrm>
           <a:prstGeom prst="bentConnector3">
             <a:avLst/>
@@ -4963,7 +5008,7 @@
         </p:nvSpPr>
         <p:spPr>
           <a:xfrm>
-            <a:off x="8032216" y="3661128"/>
+            <a:off x="7871941" y="3661128"/>
             <a:ext cx="627864" cy="369332"/>
           </a:xfrm>
           <a:prstGeom prst="rect">
@@ -5020,8 +5065,8 @@
         </p:nvCxnSpPr>
         <p:spPr>
           <a:xfrm rot="5400000" flipH="1" flipV="1">
-            <a:off x="9194827" y="1436808"/>
-            <a:ext cx="207827" cy="1905184"/>
+            <a:off x="8970907" y="1109560"/>
+            <a:ext cx="210476" cy="1780545"/>
           </a:xfrm>
           <a:prstGeom prst="bentConnector2">
             <a:avLst/>
@@ -5066,8 +5111,8 @@
         </p:nvCxnSpPr>
         <p:spPr>
           <a:xfrm>
-            <a:off x="5027560" y="3065915"/>
-            <a:ext cx="5223772" cy="1131"/>
+            <a:off x="4969272" y="3065915"/>
+            <a:ext cx="4997146" cy="1131"/>
           </a:xfrm>
           <a:prstGeom prst="bentConnector3">
             <a:avLst>
@@ -5112,7 +5157,7 @@
         </p:nvSpPr>
         <p:spPr>
           <a:xfrm>
-            <a:off x="4987988" y="5096144"/>
+            <a:off x="4929700" y="5096144"/>
             <a:ext cx="1433790" cy="369332"/>
           </a:xfrm>
           <a:prstGeom prst="rect">
@@ -5160,7 +5205,7 @@
         </p:nvSpPr>
         <p:spPr>
           <a:xfrm>
-            <a:off x="5489132" y="6010105"/>
+            <a:off x="5328857" y="6010105"/>
             <a:ext cx="604653" cy="369332"/>
           </a:xfrm>
           <a:prstGeom prst="rect">
@@ -5213,7 +5258,7 @@
         </p:nvSpPr>
         <p:spPr>
           <a:xfrm>
-            <a:off x="4019085" y="1358830"/>
+            <a:off x="3960797" y="1358830"/>
             <a:ext cx="939553" cy="369332"/>
           </a:xfrm>
           <a:prstGeom prst="rect">
@@ -5301,36 +5346,14 @@
             <a:r>
               <a:rPr lang="en-US" altLang="ja-JP">
                 <a:solidFill>
-                  <a:schemeClr val="accent6">
-                    <a:lumMod val="75000"/>
-                  </a:schemeClr>
-                </a:solidFill>
-              </a:rPr>
-              <a:t>&lt;</a:t>
-            </a:r>
-            <a:r>
-              <a:rPr lang="en-US" altLang="ja-JP">
-                <a:solidFill>
                   <a:schemeClr val="accent6"/>
                 </a:solidFill>
               </a:rPr>
-              <a:t>multiple</a:t>
-            </a:r>
-            <a:r>
-              <a:rPr lang="en-US" altLang="ja-JP">
-                <a:solidFill>
-                  <a:schemeClr val="accent6">
-                    <a:lumMod val="75000"/>
-                  </a:schemeClr>
-                </a:solidFill>
-              </a:rPr>
-              <a:t>&gt;</a:t>
+              <a:t>&lt;multiple&gt;</a:t>
             </a:r>
             <a:endParaRPr kumimoji="1" lang="ja-JP" altLang="en-US">
               <a:solidFill>
-                <a:schemeClr val="accent6">
-                  <a:lumMod val="75000"/>
-                </a:schemeClr>
+                <a:schemeClr val="accent6"/>
               </a:solidFill>
             </a:endParaRPr>
           </a:p>
@@ -5348,14 +5371,14 @@
           <p:cNvCxnSpPr>
             <a:cxnSpLocks/>
             <a:stCxn id="119" idx="3"/>
-            <a:endCxn id="5" idx="1"/>
+            <a:endCxn id="730" idx="1"/>
           </p:cNvCxnSpPr>
           <p:nvPr/>
         </p:nvCxnSpPr>
         <p:spPr>
-          <a:xfrm>
-            <a:off x="4958638" y="1543496"/>
-            <a:ext cx="5292694" cy="1870"/>
+          <a:xfrm flipV="1">
+            <a:off x="4900350" y="1543192"/>
+            <a:ext cx="792996" cy="304"/>
           </a:xfrm>
           <a:prstGeom prst="bentConnector3">
             <a:avLst>
@@ -5400,8 +5423,8 @@
         </p:nvSpPr>
         <p:spPr>
           <a:xfrm>
-            <a:off x="10251332" y="107497"/>
-            <a:ext cx="1716196" cy="369332"/>
+            <a:off x="9966417" y="107497"/>
+            <a:ext cx="2090179" cy="369332"/>
           </a:xfrm>
           <a:prstGeom prst="rect">
             <a:avLst/>
@@ -5417,42 +5440,226 @@
             <a:r>
               <a:rPr kumimoji="1" lang="en-US" altLang="ja-JP">
                 <a:solidFill>
+                  <a:srgbClr val="996633"/>
+                </a:solidFill>
+              </a:rPr>
+              <a:t>&amp;</a:t>
+            </a:r>
+            <a:r>
+              <a:rPr kumimoji="1" lang="en-US" altLang="ja-JP">
+                <a:solidFill>
                   <a:schemeClr val="bg1">
                     <a:lumMod val="75000"/>
                   </a:schemeClr>
                 </a:solidFill>
               </a:rPr>
-              <a:t>&amp;T </a:t>
+              <a:t>T </a:t>
             </a:r>
             <a:r>
               <a:rPr kumimoji="1" lang="ja-JP" altLang="en-US">
+                <a:solidFill>
+                  <a:srgbClr val="818181"/>
+                </a:solidFill>
+              </a:rPr>
+              <a:t>≈ </a:t>
+            </a:r>
+            <a:r>
+              <a:rPr kumimoji="1" lang="en-US" altLang="ja-JP">
+                <a:solidFill>
+                  <a:srgbClr val="818181"/>
+                </a:solidFill>
+              </a:rPr>
+              <a:t>*const T</a:t>
+            </a:r>
+          </a:p>
+        </p:txBody>
+      </p:sp>
+      <p:sp>
+        <p:nvSpPr>
+          <p:cNvPr id="169" name="テキスト ボックス 168">
+            <a:extLst>
+              <a:ext uri="{FF2B5EF4-FFF2-40B4-BE49-F238E27FC236}">
+                <a16:creationId xmlns:a16="http://schemas.microsoft.com/office/drawing/2014/main" id="{5708A2F5-938A-43D7-BA16-96C1B47AFAD8}"/>
+              </a:ext>
+            </a:extLst>
+          </p:cNvPr>
+          <p:cNvSpPr txBox="1"/>
+          <p:nvPr/>
+        </p:nvSpPr>
+        <p:spPr>
+          <a:xfrm>
+            <a:off x="9966417" y="2496312"/>
+            <a:ext cx="2090179" cy="369332"/>
+          </a:xfrm>
+          <a:prstGeom prst="rect">
+            <a:avLst/>
+          </a:prstGeom>
+          <a:noFill/>
+        </p:spPr>
+        <p:txBody>
+          <a:bodyPr wrap="square" rtlCol="0">
+            <a:spAutoFit/>
+          </a:bodyPr>
+          <a:lstStyle/>
+          <a:p>
+            <a:r>
+              <a:rPr kumimoji="1" lang="en-US" altLang="ja-JP">
+                <a:solidFill>
+                  <a:srgbClr val="00B0F0"/>
+                </a:solidFill>
+              </a:rPr>
+              <a:t>Box&lt;</a:t>
+            </a:r>
+            <a:r>
+              <a:rPr kumimoji="1" lang="en-US" altLang="ja-JP">
+                <a:solidFill>
+                  <a:schemeClr val="bg1">
+                    <a:lumMod val="75000"/>
+                  </a:schemeClr>
+                </a:solidFill>
+              </a:rPr>
+              <a:t>T</a:t>
+            </a:r>
+            <a:r>
+              <a:rPr kumimoji="1" lang="en-US" altLang="ja-JP">
+                <a:solidFill>
+                  <a:srgbClr val="00B0F0"/>
+                </a:solidFill>
+              </a:rPr>
+              <a:t>&gt; </a:t>
+            </a:r>
+            <a:r>
+              <a:rPr kumimoji="1" lang="en-US" altLang="ja-JP">
+                <a:solidFill>
+                  <a:srgbClr val="818181"/>
+                </a:solidFill>
+              </a:rPr>
+              <a:t>or</a:t>
+            </a:r>
+            <a:r>
+              <a:rPr kumimoji="1" lang="en-US" altLang="ja-JP">
+                <a:solidFill>
+                  <a:srgbClr val="00B0F0"/>
+                </a:solidFill>
+              </a:rPr>
+              <a:t> </a:t>
+            </a:r>
+            <a:r>
+              <a:rPr kumimoji="1" lang="en-US" altLang="ja-JP">
+                <a:solidFill>
+                  <a:schemeClr val="accent4"/>
+                </a:solidFill>
+              </a:rPr>
+              <a:t>mut</a:t>
+            </a:r>
+            <a:r>
+              <a:rPr kumimoji="1" lang="en-US" altLang="ja-JP" baseline="30000">
+                <a:solidFill>
+                  <a:srgbClr val="818181"/>
+                </a:solidFill>
+              </a:rPr>
+              <a:t>(†1)</a:t>
+            </a:r>
+            <a:endParaRPr kumimoji="1" lang="ja-JP" altLang="en-US">
+              <a:solidFill>
+                <a:srgbClr val="818181"/>
+              </a:solidFill>
+            </a:endParaRPr>
+          </a:p>
+        </p:txBody>
+      </p:sp>
+      <p:sp>
+        <p:nvSpPr>
+          <p:cNvPr id="181" name="テキスト ボックス 180">
+            <a:extLst>
+              <a:ext uri="{FF2B5EF4-FFF2-40B4-BE49-F238E27FC236}">
+                <a16:creationId xmlns:a16="http://schemas.microsoft.com/office/drawing/2014/main" id="{A123369A-1817-491D-89F3-44C96E8C9E71}"/>
+              </a:ext>
+            </a:extLst>
+          </p:cNvPr>
+          <p:cNvSpPr txBox="1"/>
+          <p:nvPr/>
+        </p:nvSpPr>
+        <p:spPr>
+          <a:xfrm>
+            <a:off x="9966417" y="471319"/>
+            <a:ext cx="2090179" cy="369332"/>
+          </a:xfrm>
+          <a:prstGeom prst="rect">
+            <a:avLst/>
+          </a:prstGeom>
+          <a:noFill/>
+        </p:spPr>
+        <p:txBody>
+          <a:bodyPr wrap="square" rtlCol="0">
+            <a:spAutoFit/>
+          </a:bodyPr>
+          <a:lstStyle/>
+          <a:p>
+            <a:r>
+              <a:rPr kumimoji="1" lang="en-US" altLang="ja-JP">
+                <a:solidFill>
+                  <a:srgbClr val="996633"/>
+                </a:solidFill>
+              </a:rPr>
+              <a:t>&amp;</a:t>
+            </a:r>
+            <a:r>
+              <a:rPr kumimoji="1" lang="en-US" altLang="ja-JP">
+                <a:solidFill>
+                  <a:schemeClr val="accent4"/>
+                </a:solidFill>
+              </a:rPr>
+              <a:t>mut T</a:t>
+            </a:r>
+            <a:r>
+              <a:rPr kumimoji="1" lang="en-US" altLang="ja-JP">
                 <a:solidFill>
                   <a:schemeClr val="bg2">
                     <a:lumMod val="50000"/>
                   </a:schemeClr>
                 </a:solidFill>
               </a:rPr>
+              <a:t> </a:t>
+            </a:r>
+            <a:r>
+              <a:rPr kumimoji="1" lang="ja-JP" altLang="en-US">
+                <a:solidFill>
+                  <a:srgbClr val="818181"/>
+                </a:solidFill>
+              </a:rPr>
               <a:t>≈ </a:t>
             </a:r>
             <a:r>
               <a:rPr kumimoji="1" lang="en-US" altLang="ja-JP">
                 <a:solidFill>
-                  <a:schemeClr val="bg2">
-                    <a:lumMod val="50000"/>
-                  </a:schemeClr>
-                </a:solidFill>
-              </a:rPr>
-              <a:t>*const T</a:t>
-            </a:r>
-          </a:p>
-        </p:txBody>
-      </p:sp>
-      <p:sp>
-        <p:nvSpPr>
-          <p:cNvPr id="169" name="テキスト ボックス 168">
-            <a:extLst>
-              <a:ext uri="{FF2B5EF4-FFF2-40B4-BE49-F238E27FC236}">
-                <a16:creationId xmlns:a16="http://schemas.microsoft.com/office/drawing/2014/main" id="{5708A2F5-938A-43D7-BA16-96C1B47AFAD8}"/>
+                  <a:srgbClr val="818181"/>
+                </a:solidFill>
+              </a:rPr>
+              <a:t>*mut T </a:t>
+            </a:r>
+            <a:r>
+              <a:rPr kumimoji="1" lang="en-US" altLang="ja-JP" baseline="30000">
+                <a:solidFill>
+                  <a:srgbClr val="818181"/>
+                </a:solidFill>
+              </a:rPr>
+              <a:t>(†1)</a:t>
+            </a:r>
+            <a:endParaRPr kumimoji="1" lang="ja-JP" altLang="en-US">
+              <a:solidFill>
+                <a:srgbClr val="818181"/>
+              </a:solidFill>
+            </a:endParaRPr>
+          </a:p>
+        </p:txBody>
+      </p:sp>
+      <p:sp>
+        <p:nvSpPr>
+          <p:cNvPr id="183" name="テキスト ボックス 182">
+            <a:extLst>
+              <a:ext uri="{FF2B5EF4-FFF2-40B4-BE49-F238E27FC236}">
+                <a16:creationId xmlns:a16="http://schemas.microsoft.com/office/drawing/2014/main" id="{5D586BE9-E8C4-47D4-8AA0-A719D185CAA7}"/>
               </a:ext>
             </a:extLst>
           </p:cNvPr>
@@ -5461,185 +5668,28 @@
         </p:nvSpPr>
         <p:spPr>
           <a:xfrm>
-            <a:off x="10251332" y="1710040"/>
-            <a:ext cx="2570588" cy="369332"/>
+            <a:off x="4891609" y="1218230"/>
+            <a:ext cx="889411" cy="369332"/>
           </a:xfrm>
           <a:prstGeom prst="rect">
             <a:avLst/>
           </a:prstGeom>
-          <a:noFill/>
-        </p:spPr>
-        <p:txBody>
-          <a:bodyPr wrap="square" rtlCol="0">
+        </p:spPr>
+        <p:txBody>
+          <a:bodyPr wrap="none" rtlCol="0">
             <a:spAutoFit/>
           </a:bodyPr>
           <a:lstStyle/>
           <a:p>
             <a:r>
-              <a:rPr kumimoji="1" lang="en-US" altLang="ja-JP">
-                <a:solidFill>
-                  <a:srgbClr val="00B0F0"/>
-                </a:solidFill>
-              </a:rPr>
-              <a:t>Box&lt;</a:t>
-            </a:r>
-            <a:r>
-              <a:rPr kumimoji="1" lang="en-US" altLang="ja-JP">
+              <a:rPr lang="en-US" altLang="ja-JP">
                 <a:solidFill>
                   <a:schemeClr val="bg1">
                     <a:lumMod val="75000"/>
                   </a:schemeClr>
                 </a:solidFill>
               </a:rPr>
-              <a:t>T</a:t>
-            </a:r>
-            <a:r>
-              <a:rPr kumimoji="1" lang="en-US" altLang="ja-JP">
-                <a:solidFill>
-                  <a:srgbClr val="00B0F0"/>
-                </a:solidFill>
-              </a:rPr>
-              <a:t>&gt; </a:t>
-            </a:r>
-            <a:r>
-              <a:rPr kumimoji="1" lang="en-US" altLang="ja-JP">
-                <a:solidFill>
-                  <a:schemeClr val="bg2">
-                    <a:lumMod val="50000"/>
-                  </a:schemeClr>
-                </a:solidFill>
-              </a:rPr>
-              <a:t>or</a:t>
-            </a:r>
-            <a:r>
-              <a:rPr kumimoji="1" lang="en-US" altLang="ja-JP">
-                <a:solidFill>
-                  <a:srgbClr val="00B0F0"/>
-                </a:solidFill>
-              </a:rPr>
-              <a:t> </a:t>
-            </a:r>
-            <a:r>
-              <a:rPr kumimoji="1" lang="en-US" altLang="ja-JP">
-                <a:solidFill>
-                  <a:schemeClr val="accent4"/>
-                </a:solidFill>
-              </a:rPr>
-              <a:t>mut</a:t>
-            </a:r>
-            <a:r>
-              <a:rPr kumimoji="1" lang="en-US" altLang="ja-JP" baseline="30000">
-                <a:solidFill>
-                  <a:schemeClr val="bg2">
-                    <a:lumMod val="50000"/>
-                  </a:schemeClr>
-                </a:solidFill>
-              </a:rPr>
-              <a:t>(†1)</a:t>
-            </a:r>
-            <a:endParaRPr kumimoji="1" lang="ja-JP" altLang="en-US">
-              <a:solidFill>
-                <a:schemeClr val="accent4"/>
-              </a:solidFill>
-            </a:endParaRPr>
-          </a:p>
-        </p:txBody>
-      </p:sp>
-      <p:sp>
-        <p:nvSpPr>
-          <p:cNvPr id="181" name="テキスト ボックス 180">
-            <a:extLst>
-              <a:ext uri="{FF2B5EF4-FFF2-40B4-BE49-F238E27FC236}">
-                <a16:creationId xmlns:a16="http://schemas.microsoft.com/office/drawing/2014/main" id="{A123369A-1817-491D-89F3-44C96E8C9E71}"/>
-              </a:ext>
-            </a:extLst>
-          </p:cNvPr>
-          <p:cNvSpPr txBox="1"/>
-          <p:nvPr/>
-        </p:nvSpPr>
-        <p:spPr>
-          <a:xfrm>
-            <a:off x="10251332" y="471319"/>
-            <a:ext cx="2070573" cy="369332"/>
-          </a:xfrm>
-          <a:prstGeom prst="rect">
-            <a:avLst/>
-          </a:prstGeom>
-          <a:noFill/>
-        </p:spPr>
-        <p:txBody>
-          <a:bodyPr wrap="square" rtlCol="0">
-            <a:spAutoFit/>
-          </a:bodyPr>
-          <a:lstStyle/>
-          <a:p>
-            <a:r>
-              <a:rPr kumimoji="1" lang="en-US" altLang="ja-JP">
-                <a:solidFill>
-                  <a:schemeClr val="bg1">
-                    <a:lumMod val="75000"/>
-                  </a:schemeClr>
-                </a:solidFill>
-              </a:rPr>
-              <a:t>&amp;</a:t>
-            </a:r>
-            <a:r>
-              <a:rPr kumimoji="1" lang="en-US" altLang="ja-JP">
-                <a:solidFill>
-                  <a:schemeClr val="accent4"/>
-                </a:solidFill>
-              </a:rPr>
-              <a:t>mut T</a:t>
-            </a:r>
-            <a:r>
-              <a:rPr kumimoji="1" lang="en-US" altLang="ja-JP">
-                <a:solidFill>
-                  <a:schemeClr val="bg2">
-                    <a:lumMod val="50000"/>
-                  </a:schemeClr>
-                </a:solidFill>
-              </a:rPr>
-              <a:t> </a:t>
-            </a:r>
-            <a:r>
-              <a:rPr kumimoji="1" lang="ja-JP" altLang="en-US">
-                <a:solidFill>
-                  <a:schemeClr val="bg2">
-                    <a:lumMod val="50000"/>
-                  </a:schemeClr>
-                </a:solidFill>
-              </a:rPr>
-              <a:t>≈ </a:t>
-            </a:r>
-            <a:r>
-              <a:rPr kumimoji="1" lang="en-US" altLang="ja-JP">
-                <a:solidFill>
-                  <a:schemeClr val="bg2">
-                    <a:lumMod val="50000"/>
-                  </a:schemeClr>
-                </a:solidFill>
-              </a:rPr>
-              <a:t>*mut T</a:t>
-            </a:r>
-            <a:r>
-              <a:rPr kumimoji="1" lang="en-US" altLang="ja-JP">
-                <a:solidFill>
-                  <a:schemeClr val="bg1">
-                    <a:lumMod val="75000"/>
-                  </a:schemeClr>
-                </a:solidFill>
-              </a:rPr>
-              <a:t> </a:t>
-            </a:r>
-            <a:r>
-              <a:rPr kumimoji="1" lang="en-US" altLang="ja-JP" baseline="30000">
-                <a:solidFill>
-                  <a:schemeClr val="bg2">
-                    <a:lumMod val="50000"/>
-                  </a:schemeClr>
-                </a:solidFill>
-              </a:rPr>
-              <a:t>(†1)</a:t>
+              <a:t>&lt;stack&gt;</a:t>
             </a:r>
             <a:endParaRPr kumimoji="1" lang="ja-JP" altLang="en-US">
               <a:solidFill>
@@ -5653,10 +5703,10 @@
       </p:sp>
       <p:sp>
         <p:nvSpPr>
-          <p:cNvPr id="183" name="テキスト ボックス 182">
-            <a:extLst>
-              <a:ext uri="{FF2B5EF4-FFF2-40B4-BE49-F238E27FC236}">
-                <a16:creationId xmlns:a16="http://schemas.microsoft.com/office/drawing/2014/main" id="{5D586BE9-E8C4-47D4-8AA0-A719D185CAA7}"/>
+          <p:cNvPr id="185" name="テキスト ボックス 184">
+            <a:extLst>
+              <a:ext uri="{FF2B5EF4-FFF2-40B4-BE49-F238E27FC236}">
+                <a16:creationId xmlns:a16="http://schemas.microsoft.com/office/drawing/2014/main" id="{07252E8E-9C58-4A3F-A4FF-6E75CD24313B}"/>
               </a:ext>
             </a:extLst>
           </p:cNvPr>
@@ -5665,12 +5715,13 @@
         </p:nvSpPr>
         <p:spPr>
           <a:xfrm>
-            <a:off x="4949897" y="1218230"/>
-            <a:ext cx="889411" cy="369332"/>
+            <a:off x="4380814" y="2317931"/>
+            <a:ext cx="885179" cy="369332"/>
           </a:xfrm>
           <a:prstGeom prst="rect">
             <a:avLst/>
           </a:prstGeom>
+          <a:noFill/>
         </p:spPr>
         <p:txBody>
           <a:bodyPr wrap="none" rtlCol="0">
@@ -5681,12 +5732,61 @@
             <a:r>
               <a:rPr lang="en-US" altLang="ja-JP">
                 <a:solidFill>
+                  <a:schemeClr val="accent2"/>
+                </a:solidFill>
+              </a:rPr>
+              <a:t>&lt;heap&gt;</a:t>
+            </a:r>
+            <a:endParaRPr kumimoji="1" lang="ja-JP" altLang="en-US">
+              <a:solidFill>
+                <a:schemeClr val="accent2"/>
+              </a:solidFill>
+            </a:endParaRPr>
+          </a:p>
+        </p:txBody>
+      </p:sp>
+      <p:sp>
+        <p:nvSpPr>
+          <p:cNvPr id="291" name="テキスト ボックス 290">
+            <a:extLst>
+              <a:ext uri="{FF2B5EF4-FFF2-40B4-BE49-F238E27FC236}">
+                <a16:creationId xmlns:a16="http://schemas.microsoft.com/office/drawing/2014/main" id="{22BC25F5-15D0-44A9-BC67-9B2BB2747FE4}"/>
+              </a:ext>
+            </a:extLst>
+          </p:cNvPr>
+          <p:cNvSpPr txBox="1"/>
+          <p:nvPr/>
+        </p:nvSpPr>
+        <p:spPr>
+          <a:xfrm>
+            <a:off x="3963432" y="2881249"/>
+            <a:ext cx="1005840" cy="369332"/>
+          </a:xfrm>
+          <a:prstGeom prst="rect">
+            <a:avLst/>
+          </a:prstGeom>
+          <a:noFill/>
+          <a:ln>
+            <a:solidFill>
+              <a:schemeClr val="accent4"/>
+            </a:solidFill>
+          </a:ln>
+        </p:spPr>
+        <p:txBody>
+          <a:bodyPr wrap="none" rtlCol="0">
+            <a:spAutoFit/>
+          </a:bodyPr>
+          <a:lstStyle/>
+          <a:p>
+            <a:r>
+              <a:rPr kumimoji="1" lang="en-US" altLang="ja-JP">
+                <a:solidFill>
                   <a:schemeClr val="bg1">
                     <a:lumMod val="75000"/>
                   </a:schemeClr>
                 </a:solidFill>
               </a:rPr>
-              <a:t>&lt;stack&gt;</a:t>
+              <a:t>Mutable</a:t>
             </a:r>
             <a:endParaRPr kumimoji="1" lang="ja-JP" altLang="en-US">
               <a:solidFill>
@@ -5700,10 +5800,10 @@
       </p:sp>
       <p:sp>
         <p:nvSpPr>
-          <p:cNvPr id="185" name="テキスト ボックス 184">
-            <a:extLst>
-              <a:ext uri="{FF2B5EF4-FFF2-40B4-BE49-F238E27FC236}">
-                <a16:creationId xmlns:a16="http://schemas.microsoft.com/office/drawing/2014/main" id="{07252E8E-9C58-4A3F-A4FF-6E75CD24313B}"/>
+          <p:cNvPr id="309" name="テキスト ボックス 308">
+            <a:extLst>
+              <a:ext uri="{FF2B5EF4-FFF2-40B4-BE49-F238E27FC236}">
+                <a16:creationId xmlns:a16="http://schemas.microsoft.com/office/drawing/2014/main" id="{D88EED32-B0ED-4B4B-9FBE-50CF6F0E171D}"/>
               </a:ext>
             </a:extLst>
           </p:cNvPr>
@@ -5712,8 +5812,8 @@
         </p:nvSpPr>
         <p:spPr>
           <a:xfrm>
-            <a:off x="4407718" y="1842666"/>
-            <a:ext cx="885179" cy="369332"/>
+            <a:off x="554571" y="1560522"/>
+            <a:ext cx="957313" cy="369332"/>
           </a:xfrm>
           <a:prstGeom prst="rect">
             <a:avLst/>
@@ -5727,108 +5827,14 @@
           <a:lstStyle/>
           <a:p>
             <a:r>
-              <a:rPr lang="en-US" altLang="ja-JP">
-                <a:solidFill>
-                  <a:schemeClr val="accent2"/>
-                </a:solidFill>
-              </a:rPr>
-              <a:t>&lt;heap&gt;</a:t>
-            </a:r>
-            <a:endParaRPr kumimoji="1" lang="ja-JP" altLang="en-US">
-              <a:solidFill>
-                <a:schemeClr val="accent2"/>
-              </a:solidFill>
-            </a:endParaRPr>
-          </a:p>
-        </p:txBody>
-      </p:sp>
-      <p:cxnSp>
-        <p:nvCxnSpPr>
-          <p:cNvPr id="241" name="コネクタ: カギ線 240">
-            <a:extLst>
-              <a:ext uri="{FF2B5EF4-FFF2-40B4-BE49-F238E27FC236}">
-                <a16:creationId xmlns:a16="http://schemas.microsoft.com/office/drawing/2014/main" id="{AA69F0CC-6913-438B-9EB8-6A358C4E8AD8}"/>
-              </a:ext>
-            </a:extLst>
-          </p:cNvPr>
-          <p:cNvCxnSpPr>
-            <a:cxnSpLocks/>
-            <a:stCxn id="1017" idx="0"/>
-            <a:endCxn id="161" idx="1"/>
-          </p:cNvCxnSpPr>
-          <p:nvPr/>
-        </p:nvCxnSpPr>
-        <p:spPr>
-          <a:xfrm rot="16200000" flipV="1">
-            <a:off x="10163411" y="380085"/>
-            <a:ext cx="1096809" cy="920965"/>
-          </a:xfrm>
-          <a:prstGeom prst="bentConnector4">
-            <a:avLst>
-              <a:gd name="adj1" fmla="val 24985"/>
-              <a:gd name="adj2" fmla="val 250770"/>
-            </a:avLst>
-          </a:prstGeom>
-          <a:ln w="9525">
-            <a:solidFill>
-              <a:srgbClr val="6600CC"/>
-            </a:solidFill>
-            <a:prstDash val="lgDash"/>
-            <a:headEnd type="triangle" w="med" len="med"/>
-            <a:tailEnd type="triangle" w="med" len="med"/>
-          </a:ln>
-        </p:spPr>
-        <p:style>
-          <a:lnRef idx="1">
-            <a:schemeClr val="accent1"/>
-          </a:lnRef>
-          <a:fillRef idx="0">
-            <a:schemeClr val="accent1"/>
-          </a:fillRef>
-          <a:effectRef idx="0">
-            <a:schemeClr val="accent1"/>
-          </a:effectRef>
-          <a:fontRef idx="minor">
-            <a:schemeClr val="tx1"/>
-          </a:fontRef>
-        </p:style>
-      </p:cxnSp>
-      <p:sp>
-        <p:nvSpPr>
-          <p:cNvPr id="258" name="テキスト ボックス 257">
-            <a:extLst>
-              <a:ext uri="{FF2B5EF4-FFF2-40B4-BE49-F238E27FC236}">
-                <a16:creationId xmlns:a16="http://schemas.microsoft.com/office/drawing/2014/main" id="{C990EF96-3AE4-45F5-88AF-38D34B93A536}"/>
-              </a:ext>
-            </a:extLst>
-          </p:cNvPr>
-          <p:cNvSpPr txBox="1"/>
-          <p:nvPr/>
-        </p:nvSpPr>
-        <p:spPr>
-          <a:xfrm>
-            <a:off x="8817541" y="-36144"/>
-            <a:ext cx="1433790" cy="369332"/>
-          </a:xfrm>
-          <a:prstGeom prst="rect">
-            <a:avLst/>
-          </a:prstGeom>
-        </p:spPr>
-        <p:txBody>
-          <a:bodyPr wrap="none" rtlCol="0">
-            <a:spAutoFit/>
-          </a:bodyPr>
-          <a:lstStyle/>
-          <a:p>
-            <a:r>
-              <a:rPr lang="en-US" altLang="ja-JP">
+              <a:rPr kumimoji="1" lang="en-US" altLang="ja-JP">
                 <a:solidFill>
                   <a:schemeClr val="bg1">
                     <a:lumMod val="75000"/>
                   </a:schemeClr>
                 </a:solidFill>
               </a:rPr>
-              <a:t>&lt;immutable&gt;</a:t>
+              <a:t>&lt;single&gt;</a:t>
             </a:r>
             <a:endParaRPr kumimoji="1" lang="ja-JP" altLang="en-US">
               <a:solidFill>
@@ -5842,10 +5848,10 @@
       </p:sp>
       <p:sp>
         <p:nvSpPr>
-          <p:cNvPr id="291" name="テキスト ボックス 290">
-            <a:extLst>
-              <a:ext uri="{FF2B5EF4-FFF2-40B4-BE49-F238E27FC236}">
-                <a16:creationId xmlns:a16="http://schemas.microsoft.com/office/drawing/2014/main" id="{22BC25F5-15D0-44A9-BC67-9B2BB2747FE4}"/>
+          <p:cNvPr id="320" name="テキスト ボックス 319">
+            <a:extLst>
+              <a:ext uri="{FF2B5EF4-FFF2-40B4-BE49-F238E27FC236}">
+                <a16:creationId xmlns:a16="http://schemas.microsoft.com/office/drawing/2014/main" id="{F8F6F5FF-6315-4D66-ACE9-311EDEC7A43B}"/>
               </a:ext>
             </a:extLst>
           </p:cNvPr>
@@ -5854,25 +5860,44 @@
         </p:nvSpPr>
         <p:spPr>
           <a:xfrm>
-            <a:off x="4021720" y="2881249"/>
-            <a:ext cx="1005840" cy="369332"/>
+            <a:off x="9966418" y="5617840"/>
+            <a:ext cx="2090179" cy="369332"/>
           </a:xfrm>
           <a:prstGeom prst="rect">
             <a:avLst/>
           </a:prstGeom>
           <a:noFill/>
-          <a:ln>
-            <a:solidFill>
-              <a:schemeClr val="accent4"/>
-            </a:solidFill>
-          </a:ln>
-        </p:spPr>
-        <p:txBody>
-          <a:bodyPr wrap="none" rtlCol="0">
+        </p:spPr>
+        <p:txBody>
+          <a:bodyPr wrap="square" rtlCol="0">
             <a:spAutoFit/>
           </a:bodyPr>
           <a:lstStyle/>
           <a:p>
+            <a:r>
+              <a:rPr kumimoji="1" lang="en-US" altLang="ja-JP">
+                <a:solidFill>
+                  <a:schemeClr val="accent6"/>
+                </a:solidFill>
+              </a:rPr>
+              <a:t>Arc&lt;</a:t>
+            </a:r>
+            <a:r>
+              <a:rPr kumimoji="1" lang="en-US" altLang="ja-JP" err="1">
+                <a:solidFill>
+                  <a:schemeClr val="accent4"/>
+                </a:solidFill>
+              </a:rPr>
+              <a:t>AtomicT</a:t>
+            </a:r>
+            <a:r>
+              <a:rPr kumimoji="1" lang="en-US" altLang="ja-JP">
+                <a:solidFill>
+                  <a:schemeClr val="accent6"/>
+                </a:solidFill>
+              </a:rPr>
+              <a:t>&gt;</a:t>
+            </a:r>
             <a:r>
               <a:rPr kumimoji="1" lang="en-US" altLang="ja-JP">
                 <a:solidFill>
@@ -5881,202 +5906,19 @@
                   </a:schemeClr>
                 </a:solidFill>
               </a:rPr>
-              <a:t>Mutable</a:t>
+              <a:t> </a:t>
+            </a:r>
+            <a:r>
+              <a:rPr kumimoji="1" lang="en-US" altLang="ja-JP" baseline="30000">
+                <a:solidFill>
+                  <a:srgbClr val="818181"/>
+                </a:solidFill>
+              </a:rPr>
+              <a:t>(†2)</a:t>
             </a:r>
             <a:endParaRPr kumimoji="1" lang="ja-JP" altLang="en-US">
               <a:solidFill>
-                <a:schemeClr val="bg1">
-                  <a:lumMod val="75000"/>
-                </a:schemeClr>
-              </a:solidFill>
-            </a:endParaRPr>
-          </a:p>
-        </p:txBody>
-      </p:sp>
-      <p:sp>
-        <p:nvSpPr>
-          <p:cNvPr id="309" name="テキスト ボックス 308">
-            <a:extLst>
-              <a:ext uri="{FF2B5EF4-FFF2-40B4-BE49-F238E27FC236}">
-                <a16:creationId xmlns:a16="http://schemas.microsoft.com/office/drawing/2014/main" id="{D88EED32-B0ED-4B4B-9FBE-50CF6F0E171D}"/>
-              </a:ext>
-            </a:extLst>
-          </p:cNvPr>
-          <p:cNvSpPr txBox="1"/>
-          <p:nvPr/>
-        </p:nvSpPr>
-        <p:spPr>
-          <a:xfrm>
-            <a:off x="554571" y="1560522"/>
-            <a:ext cx="957313" cy="369332"/>
-          </a:xfrm>
-          <a:prstGeom prst="rect">
-            <a:avLst/>
-          </a:prstGeom>
-          <a:noFill/>
-        </p:spPr>
-        <p:txBody>
-          <a:bodyPr wrap="none" rtlCol="0">
-            <a:spAutoFit/>
-          </a:bodyPr>
-          <a:lstStyle/>
-          <a:p>
-            <a:r>
-              <a:rPr kumimoji="1" lang="en-US" altLang="ja-JP">
-                <a:solidFill>
-                  <a:schemeClr val="bg1">
-                    <a:lumMod val="75000"/>
-                  </a:schemeClr>
-                </a:solidFill>
-              </a:rPr>
-              <a:t>&lt;single&gt;</a:t>
-            </a:r>
-            <a:endParaRPr kumimoji="1" lang="ja-JP" altLang="en-US">
-              <a:solidFill>
-                <a:schemeClr val="bg1">
-                  <a:lumMod val="75000"/>
-                </a:schemeClr>
-              </a:solidFill>
-            </a:endParaRPr>
-          </a:p>
-        </p:txBody>
-      </p:sp>
-      <p:sp>
-        <p:nvSpPr>
-          <p:cNvPr id="315" name="テキスト ボックス 314">
-            <a:extLst>
-              <a:ext uri="{FF2B5EF4-FFF2-40B4-BE49-F238E27FC236}">
-                <a16:creationId xmlns:a16="http://schemas.microsoft.com/office/drawing/2014/main" id="{203C443B-0C4C-4DF2-A204-58E594702A3A}"/>
-              </a:ext>
-            </a:extLst>
-          </p:cNvPr>
-          <p:cNvSpPr txBox="1"/>
-          <p:nvPr/>
-        </p:nvSpPr>
-        <p:spPr>
-          <a:xfrm>
-            <a:off x="8823964" y="343912"/>
-            <a:ext cx="1082348" cy="369332"/>
-          </a:xfrm>
-          <a:prstGeom prst="rect">
-            <a:avLst/>
-          </a:prstGeom>
-        </p:spPr>
-        <p:txBody>
-          <a:bodyPr wrap="none" rtlCol="0">
-            <a:spAutoFit/>
-          </a:bodyPr>
-          <a:lstStyle/>
-          <a:p>
-            <a:r>
-              <a:rPr lang="en-US" altLang="ja-JP">
-                <a:solidFill>
-                  <a:schemeClr val="accent4"/>
-                </a:solidFill>
-              </a:rPr>
-              <a:t>&lt;mut&gt;</a:t>
-            </a:r>
-            <a:r>
-              <a:rPr kumimoji="1" lang="en-US" altLang="ja-JP" baseline="30000">
-                <a:solidFill>
-                  <a:schemeClr val="accent4"/>
-                </a:solidFill>
-              </a:rPr>
-              <a:t> </a:t>
-            </a:r>
-            <a:r>
-              <a:rPr kumimoji="1" lang="en-US" altLang="ja-JP" baseline="30000">
-                <a:solidFill>
-                  <a:schemeClr val="bg2">
-                    <a:lumMod val="50000"/>
-                  </a:schemeClr>
-                </a:solidFill>
-              </a:rPr>
-              <a:t>(†1)</a:t>
-            </a:r>
-            <a:endParaRPr kumimoji="1" lang="ja-JP" altLang="en-US">
-              <a:solidFill>
-                <a:srgbClr val="6600CC"/>
-              </a:solidFill>
-            </a:endParaRPr>
-          </a:p>
-        </p:txBody>
-      </p:sp>
-      <p:sp>
-        <p:nvSpPr>
-          <p:cNvPr id="320" name="テキスト ボックス 319">
-            <a:extLst>
-              <a:ext uri="{FF2B5EF4-FFF2-40B4-BE49-F238E27FC236}">
-                <a16:creationId xmlns:a16="http://schemas.microsoft.com/office/drawing/2014/main" id="{F8F6F5FF-6315-4D66-ACE9-311EDEC7A43B}"/>
-              </a:ext>
-            </a:extLst>
-          </p:cNvPr>
-          <p:cNvSpPr txBox="1"/>
-          <p:nvPr/>
-        </p:nvSpPr>
-        <p:spPr>
-          <a:xfrm>
-            <a:off x="10251332" y="5617840"/>
-            <a:ext cx="2070573" cy="369332"/>
-          </a:xfrm>
-          <a:prstGeom prst="rect">
-            <a:avLst/>
-          </a:prstGeom>
-          <a:noFill/>
-        </p:spPr>
-        <p:txBody>
-          <a:bodyPr wrap="square" rtlCol="0">
-            <a:spAutoFit/>
-          </a:bodyPr>
-          <a:lstStyle/>
-          <a:p>
-            <a:r>
-              <a:rPr kumimoji="1" lang="en-US" altLang="ja-JP">
-                <a:solidFill>
-                  <a:schemeClr val="accent6"/>
-                </a:solidFill>
-              </a:rPr>
-              <a:t>Arc&lt;</a:t>
-            </a:r>
-            <a:r>
-              <a:rPr kumimoji="1" lang="en-US" altLang="ja-JP" err="1">
-                <a:solidFill>
-                  <a:schemeClr val="accent4"/>
-                </a:solidFill>
-              </a:rPr>
-              <a:t>AtomicT</a:t>
-            </a:r>
-            <a:r>
-              <a:rPr kumimoji="1" lang="en-US" altLang="ja-JP">
-                <a:solidFill>
-                  <a:schemeClr val="accent6"/>
-                </a:solidFill>
-              </a:rPr>
-              <a:t>&gt;</a:t>
-            </a:r>
-            <a:r>
-              <a:rPr kumimoji="1" lang="en-US" altLang="ja-JP">
-                <a:solidFill>
-                  <a:schemeClr val="bg1">
-                    <a:lumMod val="75000"/>
-                  </a:schemeClr>
-                </a:solidFill>
-              </a:rPr>
-              <a:t> </a:t>
-            </a:r>
-            <a:r>
-              <a:rPr kumimoji="1" lang="en-US" altLang="ja-JP" baseline="30000">
-                <a:solidFill>
-                  <a:schemeClr val="bg2">
-                    <a:lumMod val="50000"/>
-                  </a:schemeClr>
-                </a:solidFill>
-              </a:rPr>
-              <a:t>(†2)</a:t>
-            </a:r>
-            <a:endParaRPr kumimoji="1" lang="ja-JP" altLang="en-US">
-              <a:solidFill>
-                <a:schemeClr val="accent6"/>
+                <a:srgbClr val="818181"/>
               </a:solidFill>
             </a:endParaRPr>
           </a:p>
@@ -6100,7 +5942,7 @@
         </p:nvCxnSpPr>
         <p:spPr>
           <a:xfrm>
-            <a:off x="6093785" y="6194771"/>
+            <a:off x="5933510" y="6194771"/>
             <a:ext cx="1960538" cy="619"/>
           </a:xfrm>
           <a:prstGeom prst="bentConnector3">
@@ -6150,8 +5992,8 @@
         </p:nvCxnSpPr>
         <p:spPr>
           <a:xfrm rot="16200000" flipH="1">
-            <a:off x="7919081" y="4251814"/>
-            <a:ext cx="204629" cy="4459873"/>
+            <a:off x="7696487" y="4314134"/>
+            <a:ext cx="204629" cy="4335234"/>
           </a:xfrm>
           <a:prstGeom prst="bentConnector2">
             <a:avLst/>
@@ -6192,7 +6034,7 @@
         </p:nvSpPr>
         <p:spPr>
           <a:xfrm>
-            <a:off x="8754132" y="5473274"/>
+            <a:off x="8593857" y="5473274"/>
             <a:ext cx="1189236" cy="369332"/>
           </a:xfrm>
           <a:prstGeom prst="rect">
@@ -6256,8 +6098,8 @@
         </p:nvCxnSpPr>
         <p:spPr>
           <a:xfrm rot="5400000" flipH="1" flipV="1">
-            <a:off x="9208738" y="4968131"/>
-            <a:ext cx="208218" cy="1876969"/>
+            <a:off x="8986144" y="5030450"/>
+            <a:ext cx="208218" cy="1752330"/>
           </a:xfrm>
           <a:prstGeom prst="bentConnector2">
             <a:avLst/>
@@ -6302,8 +6144,8 @@
         </p:nvCxnSpPr>
         <p:spPr>
           <a:xfrm flipV="1">
-            <a:off x="8694403" y="6193286"/>
-            <a:ext cx="1556929" cy="2104"/>
+            <a:off x="8534128" y="6193286"/>
+            <a:ext cx="1432290" cy="2104"/>
           </a:xfrm>
           <a:prstGeom prst="bentConnector3">
             <a:avLst>
@@ -6348,7 +6190,7 @@
         </p:nvSpPr>
         <p:spPr>
           <a:xfrm>
-            <a:off x="6123650" y="6268328"/>
+            <a:off x="5963375" y="6268328"/>
             <a:ext cx="1779782" cy="369332"/>
           </a:xfrm>
           <a:prstGeom prst="rect">
@@ -6392,7 +6234,7 @@
         </p:nvSpPr>
         <p:spPr>
           <a:xfrm>
-            <a:off x="8754132" y="5849562"/>
+            <a:off x="8593857" y="5849562"/>
             <a:ext cx="747833" cy="369332"/>
           </a:xfrm>
           <a:prstGeom prst="rect">
@@ -6440,7 +6282,7 @@
         </p:nvSpPr>
         <p:spPr>
           <a:xfrm>
-            <a:off x="4987988" y="2755622"/>
+            <a:off x="4929700" y="2755622"/>
             <a:ext cx="1433790" cy="369332"/>
           </a:xfrm>
           <a:prstGeom prst="rect">
@@ -6487,7 +6329,7 @@
         </p:nvSpPr>
         <p:spPr>
           <a:xfrm>
-            <a:off x="4419169" y="3780672"/>
+            <a:off x="4360881" y="3780672"/>
             <a:ext cx="798617" cy="369332"/>
           </a:xfrm>
           <a:prstGeom prst="rect">
@@ -6534,8 +6376,8 @@
         </p:nvCxnSpPr>
         <p:spPr>
           <a:xfrm rot="16200000" flipH="1">
-            <a:off x="5980822" y="1794399"/>
-            <a:ext cx="595213" cy="3507576"/>
+            <a:off x="5871540" y="1845392"/>
+            <a:ext cx="595213" cy="3405589"/>
           </a:xfrm>
           <a:prstGeom prst="bentConnector2">
             <a:avLst/>
@@ -6580,8 +6422,8 @@
         </p:nvCxnSpPr>
         <p:spPr>
           <a:xfrm rot="5400000" flipH="1" flipV="1">
-            <a:off x="9197089" y="2606885"/>
-            <a:ext cx="203302" cy="1905184"/>
+            <a:off x="8974494" y="2669205"/>
+            <a:ext cx="203302" cy="1780545"/>
           </a:xfrm>
           <a:prstGeom prst="bentConnector2">
             <a:avLst/>
@@ -6626,8 +6468,8 @@
         </p:nvCxnSpPr>
         <p:spPr>
           <a:xfrm>
-            <a:off x="8660080" y="3845794"/>
-            <a:ext cx="1591252" cy="2812"/>
+            <a:off x="8499805" y="3845794"/>
+            <a:ext cx="1466613" cy="2812"/>
           </a:xfrm>
           <a:prstGeom prst="bentConnector3">
             <a:avLst>
@@ -6672,7 +6514,7 @@
         </p:nvSpPr>
         <p:spPr>
           <a:xfrm>
-            <a:off x="8032216" y="2493313"/>
+            <a:off x="7871941" y="2105070"/>
             <a:ext cx="627864" cy="369332"/>
           </a:xfrm>
           <a:prstGeom prst="rect">
@@ -6729,8 +6571,8 @@
         </p:nvCxnSpPr>
         <p:spPr>
           <a:xfrm flipV="1">
-            <a:off x="8660080" y="2676266"/>
-            <a:ext cx="1591252" cy="1713"/>
+            <a:off x="8499805" y="2287786"/>
+            <a:ext cx="1466613" cy="1950"/>
           </a:xfrm>
           <a:prstGeom prst="bentConnector3">
             <a:avLst>
@@ -6775,7 +6617,7 @@
         </p:nvSpPr>
         <p:spPr>
           <a:xfrm>
-            <a:off x="8054323" y="4442432"/>
+            <a:off x="7894048" y="4442432"/>
             <a:ext cx="640080" cy="369332"/>
           </a:xfrm>
           <a:prstGeom prst="rect">
@@ -6850,8 +6692,8 @@
         </p:nvCxnSpPr>
         <p:spPr>
           <a:xfrm rot="5400000" flipH="1" flipV="1">
-            <a:off x="9211324" y="3402425"/>
-            <a:ext cx="203046" cy="1876969"/>
+            <a:off x="8988730" y="3464744"/>
+            <a:ext cx="203046" cy="1752330"/>
           </a:xfrm>
           <a:prstGeom prst="bentConnector2">
             <a:avLst/>
@@ -6896,8 +6738,8 @@
         </p:nvCxnSpPr>
         <p:spPr>
           <a:xfrm>
-            <a:off x="8694403" y="4627098"/>
-            <a:ext cx="1556929" cy="3068"/>
+            <a:off x="8534128" y="4627098"/>
+            <a:ext cx="1432290" cy="3068"/>
           </a:xfrm>
           <a:prstGeom prst="bentConnector3">
             <a:avLst>
@@ -6942,7 +6784,7 @@
         </p:nvSpPr>
         <p:spPr>
           <a:xfrm>
-            <a:off x="8750739" y="3126903"/>
+            <a:off x="8590464" y="3126903"/>
             <a:ext cx="1356910" cy="369332"/>
           </a:xfrm>
           <a:prstGeom prst="rect">
@@ -6988,7 +6830,7 @@
         </p:nvSpPr>
         <p:spPr>
           <a:xfrm>
-            <a:off x="8750739" y="3519257"/>
+            <a:off x="8590464" y="3519257"/>
             <a:ext cx="747833" cy="369332"/>
           </a:xfrm>
           <a:prstGeom prst="rect">
@@ -7038,7 +6880,7 @@
         </p:nvSpPr>
         <p:spPr>
           <a:xfrm>
-            <a:off x="5489132" y="4439991"/>
+            <a:off x="5328857" y="4439991"/>
             <a:ext cx="604653" cy="369332"/>
           </a:xfrm>
           <a:prstGeom prst="rect">
@@ -7095,7 +6937,7 @@
         </p:nvCxnSpPr>
         <p:spPr>
           <a:xfrm>
-            <a:off x="6093785" y="4624657"/>
+            <a:off x="5933510" y="4624657"/>
             <a:ext cx="1960538" cy="2441"/>
           </a:xfrm>
           <a:prstGeom prst="bentConnector3">
@@ -7145,8 +6987,8 @@
         </p:nvCxnSpPr>
         <p:spPr>
           <a:xfrm rot="16200000" flipH="1">
-            <a:off x="7915584" y="2685197"/>
-            <a:ext cx="211623" cy="4459873"/>
+            <a:off x="7692990" y="2747517"/>
+            <a:ext cx="211623" cy="4335234"/>
           </a:xfrm>
           <a:prstGeom prst="bentConnector2">
             <a:avLst/>
@@ -7187,7 +7029,7 @@
         </p:nvSpPr>
         <p:spPr>
           <a:xfrm>
-            <a:off x="8754132" y="3933383"/>
+            <a:off x="8593857" y="3933383"/>
             <a:ext cx="1189236" cy="369332"/>
           </a:xfrm>
           <a:prstGeom prst="rect">
@@ -7247,7 +7089,7 @@
         </p:nvSpPr>
         <p:spPr>
           <a:xfrm>
-            <a:off x="8754132" y="4311897"/>
+            <a:off x="8593857" y="4311897"/>
             <a:ext cx="747833" cy="369332"/>
           </a:xfrm>
           <a:prstGeom prst="rect">
@@ -7295,7 +7137,7 @@
         </p:nvSpPr>
         <p:spPr>
           <a:xfrm>
-            <a:off x="8750739" y="1968370"/>
+            <a:off x="8590464" y="1567121"/>
             <a:ext cx="1356910" cy="369332"/>
           </a:xfrm>
           <a:prstGeom prst="rect">
@@ -7341,7 +7183,7 @@
         </p:nvSpPr>
         <p:spPr>
           <a:xfrm>
-            <a:off x="8750739" y="2334904"/>
+            <a:off x="8590464" y="1933655"/>
             <a:ext cx="747833" cy="369332"/>
           </a:xfrm>
           <a:prstGeom prst="rect">
@@ -7389,14 +7231,14 @@
           <p:cNvCxnSpPr>
             <a:cxnSpLocks/>
             <a:stCxn id="119" idx="2"/>
-            <a:endCxn id="730" idx="1"/>
+            <a:endCxn id="169" idx="1"/>
           </p:cNvCxnSpPr>
           <p:nvPr/>
         </p:nvCxnSpPr>
         <p:spPr>
           <a:xfrm rot="16200000" flipH="1">
-            <a:off x="5089241" y="1127782"/>
-            <a:ext cx="164000" cy="1364759"/>
+            <a:off x="6722087" y="-563352"/>
+            <a:ext cx="952816" cy="5535843"/>
           </a:xfrm>
           <a:prstGeom prst="bentConnector2">
             <a:avLst/>
@@ -7437,7 +7279,7 @@
         </p:nvSpPr>
         <p:spPr>
           <a:xfrm>
-            <a:off x="6123650" y="4293695"/>
+            <a:off x="5963375" y="4293695"/>
             <a:ext cx="1693990" cy="369332"/>
           </a:xfrm>
           <a:prstGeom prst="rect">
@@ -7485,7 +7327,7 @@
         </p:nvSpPr>
         <p:spPr>
           <a:xfrm>
-            <a:off x="6123650" y="4703681"/>
+            <a:off x="5963375" y="4703681"/>
             <a:ext cx="1779782" cy="369332"/>
           </a:xfrm>
           <a:prstGeom prst="rect">
@@ -7529,7 +7371,7 @@
         </p:nvSpPr>
         <p:spPr>
           <a:xfrm>
-            <a:off x="9733501" y="803337"/>
+            <a:off x="9631901" y="803337"/>
             <a:ext cx="1553117" cy="369332"/>
           </a:xfrm>
           <a:prstGeom prst="rect">
@@ -7545,14 +7387,14 @@
             <a:r>
               <a:rPr lang="en-US" altLang="ja-JP">
                 <a:solidFill>
-                  <a:srgbClr val="6600CC"/>
+                  <a:srgbClr val="996633"/>
                 </a:solidFill>
               </a:rPr>
               <a:t>&lt;&amp;ref|*deref&gt;</a:t>
             </a:r>
             <a:endParaRPr kumimoji="1" lang="ja-JP" altLang="en-US">
               <a:solidFill>
-                <a:srgbClr val="6600CC"/>
+                <a:srgbClr val="996633"/>
               </a:solidFill>
             </a:endParaRPr>
           </a:p>
@@ -7572,7 +7414,7 @@
         </p:nvSpPr>
         <p:spPr>
           <a:xfrm>
-            <a:off x="5853621" y="1707496"/>
+            <a:off x="5693346" y="1358526"/>
             <a:ext cx="1910075" cy="369332"/>
           </a:xfrm>
           <a:prstGeom prst="rect">
@@ -7623,14 +7465,14 @@
           <p:cNvCxnSpPr>
             <a:cxnSpLocks/>
             <a:stCxn id="730" idx="3"/>
-            <a:endCxn id="169" idx="1"/>
+            <a:endCxn id="5" idx="1"/>
           </p:cNvCxnSpPr>
           <p:nvPr/>
         </p:nvCxnSpPr>
         <p:spPr>
           <a:xfrm>
-            <a:off x="7763696" y="1892162"/>
-            <a:ext cx="2487636" cy="2544"/>
+            <a:off x="7603421" y="1543192"/>
+            <a:ext cx="2362997" cy="2174"/>
           </a:xfrm>
           <a:prstGeom prst="bentConnector3">
             <a:avLst>
@@ -7679,8 +7521,8 @@
         </p:nvCxnSpPr>
         <p:spPr>
           <a:xfrm rot="16200000" flipH="1">
-            <a:off x="7119862" y="1765624"/>
-            <a:ext cx="601151" cy="1223557"/>
+            <a:off x="6979223" y="1397018"/>
+            <a:ext cx="561878" cy="1223557"/>
           </a:xfrm>
           <a:prstGeom prst="bentConnector2">
             <a:avLst/>
@@ -7721,7 +7563,7 @@
         </p:nvSpPr>
         <p:spPr>
           <a:xfrm>
-            <a:off x="7742618" y="1580214"/>
+            <a:off x="7582343" y="1239030"/>
             <a:ext cx="1263487" cy="369332"/>
           </a:xfrm>
           <a:prstGeom prst="rect">
@@ -7768,7 +7610,7 @@
         </p:nvSpPr>
         <p:spPr>
           <a:xfrm>
-            <a:off x="6774001" y="2084313"/>
+            <a:off x="6569555" y="2216831"/>
             <a:ext cx="889987" cy="369332"/>
           </a:xfrm>
           <a:prstGeom prst="rect">
@@ -7814,7 +7656,7 @@
         </p:nvSpPr>
         <p:spPr>
           <a:xfrm>
-            <a:off x="6454161" y="92916"/>
+            <a:off x="6196034" y="22243"/>
             <a:ext cx="2317204" cy="1323439"/>
           </a:xfrm>
           <a:prstGeom prst="rect">
@@ -7831,9 +7673,7 @@
             <a:r>
               <a:rPr kumimoji="1" lang="en-US" altLang="ja-JP" sz="1000">
                 <a:solidFill>
-                  <a:schemeClr val="bg2">
-                    <a:lumMod val="50000"/>
-                  </a:schemeClr>
+                  <a:srgbClr val="818181"/>
                 </a:solidFill>
               </a:rPr>
               <a:t>(†1): `</a:t>
@@ -7849,9 +7689,7 @@
             <a:r>
               <a:rPr kumimoji="1" lang="en-US" altLang="ja-JP" sz="1000">
                 <a:solidFill>
-                  <a:schemeClr val="bg2">
-                    <a:lumMod val="50000"/>
-                  </a:schemeClr>
+                  <a:srgbClr val="818181"/>
                 </a:solidFill>
               </a:rPr>
               <a:t> T` is </a:t>
@@ -7859,9 +7697,7 @@
             <a:r>
               <a:rPr kumimoji="1" lang="en-US" altLang="ja-JP" sz="1000" u="sng">
                 <a:solidFill>
-                  <a:schemeClr val="bg2">
-                    <a:lumMod val="50000"/>
-                  </a:schemeClr>
+                  <a:srgbClr val="818181"/>
                 </a:solidFill>
               </a:rPr>
               <a:t>not a Type</a:t>
@@ -7869,9 +7705,7 @@
             <a:r>
               <a:rPr kumimoji="1" lang="en-US" altLang="ja-JP" sz="1000">
                 <a:solidFill>
-                  <a:schemeClr val="bg2">
-                    <a:lumMod val="50000"/>
-                  </a:schemeClr>
+                  <a:srgbClr val="818181"/>
                 </a:solidFill>
               </a:rPr>
               <a:t>, this suggestion means to “be use the `mut` keyword like a `let </a:t>
@@ -7887,9 +7721,7 @@
             <a:r>
               <a:rPr kumimoji="1" lang="en-US" altLang="ja-JP" sz="1000">
                 <a:solidFill>
-                  <a:schemeClr val="bg2">
-                    <a:lumMod val="50000"/>
-                  </a:schemeClr>
+                  <a:srgbClr val="818181"/>
                 </a:solidFill>
               </a:rPr>
               <a:t> x: T` for your binding if it needs mutability”.</a:t>
@@ -7898,9 +7730,7 @@
           <a:p>
             <a:endParaRPr kumimoji="1" lang="en-US" altLang="ja-JP" sz="1000">
               <a:solidFill>
-                <a:schemeClr val="bg2">
-                  <a:lumMod val="50000"/>
-                </a:schemeClr>
+                <a:srgbClr val="818181"/>
               </a:solidFill>
             </a:endParaRPr>
           </a:p>
@@ -7908,9 +7738,7 @@
             <a:r>
               <a:rPr kumimoji="1" lang="en-US" altLang="ja-JP" sz="1000">
                 <a:solidFill>
-                  <a:schemeClr val="bg2">
-                    <a:lumMod val="50000"/>
-                  </a:schemeClr>
+                  <a:srgbClr val="818181"/>
                 </a:solidFill>
               </a:rPr>
               <a:t>(†2): `</a:t>
@@ -7918,9 +7746,7 @@
             <a:r>
               <a:rPr kumimoji="1" lang="en-US" altLang="ja-JP" sz="1000" err="1">
                 <a:solidFill>
-                  <a:schemeClr val="bg2">
-                    <a:lumMod val="50000"/>
-                  </a:schemeClr>
+                  <a:srgbClr val="818181"/>
                 </a:solidFill>
               </a:rPr>
               <a:t>bool|int</a:t>
@@ -7928,9 +7754,7 @@
             <a:r>
               <a:rPr kumimoji="1" lang="en-US" altLang="ja-JP" sz="1000">
                 <a:solidFill>
-                  <a:schemeClr val="bg2">
-                    <a:lumMod val="50000"/>
-                  </a:schemeClr>
+                  <a:srgbClr val="818181"/>
                 </a:solidFill>
               </a:rPr>
               <a:t>` means to “Boolean or Integral” that is Bool, I8, I16, I32, I64, </a:t>
@@ -7938,9 +7762,7 @@
             <a:r>
               <a:rPr kumimoji="1" lang="en-US" altLang="ja-JP" sz="1000" err="1">
                 <a:solidFill>
-                  <a:schemeClr val="bg2">
-                    <a:lumMod val="50000"/>
-                  </a:schemeClr>
+                  <a:srgbClr val="818181"/>
                 </a:solidFill>
               </a:rPr>
               <a:t>Isize</a:t>
@@ -7948,9 +7770,7 @@
             <a:r>
               <a:rPr kumimoji="1" lang="en-US" altLang="ja-JP" sz="1000">
                 <a:solidFill>
-                  <a:schemeClr val="bg2">
-                    <a:lumMod val="50000"/>
-                  </a:schemeClr>
+                  <a:srgbClr val="818181"/>
                 </a:solidFill>
               </a:rPr>
               <a:t>, U8, U16, U32, U64, </a:t>
@@ -7958,9 +7778,7 @@
             <a:r>
               <a:rPr kumimoji="1" lang="en-US" altLang="ja-JP" sz="1000" err="1">
                 <a:solidFill>
-                  <a:schemeClr val="bg2">
-                    <a:lumMod val="50000"/>
-                  </a:schemeClr>
+                  <a:srgbClr val="818181"/>
                 </a:solidFill>
               </a:rPr>
               <a:t>Usize</a:t>
@@ -7968,9 +7786,7 @@
             <a:r>
               <a:rPr kumimoji="1" lang="en-US" altLang="ja-JP" sz="1000">
                 <a:solidFill>
-                  <a:schemeClr val="bg2">
-                    <a:lumMod val="50000"/>
-                  </a:schemeClr>
+                  <a:srgbClr val="818181"/>
                 </a:solidFill>
               </a:rPr>
               <a:t> and </a:t>
@@ -7978,9 +7794,7 @@
             <a:r>
               <a:rPr kumimoji="1" lang="en-US" altLang="ja-JP" sz="1000" err="1">
                 <a:solidFill>
-                  <a:schemeClr val="bg2">
-                    <a:lumMod val="50000"/>
-                  </a:schemeClr>
+                  <a:srgbClr val="818181"/>
                 </a:solidFill>
               </a:rPr>
               <a:t>Ptr</a:t>
@@ -7988,9 +7802,7 @@
             <a:r>
               <a:rPr kumimoji="1" lang="en-US" altLang="ja-JP" sz="1000">
                 <a:solidFill>
-                  <a:schemeClr val="bg2">
-                    <a:lumMod val="50000"/>
-                  </a:schemeClr>
+                  <a:srgbClr val="818181"/>
                 </a:solidFill>
               </a:rPr>
               <a:t>.</a:t>
@@ -8087,8 +7899,8 @@
         </p:nvCxnSpPr>
         <p:spPr>
           <a:xfrm rot="16200000" flipH="1">
-            <a:off x="2732962" y="1777157"/>
-            <a:ext cx="972416" cy="1605099"/>
+            <a:off x="2703818" y="1806301"/>
+            <a:ext cx="972416" cy="1546811"/>
           </a:xfrm>
           <a:prstGeom prst="bentConnector2">
             <a:avLst/>
@@ -8133,8 +7945,8 @@
         </p:nvCxnSpPr>
         <p:spPr>
           <a:xfrm rot="5400000" flipH="1" flipV="1">
-            <a:off x="3127518" y="832600"/>
-            <a:ext cx="180671" cy="1602464"/>
+            <a:off x="3098374" y="861744"/>
+            <a:ext cx="180671" cy="1544176"/>
           </a:xfrm>
           <a:prstGeom prst="bentConnector2">
             <a:avLst/>
@@ -8277,6 +8089,149 @@
       </p:sp>
       <p:sp>
         <p:nvSpPr>
+          <p:cNvPr id="1086" name="テキスト ボックス 1085">
+            <a:extLst>
+              <a:ext uri="{FF2B5EF4-FFF2-40B4-BE49-F238E27FC236}">
+                <a16:creationId xmlns:a16="http://schemas.microsoft.com/office/drawing/2014/main" id="{7DAF253D-983A-427E-98C3-85CAE131F150}"/>
+              </a:ext>
+            </a:extLst>
+          </p:cNvPr>
+          <p:cNvSpPr txBox="1"/>
+          <p:nvPr/>
+        </p:nvSpPr>
+        <p:spPr>
+          <a:xfrm>
+            <a:off x="156696" y="108401"/>
+            <a:ext cx="5142375" cy="461665"/>
+          </a:xfrm>
+          <a:prstGeom prst="rect">
+            <a:avLst/>
+          </a:prstGeom>
+          <a:noFill/>
+        </p:spPr>
+        <p:txBody>
+          <a:bodyPr wrap="square">
+            <a:spAutoFit/>
+          </a:bodyPr>
+          <a:lstStyle/>
+          <a:p>
+            <a:r>
+              <a:rPr kumimoji="1" lang="en-US" altLang="ja-JP" sz="2400">
+                <a:solidFill>
+                  <a:schemeClr val="bg1">
+                    <a:lumMod val="75000"/>
+                  </a:schemeClr>
+                </a:solidFill>
+              </a:rPr>
+              <a:t>Rust Memory Container Cheat-sheet</a:t>
+            </a:r>
+          </a:p>
+        </p:txBody>
+      </p:sp>
+      <p:cxnSp>
+        <p:nvCxnSpPr>
+          <p:cNvPr id="67" name="コネクタ: カギ線 66">
+            <a:extLst>
+              <a:ext uri="{FF2B5EF4-FFF2-40B4-BE49-F238E27FC236}">
+                <a16:creationId xmlns:a16="http://schemas.microsoft.com/office/drawing/2014/main" id="{61F1768A-F3D5-4FEE-8EDF-FD03934B7A31}"/>
+              </a:ext>
+            </a:extLst>
+          </p:cNvPr>
+          <p:cNvCxnSpPr>
+            <a:cxnSpLocks/>
+            <a:stCxn id="1017" idx="0"/>
+            <a:endCxn id="181" idx="1"/>
+          </p:cNvCxnSpPr>
+          <p:nvPr/>
+        </p:nvCxnSpPr>
+        <p:spPr>
+          <a:xfrm rot="16200000" flipV="1">
+            <a:off x="10150917" y="471486"/>
+            <a:ext cx="732987" cy="1101986"/>
+          </a:xfrm>
+          <a:prstGeom prst="bentConnector4">
+            <a:avLst>
+              <a:gd name="adj1" fmla="val 37403"/>
+              <a:gd name="adj2" fmla="val 223764"/>
+            </a:avLst>
+          </a:prstGeom>
+          <a:ln w="9525">
+            <a:solidFill>
+              <a:srgbClr val="996633"/>
+            </a:solidFill>
+            <a:prstDash val="lgDash"/>
+            <a:headEnd type="triangle" w="med" len="med"/>
+            <a:tailEnd type="triangle" w="med" len="med"/>
+          </a:ln>
+        </p:spPr>
+        <p:style>
+          <a:lnRef idx="1">
+            <a:schemeClr val="accent1"/>
+          </a:lnRef>
+          <a:fillRef idx="0">
+            <a:schemeClr val="accent1"/>
+          </a:fillRef>
+          <a:effectRef idx="0">
+            <a:schemeClr val="accent1"/>
+          </a:effectRef>
+          <a:fontRef idx="minor">
+            <a:schemeClr val="tx1"/>
+          </a:fontRef>
+        </p:style>
+      </p:cxnSp>
+      <p:cxnSp>
+        <p:nvCxnSpPr>
+          <p:cNvPr id="241" name="コネクタ: カギ線 240">
+            <a:extLst>
+              <a:ext uri="{FF2B5EF4-FFF2-40B4-BE49-F238E27FC236}">
+                <a16:creationId xmlns:a16="http://schemas.microsoft.com/office/drawing/2014/main" id="{AA69F0CC-6913-438B-9EB8-6A358C4E8AD8}"/>
+              </a:ext>
+            </a:extLst>
+          </p:cNvPr>
+          <p:cNvCxnSpPr>
+            <a:cxnSpLocks/>
+            <a:stCxn id="1017" idx="0"/>
+            <a:endCxn id="161" idx="1"/>
+          </p:cNvCxnSpPr>
+          <p:nvPr/>
+        </p:nvCxnSpPr>
+        <p:spPr>
+          <a:xfrm rot="16200000" flipV="1">
+            <a:off x="9969006" y="289575"/>
+            <a:ext cx="1096809" cy="1101986"/>
+          </a:xfrm>
+          <a:prstGeom prst="bentConnector4">
+            <a:avLst>
+              <a:gd name="adj1" fmla="val 25069"/>
+              <a:gd name="adj2" fmla="val 223764"/>
+            </a:avLst>
+          </a:prstGeom>
+          <a:ln w="9525">
+            <a:solidFill>
+              <a:srgbClr val="996633"/>
+            </a:solidFill>
+            <a:prstDash val="lgDash"/>
+            <a:headEnd type="triangle" w="med" len="med"/>
+            <a:tailEnd type="triangle" w="med" len="med"/>
+          </a:ln>
+        </p:spPr>
+        <p:style>
+          <a:lnRef idx="1">
+            <a:schemeClr val="accent1"/>
+          </a:lnRef>
+          <a:fillRef idx="0">
+            <a:schemeClr val="accent1"/>
+          </a:fillRef>
+          <a:effectRef idx="0">
+            <a:schemeClr val="accent1"/>
+          </a:effectRef>
+          <a:fontRef idx="minor">
+            <a:schemeClr val="tx1"/>
+          </a:fontRef>
+        </p:style>
+      </p:cxnSp>
+      <p:sp>
+        <p:nvSpPr>
           <p:cNvPr id="1017" name="正方形/長方形 1016">
             <a:extLst>
               <a:ext uri="{FF2B5EF4-FFF2-40B4-BE49-F238E27FC236}">
@@ -8289,8 +8244,8 @@
         </p:nvSpPr>
         <p:spPr>
           <a:xfrm>
-            <a:off x="10308228" y="1388972"/>
-            <a:ext cx="1728137" cy="5376691"/>
+            <a:off x="10023313" y="1388972"/>
+            <a:ext cx="2090179" cy="5376691"/>
           </a:xfrm>
           <a:prstGeom prst="rect">
             <a:avLst/>
@@ -8298,7 +8253,7 @@
           <a:noFill/>
           <a:ln w="9525" cap="flat" cmpd="sng" algn="ctr">
             <a:solidFill>
-              <a:srgbClr val="6600CC"/>
+              <a:srgbClr val="996633"/>
             </a:solidFill>
             <a:prstDash val="lgDash"/>
             <a:round/>
@@ -8331,42 +8286,55 @@
       </p:sp>
       <p:sp>
         <p:nvSpPr>
-          <p:cNvPr id="1086" name="テキスト ボックス 1085">
-            <a:extLst>
-              <a:ext uri="{FF2B5EF4-FFF2-40B4-BE49-F238E27FC236}">
-                <a16:creationId xmlns:a16="http://schemas.microsoft.com/office/drawing/2014/main" id="{7DAF253D-983A-427E-98C3-85CAE131F150}"/>
-              </a:ext>
-            </a:extLst>
-          </p:cNvPr>
-          <p:cNvSpPr txBox="1"/>
-          <p:nvPr/>
-        </p:nvSpPr>
-        <p:spPr>
-          <a:xfrm>
-            <a:off x="156696" y="108401"/>
-            <a:ext cx="5142375" cy="461665"/>
+          <p:cNvPr id="1265" name="正方形/長方形 1264">
+            <a:extLst>
+              <a:ext uri="{FF2B5EF4-FFF2-40B4-BE49-F238E27FC236}">
+                <a16:creationId xmlns:a16="http://schemas.microsoft.com/office/drawing/2014/main" id="{065D2429-D342-4B89-95CB-FD1B6C06A911}"/>
+              </a:ext>
+            </a:extLst>
+          </p:cNvPr>
+          <p:cNvSpPr/>
+          <p:nvPr/>
+        </p:nvSpPr>
+        <p:spPr>
+          <a:xfrm>
+            <a:off x="9984161" y="121978"/>
+            <a:ext cx="2090179" cy="691035"/>
           </a:xfrm>
           <a:prstGeom prst="rect">
             <a:avLst/>
           </a:prstGeom>
           <a:noFill/>
-        </p:spPr>
-        <p:txBody>
-          <a:bodyPr wrap="square">
-            <a:spAutoFit/>
-          </a:bodyPr>
-          <a:lstStyle/>
-          <a:p>
-            <a:r>
-              <a:rPr kumimoji="1" lang="en-US" altLang="ja-JP" sz="2400">
-                <a:solidFill>
-                  <a:schemeClr val="bg1">
-                    <a:lumMod val="75000"/>
-                  </a:schemeClr>
-                </a:solidFill>
-              </a:rPr>
-              <a:t>Rust Memory Container Cheat-sheet</a:t>
-            </a:r>
+          <a:ln w="9525" cap="flat" cmpd="sng" algn="ctr">
+            <a:solidFill>
+              <a:srgbClr val="996633"/>
+            </a:solidFill>
+            <a:prstDash val="lgDash"/>
+            <a:round/>
+            <a:headEnd type="none" w="med" len="med"/>
+            <a:tailEnd type="none" w="med" len="med"/>
+          </a:ln>
+        </p:spPr>
+        <p:style>
+          <a:lnRef idx="0">
+            <a:scrgbClr r="0" g="0" b="0"/>
+          </a:lnRef>
+          <a:fillRef idx="0">
+            <a:scrgbClr r="0" g="0" b="0"/>
+          </a:fillRef>
+          <a:effectRef idx="0">
+            <a:scrgbClr r="0" g="0" b="0"/>
+          </a:effectRef>
+          <a:fontRef idx="minor">
+            <a:schemeClr val="dk1"/>
+          </a:fontRef>
+        </p:style>
+        <p:txBody>
+          <a:bodyPr rtlCol="0" anchor="ctr"/>
+          <a:lstStyle/>
+          <a:p>
+            <a:pPr algn="ctr"/>
+            <a:endParaRPr kumimoji="1" lang="ja-JP" altLang="en-US"/>
           </a:p>
         </p:txBody>
       </p:sp>

--- a/rust-memory-container-cs.pptx
+++ b/rust-memory-container-cs.pptx
@@ -104,6 +104,11 @@
       </a:defRPr>
     </a:lvl9pPr>
   </p:defaultTextStyle>
+  <p:extLst>
+    <p:ext uri="{EFAFB233-063F-42B5-8137-9DF3F51BA10A}">
+      <p15:sldGuideLst xmlns:p15="http://schemas.microsoft.com/office/powerpoint/2012/main"/>
+    </p:ext>
+  </p:extLst>
 </p:presentation>
 </file>
 
@@ -238,7 +243,7 @@
           <a:p>
             <a:fld id="{7CC16B7A-B226-4E33-9198-9F6DB6136268}" type="datetimeFigureOut">
               <a:rPr kumimoji="1" lang="ja-JP" altLang="en-US" smtClean="0"/>
-              <a:t>2020/8/21</a:t>
+              <a:t>2020/9/24</a:t>
             </a:fld>
             <a:endParaRPr kumimoji="1" lang="ja-JP" altLang="en-US"/>
           </a:p>
@@ -440,7 +445,7 @@
           <a:p>
             <a:fld id="{7CC16B7A-B226-4E33-9198-9F6DB6136268}" type="datetimeFigureOut">
               <a:rPr kumimoji="1" lang="ja-JP" altLang="en-US" smtClean="0"/>
-              <a:t>2020/8/21</a:t>
+              <a:t>2020/9/24</a:t>
             </a:fld>
             <a:endParaRPr kumimoji="1" lang="ja-JP" altLang="en-US"/>
           </a:p>
@@ -652,7 +657,7 @@
           <a:p>
             <a:fld id="{7CC16B7A-B226-4E33-9198-9F6DB6136268}" type="datetimeFigureOut">
               <a:rPr kumimoji="1" lang="ja-JP" altLang="en-US" smtClean="0"/>
-              <a:t>2020/8/21</a:t>
+              <a:t>2020/9/24</a:t>
             </a:fld>
             <a:endParaRPr kumimoji="1" lang="ja-JP" altLang="en-US"/>
           </a:p>
@@ -854,7 +859,7 @@
           <a:p>
             <a:fld id="{7CC16B7A-B226-4E33-9198-9F6DB6136268}" type="datetimeFigureOut">
               <a:rPr kumimoji="1" lang="ja-JP" altLang="en-US" smtClean="0"/>
-              <a:t>2020/8/21</a:t>
+              <a:t>2020/9/24</a:t>
             </a:fld>
             <a:endParaRPr kumimoji="1" lang="ja-JP" altLang="en-US"/>
           </a:p>
@@ -1100,7 +1105,7 @@
           <a:p>
             <a:fld id="{7CC16B7A-B226-4E33-9198-9F6DB6136268}" type="datetimeFigureOut">
               <a:rPr kumimoji="1" lang="ja-JP" altLang="en-US" smtClean="0"/>
-              <a:t>2020/8/21</a:t>
+              <a:t>2020/9/24</a:t>
             </a:fld>
             <a:endParaRPr kumimoji="1" lang="ja-JP" altLang="en-US"/>
           </a:p>
@@ -1396,7 +1401,7 @@
           <a:p>
             <a:fld id="{7CC16B7A-B226-4E33-9198-9F6DB6136268}" type="datetimeFigureOut">
               <a:rPr kumimoji="1" lang="ja-JP" altLang="en-US" smtClean="0"/>
-              <a:t>2020/8/21</a:t>
+              <a:t>2020/9/24</a:t>
             </a:fld>
             <a:endParaRPr kumimoji="1" lang="ja-JP" altLang="en-US"/>
           </a:p>
@@ -1827,7 +1832,7 @@
           <a:p>
             <a:fld id="{7CC16B7A-B226-4E33-9198-9F6DB6136268}" type="datetimeFigureOut">
               <a:rPr kumimoji="1" lang="ja-JP" altLang="en-US" smtClean="0"/>
-              <a:t>2020/8/21</a:t>
+              <a:t>2020/9/24</a:t>
             </a:fld>
             <a:endParaRPr kumimoji="1" lang="ja-JP" altLang="en-US"/>
           </a:p>
@@ -1945,7 +1950,7 @@
           <a:p>
             <a:fld id="{7CC16B7A-B226-4E33-9198-9F6DB6136268}" type="datetimeFigureOut">
               <a:rPr kumimoji="1" lang="ja-JP" altLang="en-US" smtClean="0"/>
-              <a:t>2020/8/21</a:t>
+              <a:t>2020/9/24</a:t>
             </a:fld>
             <a:endParaRPr kumimoji="1" lang="ja-JP" altLang="en-US"/>
           </a:p>
@@ -2040,7 +2045,7 @@
           <a:p>
             <a:fld id="{7CC16B7A-B226-4E33-9198-9F6DB6136268}" type="datetimeFigureOut">
               <a:rPr kumimoji="1" lang="ja-JP" altLang="en-US" smtClean="0"/>
-              <a:t>2020/8/21</a:t>
+              <a:t>2020/9/24</a:t>
             </a:fld>
             <a:endParaRPr kumimoji="1" lang="ja-JP" altLang="en-US"/>
           </a:p>
@@ -2349,7 +2354,7 @@
           <a:p>
             <a:fld id="{7CC16B7A-B226-4E33-9198-9F6DB6136268}" type="datetimeFigureOut">
               <a:rPr kumimoji="1" lang="ja-JP" altLang="en-US" smtClean="0"/>
-              <a:t>2020/8/21</a:t>
+              <a:t>2020/9/24</a:t>
             </a:fld>
             <a:endParaRPr kumimoji="1" lang="ja-JP" altLang="en-US"/>
           </a:p>
@@ -2606,7 +2611,7 @@
           <a:p>
             <a:fld id="{7CC16B7A-B226-4E33-9198-9F6DB6136268}" type="datetimeFigureOut">
               <a:rPr kumimoji="1" lang="ja-JP" altLang="en-US" smtClean="0"/>
-              <a:t>2020/8/21</a:t>
+              <a:t>2020/9/24</a:t>
             </a:fld>
             <a:endParaRPr kumimoji="1" lang="ja-JP" altLang="en-US"/>
           </a:p>
@@ -2851,7 +2856,7 @@
           <a:p>
             <a:fld id="{7CC16B7A-B226-4E33-9198-9F6DB6136268}" type="datetimeFigureOut">
               <a:rPr kumimoji="1" lang="ja-JP" altLang="en-US" smtClean="0"/>
-              <a:t>2020/8/21</a:t>
+              <a:t>2020/9/24</a:t>
             </a:fld>
             <a:endParaRPr kumimoji="1" lang="ja-JP" altLang="en-US"/>
           </a:p>
@@ -3407,7 +3412,7 @@
                   <a:srgbClr val="818181"/>
                 </a:solidFill>
               </a:rPr>
-              <a:t>rev.1; 2020-08-22</a:t>
+              <a:t>rev.2; 2020-09-24</a:t>
             </a:r>
           </a:p>
           <a:p>
@@ -3602,6 +3607,14 @@
               </a:rPr>
               <a:t>&gt;</a:t>
             </a:r>
+            <a:r>
+              <a:rPr kumimoji="1" lang="en-US" altLang="ja-JP" baseline="30000">
+                <a:solidFill>
+                  <a:srgbClr val="818181"/>
+                </a:solidFill>
+              </a:rPr>
+              <a:t> (†3)</a:t>
+            </a:r>
             <a:endParaRPr kumimoji="1" lang="ja-JP" altLang="en-US">
               <a:solidFill>
                 <a:srgbClr val="00B0F0"/>
@@ -3670,6 +3683,14 @@
               </a:rPr>
               <a:t>&gt;</a:t>
             </a:r>
+            <a:r>
+              <a:rPr kumimoji="1" lang="en-US" altLang="ja-JP" baseline="30000">
+                <a:solidFill>
+                  <a:srgbClr val="818181"/>
+                </a:solidFill>
+              </a:rPr>
+              <a:t> (†3)</a:t>
+            </a:r>
             <a:endParaRPr kumimoji="1" lang="ja-JP" altLang="en-US">
               <a:solidFill>
                 <a:srgbClr val="00B0F0"/>
@@ -3998,6 +4019,14 @@
               </a:rPr>
               <a:t>&gt;&gt;</a:t>
             </a:r>
+            <a:r>
+              <a:rPr kumimoji="1" lang="en-US" altLang="ja-JP" baseline="30000">
+                <a:solidFill>
+                  <a:srgbClr val="818181"/>
+                </a:solidFill>
+              </a:rPr>
+              <a:t> (†3)</a:t>
+            </a:r>
             <a:endParaRPr kumimoji="1" lang="ja-JP" altLang="en-US">
               <a:solidFill>
                 <a:srgbClr val="00B0F0"/>
@@ -4081,6 +4110,14 @@
                 </a:solidFill>
               </a:rPr>
               <a:t>&gt;&gt;</a:t>
+            </a:r>
+            <a:r>
+              <a:rPr kumimoji="1" lang="en-US" altLang="ja-JP" baseline="30000">
+                <a:solidFill>
+                  <a:srgbClr val="818181"/>
+                </a:solidFill>
+              </a:rPr>
+              <a:t> (†3)</a:t>
             </a:r>
             <a:endParaRPr kumimoji="1" lang="ja-JP" altLang="en-US">
               <a:solidFill>
@@ -6785,7 +6822,7 @@
         <p:spPr>
           <a:xfrm>
             <a:off x="8590464" y="3126903"/>
-            <a:ext cx="1356910" cy="369332"/>
+            <a:ext cx="1513941" cy="369332"/>
           </a:xfrm>
           <a:prstGeom prst="rect">
             <a:avLst/>
@@ -6806,7 +6843,7 @@
                   <a:schemeClr val="accent1"/>
                 </a:solidFill>
               </a:rPr>
-              <a:t>&lt;Copy-able&gt;</a:t>
+              <a:t>&lt;Copy|move&gt;</a:t>
             </a:r>
             <a:endParaRPr kumimoji="1" lang="ja-JP" altLang="en-US">
               <a:solidFill>
@@ -6831,7 +6868,7 @@
         <p:spPr>
           <a:xfrm>
             <a:off x="8590464" y="3519257"/>
-            <a:ext cx="747833" cy="369332"/>
+            <a:ext cx="1523750" cy="369332"/>
           </a:xfrm>
           <a:prstGeom prst="rect">
             <a:avLst/>
@@ -6854,7 +6891,7 @@
                   </a:schemeClr>
                 </a:solidFill>
               </a:rPr>
-              <a:t>&lt;any&gt;</a:t>
+              <a:t>&lt;&amp; reference&gt;</a:t>
             </a:r>
             <a:endParaRPr kumimoji="1" lang="ja-JP" altLang="en-US">
               <a:solidFill>
@@ -7138,7 +7175,7 @@
         <p:spPr>
           <a:xfrm>
             <a:off x="8590464" y="1567121"/>
-            <a:ext cx="1356910" cy="369332"/>
+            <a:ext cx="1513941" cy="369332"/>
           </a:xfrm>
           <a:prstGeom prst="rect">
             <a:avLst/>
@@ -7159,7 +7196,7 @@
                   <a:schemeClr val="accent1"/>
                 </a:solidFill>
               </a:rPr>
-              <a:t>&lt;Copy-able&gt;</a:t>
+              <a:t>&lt;Copy|move&gt;</a:t>
             </a:r>
             <a:endParaRPr kumimoji="1" lang="ja-JP" altLang="en-US">
               <a:solidFill>
@@ -7184,7 +7221,7 @@
         <p:spPr>
           <a:xfrm>
             <a:off x="8590464" y="1933655"/>
-            <a:ext cx="747833" cy="369332"/>
+            <a:ext cx="1523750" cy="369332"/>
           </a:xfrm>
           <a:prstGeom prst="rect">
             <a:avLst/>
@@ -7207,7 +7244,7 @@
                   </a:schemeClr>
                 </a:solidFill>
               </a:rPr>
-              <a:t>&lt;any&gt;</a:t>
+              <a:t>&lt;&amp; reference&gt;</a:t>
             </a:r>
             <a:endParaRPr kumimoji="1" lang="ja-JP" altLang="en-US">
               <a:solidFill>
@@ -7657,7 +7694,7 @@
         <p:spPr>
           <a:xfrm>
             <a:off x="6196034" y="22243"/>
-            <a:ext cx="2317204" cy="1323439"/>
+            <a:ext cx="2317204" cy="707886"/>
           </a:xfrm>
           <a:prstGeom prst="rect">
             <a:avLst/>
@@ -7725,87 +7762,6 @@
                 </a:solidFill>
               </a:rPr>
               <a:t> x: T` for your binding if it needs mutability”.</a:t>
-            </a:r>
-          </a:p>
-          <a:p>
-            <a:endParaRPr kumimoji="1" lang="en-US" altLang="ja-JP" sz="1000">
-              <a:solidFill>
-                <a:srgbClr val="818181"/>
-              </a:solidFill>
-            </a:endParaRPr>
-          </a:p>
-          <a:p>
-            <a:r>
-              <a:rPr kumimoji="1" lang="en-US" altLang="ja-JP" sz="1000">
-                <a:solidFill>
-                  <a:srgbClr val="818181"/>
-                </a:solidFill>
-              </a:rPr>
-              <a:t>(†2): `</a:t>
-            </a:r>
-            <a:r>
-              <a:rPr kumimoji="1" lang="en-US" altLang="ja-JP" sz="1000" err="1">
-                <a:solidFill>
-                  <a:srgbClr val="818181"/>
-                </a:solidFill>
-              </a:rPr>
-              <a:t>bool|int</a:t>
-            </a:r>
-            <a:r>
-              <a:rPr kumimoji="1" lang="en-US" altLang="ja-JP" sz="1000">
-                <a:solidFill>
-                  <a:srgbClr val="818181"/>
-                </a:solidFill>
-              </a:rPr>
-              <a:t>` means to “Boolean or Integral” that is Bool, I8, I16, I32, I64, </a:t>
-            </a:r>
-            <a:r>
-              <a:rPr kumimoji="1" lang="en-US" altLang="ja-JP" sz="1000" err="1">
-                <a:solidFill>
-                  <a:srgbClr val="818181"/>
-                </a:solidFill>
-              </a:rPr>
-              <a:t>Isize</a:t>
-            </a:r>
-            <a:r>
-              <a:rPr kumimoji="1" lang="en-US" altLang="ja-JP" sz="1000">
-                <a:solidFill>
-                  <a:srgbClr val="818181"/>
-                </a:solidFill>
-              </a:rPr>
-              <a:t>, U8, U16, U32, U64, </a:t>
-            </a:r>
-            <a:r>
-              <a:rPr kumimoji="1" lang="en-US" altLang="ja-JP" sz="1000" err="1">
-                <a:solidFill>
-                  <a:srgbClr val="818181"/>
-                </a:solidFill>
-              </a:rPr>
-              <a:t>Usize</a:t>
-            </a:r>
-            <a:r>
-              <a:rPr kumimoji="1" lang="en-US" altLang="ja-JP" sz="1000">
-                <a:solidFill>
-                  <a:srgbClr val="818181"/>
-                </a:solidFill>
-              </a:rPr>
-              <a:t> and </a:t>
-            </a:r>
-            <a:r>
-              <a:rPr kumimoji="1" lang="en-US" altLang="ja-JP" sz="1000" err="1">
-                <a:solidFill>
-                  <a:srgbClr val="818181"/>
-                </a:solidFill>
-              </a:rPr>
-              <a:t>Ptr</a:t>
-            </a:r>
-            <a:r>
-              <a:rPr kumimoji="1" lang="en-US" altLang="ja-JP" sz="1000">
-                <a:solidFill>
-                  <a:srgbClr val="818181"/>
-                </a:solidFill>
-              </a:rPr>
-              <a:t>.</a:t>
             </a:r>
           </a:p>
         </p:txBody>
@@ -8335,6 +8291,148 @@
           <a:p>
             <a:pPr algn="ctr"/>
             <a:endParaRPr kumimoji="1" lang="ja-JP" altLang="en-US"/>
+          </a:p>
+        </p:txBody>
+      </p:sp>
+      <p:sp>
+        <p:nvSpPr>
+          <p:cNvPr id="3" name="テキスト ボックス 2">
+            <a:extLst>
+              <a:ext uri="{FF2B5EF4-FFF2-40B4-BE49-F238E27FC236}">
+                <a16:creationId xmlns:a16="http://schemas.microsoft.com/office/drawing/2014/main" id="{C618D43E-647F-415F-A1AA-0D5E7BC92516}"/>
+              </a:ext>
+            </a:extLst>
+          </p:cNvPr>
+          <p:cNvSpPr txBox="1"/>
+          <p:nvPr/>
+        </p:nvSpPr>
+        <p:spPr>
+          <a:xfrm>
+            <a:off x="3783368" y="532802"/>
+            <a:ext cx="2317204" cy="707886"/>
+          </a:xfrm>
+          <a:prstGeom prst="rect">
+            <a:avLst/>
+          </a:prstGeom>
+          <a:noFill/>
+        </p:spPr>
+        <p:txBody>
+          <a:bodyPr wrap="square">
+            <a:spAutoFit/>
+          </a:bodyPr>
+          <a:lstStyle/>
+          <a:p>
+            <a:r>
+              <a:rPr kumimoji="1" lang="en-US" altLang="ja-JP" sz="1000">
+                <a:solidFill>
+                  <a:srgbClr val="818181"/>
+                </a:solidFill>
+              </a:rPr>
+              <a:t>(†3): Choose `RefCell` if you want plain `&amp;` references to the contained data. On the other hand, `Cell` will need `Copy` or `.replace` and move operations.</a:t>
+            </a:r>
+          </a:p>
+        </p:txBody>
+      </p:sp>
+      <p:sp>
+        <p:nvSpPr>
+          <p:cNvPr id="6" name="テキスト ボックス 5">
+            <a:extLst>
+              <a:ext uri="{FF2B5EF4-FFF2-40B4-BE49-F238E27FC236}">
+                <a16:creationId xmlns:a16="http://schemas.microsoft.com/office/drawing/2014/main" id="{6F09AA8F-323A-4153-A074-C458B7427366}"/>
+              </a:ext>
+            </a:extLst>
+          </p:cNvPr>
+          <p:cNvSpPr txBox="1"/>
+          <p:nvPr/>
+        </p:nvSpPr>
+        <p:spPr>
+          <a:xfrm>
+            <a:off x="6196033" y="708406"/>
+            <a:ext cx="2317204" cy="553998"/>
+          </a:xfrm>
+          <a:prstGeom prst="rect">
+            <a:avLst/>
+          </a:prstGeom>
+          <a:noFill/>
+        </p:spPr>
+        <p:txBody>
+          <a:bodyPr wrap="square">
+            <a:spAutoFit/>
+          </a:bodyPr>
+          <a:lstStyle/>
+          <a:p>
+            <a:r>
+              <a:rPr kumimoji="1" lang="en-US" altLang="ja-JP" sz="1000">
+                <a:solidFill>
+                  <a:srgbClr val="818181"/>
+                </a:solidFill>
+              </a:rPr>
+              <a:t>(†2): `</a:t>
+            </a:r>
+            <a:r>
+              <a:rPr kumimoji="1" lang="en-US" altLang="ja-JP" sz="1000" err="1">
+                <a:solidFill>
+                  <a:srgbClr val="818181"/>
+                </a:solidFill>
+              </a:rPr>
+              <a:t>bool|int</a:t>
+            </a:r>
+            <a:r>
+              <a:rPr kumimoji="1" lang="en-US" altLang="ja-JP" sz="1000">
+                <a:solidFill>
+                  <a:srgbClr val="818181"/>
+                </a:solidFill>
+              </a:rPr>
+              <a:t>` means to “Boolean or Integral” that is Bool, I8, I16, I32, I64, </a:t>
+            </a:r>
+            <a:r>
+              <a:rPr kumimoji="1" lang="en-US" altLang="ja-JP" sz="1000" err="1">
+                <a:solidFill>
+                  <a:srgbClr val="818181"/>
+                </a:solidFill>
+              </a:rPr>
+              <a:t>Isize</a:t>
+            </a:r>
+            <a:r>
+              <a:rPr kumimoji="1" lang="en-US" altLang="ja-JP" sz="1000">
+                <a:solidFill>
+                  <a:srgbClr val="818181"/>
+                </a:solidFill>
+              </a:rPr>
+              <a:t>, U8, U16, U32, U64, </a:t>
+            </a:r>
+            <a:r>
+              <a:rPr kumimoji="1" lang="en-US" altLang="ja-JP" sz="1000" err="1">
+                <a:solidFill>
+                  <a:srgbClr val="818181"/>
+                </a:solidFill>
+              </a:rPr>
+              <a:t>Usize</a:t>
+            </a:r>
+            <a:r>
+              <a:rPr kumimoji="1" lang="en-US" altLang="ja-JP" sz="1000">
+                <a:solidFill>
+                  <a:srgbClr val="818181"/>
+                </a:solidFill>
+              </a:rPr>
+              <a:t> and </a:t>
+            </a:r>
+            <a:r>
+              <a:rPr kumimoji="1" lang="en-US" altLang="ja-JP" sz="1000" err="1">
+                <a:solidFill>
+                  <a:srgbClr val="818181"/>
+                </a:solidFill>
+              </a:rPr>
+              <a:t>Ptr</a:t>
+            </a:r>
+            <a:r>
+              <a:rPr kumimoji="1" lang="en-US" altLang="ja-JP" sz="1000">
+                <a:solidFill>
+                  <a:srgbClr val="818181"/>
+                </a:solidFill>
+              </a:rPr>
+              <a:t>.</a:t>
+            </a:r>
           </a:p>
         </p:txBody>
       </p:sp>
